--- a/R1/R1.pptx
+++ b/R1/R1.pptx
@@ -5,26 +5,29 @@
     <p:sldMasterId id="2147483648" r:id="rId1"/>
   </p:sldMasterIdLst>
   <p:notesMasterIdLst>
-    <p:notesMasterId r:id="rId19"/>
+    <p:notesMasterId r:id="rId22"/>
   </p:notesMasterIdLst>
   <p:sldIdLst>
     <p:sldId id="256" r:id="rId2"/>
     <p:sldId id="271" r:id="rId3"/>
     <p:sldId id="258" r:id="rId4"/>
     <p:sldId id="257" r:id="rId5"/>
-    <p:sldId id="270" r:id="rId6"/>
-    <p:sldId id="272" r:id="rId7"/>
-    <p:sldId id="259" r:id="rId8"/>
-    <p:sldId id="260" r:id="rId9"/>
-    <p:sldId id="261" r:id="rId10"/>
-    <p:sldId id="262" r:id="rId11"/>
-    <p:sldId id="269" r:id="rId12"/>
-    <p:sldId id="264" r:id="rId13"/>
-    <p:sldId id="263" r:id="rId14"/>
-    <p:sldId id="265" r:id="rId15"/>
-    <p:sldId id="266" r:id="rId16"/>
-    <p:sldId id="268" r:id="rId17"/>
-    <p:sldId id="273" r:id="rId18"/>
+    <p:sldId id="275" r:id="rId6"/>
+    <p:sldId id="276" r:id="rId7"/>
+    <p:sldId id="270" r:id="rId8"/>
+    <p:sldId id="272" r:id="rId9"/>
+    <p:sldId id="259" r:id="rId10"/>
+    <p:sldId id="260" r:id="rId11"/>
+    <p:sldId id="261" r:id="rId12"/>
+    <p:sldId id="262" r:id="rId13"/>
+    <p:sldId id="269" r:id="rId14"/>
+    <p:sldId id="264" r:id="rId15"/>
+    <p:sldId id="263" r:id="rId16"/>
+    <p:sldId id="265" r:id="rId17"/>
+    <p:sldId id="266" r:id="rId18"/>
+    <p:sldId id="268" r:id="rId19"/>
+    <p:sldId id="274" r:id="rId20"/>
+    <p:sldId id="273" r:id="rId21"/>
   </p:sldIdLst>
   <p:sldSz cx="12192000" cy="6858000"/>
   <p:notesSz cx="6858000" cy="9144000"/>
@@ -629,7 +632,7 @@
           <a:p>
             <a:fld id="{692EA6E6-7873-584E-A953-FFF3CE15BC43}" type="slidenum">
               <a:rPr kumimoji="1" lang="zh-TW" altLang="en-US" smtClean="0"/>
-              <a:t>4</a:t>
+              <a:t>6</a:t>
             </a:fld>
             <a:endParaRPr kumimoji="1" lang="zh-TW" altLang="en-US"/>
           </a:p>
@@ -4262,6 +4265,2328 @@
           <a:chExt cx="0" cy="0"/>
         </a:xfrm>
       </p:grpSpPr>
+      <p:sp>
+        <p:nvSpPr>
+          <p:cNvPr id="10" name="文字方塊 9">
+            <a:extLst>
+              <a:ext uri="{FF2B5EF4-FFF2-40B4-BE49-F238E27FC236}">
+                <a16:creationId xmlns:a16="http://schemas.microsoft.com/office/drawing/2014/main" id="{19F863EE-1DBE-AA03-1CDA-0F405CE12CCB}"/>
+              </a:ext>
+            </a:extLst>
+          </p:cNvPr>
+          <p:cNvSpPr txBox="1"/>
+          <p:nvPr/>
+        </p:nvSpPr>
+        <p:spPr>
+          <a:xfrm>
+            <a:off x="604027" y="527227"/>
+            <a:ext cx="7926656" cy="584775"/>
+          </a:xfrm>
+          <a:prstGeom prst="rect">
+            <a:avLst/>
+          </a:prstGeom>
+          <a:noFill/>
+        </p:spPr>
+        <p:txBody>
+          <a:bodyPr wrap="square" rtlCol="0">
+            <a:spAutoFit/>
+          </a:bodyPr>
+          <a:lstStyle/>
+          <a:p>
+            <a:r>
+              <a:rPr kumimoji="1" lang="en-US" altLang="zh-TW" sz="3200" b="1" dirty="0">
+                <a:solidFill>
+                  <a:srgbClr val="0070C0"/>
+                </a:solidFill>
+                <a:latin typeface="DengXian" panose="02010600030101010101" pitchFamily="2" charset="-122"/>
+                <a:ea typeface="DengXian" panose="02010600030101010101" pitchFamily="2" charset="-122"/>
+              </a:rPr>
+              <a:t>LLM</a:t>
+            </a:r>
+            <a:r>
+              <a:rPr kumimoji="1" lang="zh-TW" altLang="en-US" sz="3200" b="1" dirty="0">
+                <a:latin typeface="DengXian" panose="02010600030101010101" pitchFamily="2" charset="-122"/>
+                <a:ea typeface="DengXian" panose="02010600030101010101" pitchFamily="2" charset="-122"/>
+              </a:rPr>
+              <a:t> </a:t>
+            </a:r>
+            <a:r>
+              <a:rPr kumimoji="1" lang="zh-TW" altLang="en-US" sz="3200" b="1" dirty="0">
+                <a:latin typeface="+mj-ea"/>
+                <a:ea typeface="+mj-ea"/>
+              </a:rPr>
+              <a:t>就像是期末考 </a:t>
+            </a:r>
+            <a:r>
+              <a:rPr kumimoji="1" lang="zh-TW" altLang="en-US" sz="3200" b="1" dirty="0">
+                <a:solidFill>
+                  <a:srgbClr val="0070C0"/>
+                </a:solidFill>
+                <a:latin typeface="+mj-ea"/>
+                <a:ea typeface="+mj-ea"/>
+              </a:rPr>
+              <a:t>裸考 </a:t>
+            </a:r>
+            <a:r>
+              <a:rPr kumimoji="1" lang="zh-TW" altLang="en-US" sz="3200" b="1" dirty="0">
+                <a:latin typeface="+mj-ea"/>
+                <a:ea typeface="+mj-ea"/>
+              </a:rPr>
+              <a:t>的你 </a:t>
+            </a:r>
+            <a:r>
+              <a:rPr kumimoji="1" lang="en-US" altLang="zh-TW" sz="3200" b="1" dirty="0">
+                <a:latin typeface="+mj-ea"/>
+                <a:ea typeface="+mj-ea"/>
+              </a:rPr>
+              <a:t>…</a:t>
+            </a:r>
+          </a:p>
+        </p:txBody>
+      </p:sp>
+      <p:pic>
+        <p:nvPicPr>
+          <p:cNvPr id="25" name="圖片 24">
+            <a:extLst>
+              <a:ext uri="{FF2B5EF4-FFF2-40B4-BE49-F238E27FC236}">
+                <a16:creationId xmlns:a16="http://schemas.microsoft.com/office/drawing/2014/main" id="{B46A13F8-67F8-6804-C28C-0001091C7E16}"/>
+              </a:ext>
+            </a:extLst>
+          </p:cNvPr>
+          <p:cNvPicPr>
+            <a:picLocks noChangeAspect="1"/>
+          </p:cNvPicPr>
+          <p:nvPr/>
+        </p:nvPicPr>
+        <p:blipFill>
+          <a:blip r:embed="rId2"/>
+          <a:stretch>
+            <a:fillRect/>
+          </a:stretch>
+        </p:blipFill>
+        <p:spPr>
+          <a:xfrm>
+            <a:off x="867038" y="2275162"/>
+            <a:ext cx="2883029" cy="2883029"/>
+          </a:xfrm>
+          <a:prstGeom prst="rect">
+            <a:avLst/>
+          </a:prstGeom>
+        </p:spPr>
+      </p:pic>
+      <p:sp>
+        <p:nvSpPr>
+          <p:cNvPr id="26" name="文字方塊 25">
+            <a:extLst>
+              <a:ext uri="{FF2B5EF4-FFF2-40B4-BE49-F238E27FC236}">
+                <a16:creationId xmlns:a16="http://schemas.microsoft.com/office/drawing/2014/main" id="{B9F8545C-84E7-5A39-BB3F-B8CED8B62D48}"/>
+              </a:ext>
+            </a:extLst>
+          </p:cNvPr>
+          <p:cNvSpPr txBox="1"/>
+          <p:nvPr/>
+        </p:nvSpPr>
+        <p:spPr>
+          <a:xfrm>
+            <a:off x="4526258" y="1685681"/>
+            <a:ext cx="3770449" cy="369332"/>
+          </a:xfrm>
+          <a:prstGeom prst="rect">
+            <a:avLst/>
+          </a:prstGeom>
+          <a:noFill/>
+        </p:spPr>
+        <p:txBody>
+          <a:bodyPr wrap="square" rtlCol="0">
+            <a:spAutoFit/>
+          </a:bodyPr>
+          <a:lstStyle/>
+          <a:p>
+            <a:r>
+              <a:rPr kumimoji="1" lang="zh-TW" altLang="en-US" b="1" u="sng" dirty="0">
+                <a:latin typeface="Microsoft JhengHei" panose="020B0604030504040204" pitchFamily="34" charset="-120"/>
+                <a:ea typeface="Microsoft JhengHei" panose="020B0604030504040204" pitchFamily="34" charset="-120"/>
+              </a:rPr>
+              <a:t>題目：為什麼 </a:t>
+            </a:r>
+            <a:r>
+              <a:rPr kumimoji="1" lang="en-US" altLang="zh-TW" b="1" u="sng" dirty="0">
+                <a:latin typeface="DengXian" panose="02010600030101010101" pitchFamily="2" charset="-122"/>
+                <a:ea typeface="DengXian" panose="02010600030101010101" pitchFamily="2" charset="-122"/>
+              </a:rPr>
+              <a:t>ML</a:t>
+            </a:r>
+            <a:r>
+              <a:rPr kumimoji="1" lang="zh-TW" altLang="en-US" b="1" u="sng" dirty="0">
+                <a:latin typeface="Microsoft JhengHei" panose="020B0604030504040204" pitchFamily="34" charset="-120"/>
+                <a:ea typeface="Microsoft JhengHei" panose="020B0604030504040204" pitchFamily="34" charset="-120"/>
+              </a:rPr>
+              <a:t> 需要正規化？</a:t>
+            </a:r>
+            <a:endParaRPr kumimoji="1" lang="en-US" altLang="zh-TW" b="1" u="sng" dirty="0">
+              <a:latin typeface="Microsoft JhengHei" panose="020B0604030504040204" pitchFamily="34" charset="-120"/>
+              <a:ea typeface="Microsoft JhengHei" panose="020B0604030504040204" pitchFamily="34" charset="-120"/>
+            </a:endParaRPr>
+          </a:p>
+        </p:txBody>
+      </p:sp>
+      <p:pic>
+        <p:nvPicPr>
+          <p:cNvPr id="28" name="圖片 27">
+            <a:extLst>
+              <a:ext uri="{FF2B5EF4-FFF2-40B4-BE49-F238E27FC236}">
+                <a16:creationId xmlns:a16="http://schemas.microsoft.com/office/drawing/2014/main" id="{D6AB73E9-D80D-CC47-02F4-C20FAB2C05D2}"/>
+              </a:ext>
+            </a:extLst>
+          </p:cNvPr>
+          <p:cNvPicPr>
+            <a:picLocks noChangeAspect="1"/>
+          </p:cNvPicPr>
+          <p:nvPr/>
+        </p:nvPicPr>
+        <p:blipFill>
+          <a:blip r:embed="rId3"/>
+          <a:stretch>
+            <a:fillRect/>
+          </a:stretch>
+        </p:blipFill>
+        <p:spPr>
+          <a:xfrm>
+            <a:off x="4526256" y="3957371"/>
+            <a:ext cx="6930334" cy="2373402"/>
+          </a:xfrm>
+          <a:prstGeom prst="rect">
+            <a:avLst/>
+          </a:prstGeom>
+          <a:effectLst>
+            <a:outerShdw blurRad="50800" dist="38100" dir="2700000" algn="tl" rotWithShape="0">
+              <a:prstClr val="black">
+                <a:alpha val="40000"/>
+              </a:prstClr>
+            </a:outerShdw>
+          </a:effectLst>
+        </p:spPr>
+      </p:pic>
+      <p:sp>
+        <p:nvSpPr>
+          <p:cNvPr id="29" name="文字方塊 28">
+            <a:extLst>
+              <a:ext uri="{FF2B5EF4-FFF2-40B4-BE49-F238E27FC236}">
+                <a16:creationId xmlns:a16="http://schemas.microsoft.com/office/drawing/2014/main" id="{A5FA3462-DD17-EC6B-2975-41DAEB23F0C2}"/>
+              </a:ext>
+            </a:extLst>
+          </p:cNvPr>
+          <p:cNvSpPr txBox="1"/>
+          <p:nvPr/>
+        </p:nvSpPr>
+        <p:spPr>
+          <a:xfrm>
+            <a:off x="4526256" y="2341515"/>
+            <a:ext cx="5253363" cy="1200329"/>
+          </a:xfrm>
+          <a:prstGeom prst="rect">
+            <a:avLst/>
+          </a:prstGeom>
+          <a:noFill/>
+        </p:spPr>
+        <p:txBody>
+          <a:bodyPr wrap="square" rtlCol="0">
+            <a:spAutoFit/>
+          </a:bodyPr>
+          <a:lstStyle/>
+          <a:p>
+            <a:r>
+              <a:rPr kumimoji="1" lang="zh-TW" altLang="en-US" b="1" dirty="0">
+                <a:latin typeface="Microsoft JhengHei" panose="020B0604030504040204" pitchFamily="34" charset="-120"/>
+                <a:ea typeface="Microsoft JhengHei" panose="020B0604030504040204" pitchFamily="34" charset="-120"/>
+              </a:rPr>
+              <a:t>當沒有學習過相關知識時，</a:t>
+            </a:r>
+            <a:r>
+              <a:rPr kumimoji="1" lang="en-US" altLang="zh-TW" b="1" dirty="0">
+                <a:latin typeface="DengXian" panose="02010600030101010101" pitchFamily="2" charset="-122"/>
+                <a:ea typeface="DengXian" panose="02010600030101010101" pitchFamily="2" charset="-122"/>
+              </a:rPr>
+              <a:t>LLM</a:t>
+            </a:r>
+            <a:r>
+              <a:rPr kumimoji="1" lang="zh-TW" altLang="en-US" b="1" dirty="0">
+                <a:latin typeface="Microsoft JhengHei" panose="020B0604030504040204" pitchFamily="34" charset="-120"/>
+                <a:ea typeface="Microsoft JhengHei" panose="020B0604030504040204" pitchFamily="34" charset="-120"/>
+              </a:rPr>
+              <a:t> 可能會</a:t>
+            </a:r>
+            <a:endParaRPr kumimoji="1" lang="en-US" altLang="zh-TW" b="1" dirty="0">
+              <a:latin typeface="Microsoft JhengHei" panose="020B0604030504040204" pitchFamily="34" charset="-120"/>
+              <a:ea typeface="Microsoft JhengHei" panose="020B0604030504040204" pitchFamily="34" charset="-120"/>
+            </a:endParaRPr>
+          </a:p>
+          <a:p>
+            <a:endParaRPr kumimoji="1" lang="en-US" altLang="zh-TW" b="1" dirty="0">
+              <a:latin typeface="Microsoft JhengHei" panose="020B0604030504040204" pitchFamily="34" charset="-120"/>
+              <a:ea typeface="Microsoft JhengHei" panose="020B0604030504040204" pitchFamily="34" charset="-120"/>
+            </a:endParaRPr>
+          </a:p>
+          <a:p>
+            <a:pPr marL="342900" indent="-342900">
+              <a:buAutoNum type="arabicPeriod"/>
+            </a:pPr>
+            <a:r>
+              <a:rPr kumimoji="1" lang="zh-TW" altLang="en-US" b="1" dirty="0">
+                <a:latin typeface="Microsoft JhengHei" panose="020B0604030504040204" pitchFamily="34" charset="-120"/>
+                <a:ea typeface="Microsoft JhengHei" panose="020B0604030504040204" pitchFamily="34" charset="-120"/>
+              </a:rPr>
+              <a:t>拒絕回答</a:t>
+            </a:r>
+            <a:endParaRPr kumimoji="1" lang="en-US" altLang="zh-TW" b="1" dirty="0">
+              <a:latin typeface="Microsoft JhengHei" panose="020B0604030504040204" pitchFamily="34" charset="-120"/>
+              <a:ea typeface="Microsoft JhengHei" panose="020B0604030504040204" pitchFamily="34" charset="-120"/>
+            </a:endParaRPr>
+          </a:p>
+          <a:p>
+            <a:pPr marL="342900" indent="-342900">
+              <a:buAutoNum type="arabicPeriod"/>
+            </a:pPr>
+            <a:r>
+              <a:rPr kumimoji="1" lang="zh-TW" altLang="en-US" b="1" dirty="0">
+                <a:latin typeface="Microsoft JhengHei" panose="020B0604030504040204" pitchFamily="34" charset="-120"/>
+                <a:ea typeface="Microsoft JhengHei" panose="020B0604030504040204" pitchFamily="34" charset="-120"/>
+              </a:rPr>
+              <a:t>想辦法給一個 </a:t>
+            </a:r>
+            <a:r>
+              <a:rPr kumimoji="1" lang="zh-TW" altLang="en-US" b="1" dirty="0">
+                <a:solidFill>
+                  <a:srgbClr val="0070C0"/>
+                </a:solidFill>
+                <a:latin typeface="Microsoft JhengHei" panose="020B0604030504040204" pitchFamily="34" charset="-120"/>
+                <a:ea typeface="Microsoft JhengHei" panose="020B0604030504040204" pitchFamily="34" charset="-120"/>
+              </a:rPr>
+              <a:t>推</a:t>
+            </a:r>
+            <a:r>
+              <a:rPr kumimoji="1" lang="zh-TW" altLang="en-US" b="1" dirty="0">
+                <a:latin typeface="Microsoft JhengHei" panose="020B0604030504040204" pitchFamily="34" charset="-120"/>
+                <a:ea typeface="Microsoft JhengHei" panose="020B0604030504040204" pitchFamily="34" charset="-120"/>
+              </a:rPr>
+              <a:t>（蝦）</a:t>
+            </a:r>
+            <a:r>
+              <a:rPr kumimoji="1" lang="zh-TW" altLang="en-US" b="1" dirty="0">
+                <a:solidFill>
+                  <a:srgbClr val="0070C0"/>
+                </a:solidFill>
+                <a:latin typeface="Microsoft JhengHei" panose="020B0604030504040204" pitchFamily="34" charset="-120"/>
+                <a:ea typeface="Microsoft JhengHei" panose="020B0604030504040204" pitchFamily="34" charset="-120"/>
+              </a:rPr>
+              <a:t>論</a:t>
+            </a:r>
+            <a:r>
+              <a:rPr kumimoji="1" lang="zh-TW" altLang="en-US" b="1" dirty="0">
+                <a:latin typeface="Microsoft JhengHei" panose="020B0604030504040204" pitchFamily="34" charset="-120"/>
+                <a:ea typeface="Microsoft JhengHei" panose="020B0604030504040204" pitchFamily="34" charset="-120"/>
+              </a:rPr>
+              <a:t>（掰）出的答案</a:t>
+            </a:r>
+            <a:endParaRPr kumimoji="1" lang="en-US" altLang="zh-TW" b="1" dirty="0">
+              <a:latin typeface="Microsoft JhengHei" panose="020B0604030504040204" pitchFamily="34" charset="-120"/>
+              <a:ea typeface="Microsoft JhengHei" panose="020B0604030504040204" pitchFamily="34" charset="-120"/>
+            </a:endParaRPr>
+          </a:p>
+        </p:txBody>
+      </p:sp>
+      <p:sp>
+        <p:nvSpPr>
+          <p:cNvPr id="2" name="投影片編號版面配置區 1">
+            <a:extLst>
+              <a:ext uri="{FF2B5EF4-FFF2-40B4-BE49-F238E27FC236}">
+                <a16:creationId xmlns:a16="http://schemas.microsoft.com/office/drawing/2014/main" id="{B9219BA0-412E-96D0-D4CD-334EE678E8EE}"/>
+              </a:ext>
+            </a:extLst>
+          </p:cNvPr>
+          <p:cNvSpPr>
+            <a:spLocks noGrp="1"/>
+          </p:cNvSpPr>
+          <p:nvPr>
+            <p:ph type="sldNum" sz="quarter" idx="12"/>
+          </p:nvPr>
+        </p:nvSpPr>
+        <p:spPr/>
+        <p:txBody>
+          <a:bodyPr/>
+          <a:lstStyle/>
+          <a:p>
+            <a:fld id="{1CF45AF8-4138-9146-B609-F50164E207FA}" type="slidenum">
+              <a:rPr kumimoji="1" lang="zh-TW" altLang="en-US" smtClean="0"/>
+              <a:t>9</a:t>
+            </a:fld>
+            <a:endParaRPr kumimoji="1" lang="zh-TW" altLang="en-US"/>
+          </a:p>
+        </p:txBody>
+      </p:sp>
+    </p:spTree>
+    <p:extLst>
+      <p:ext uri="{BB962C8B-B14F-4D97-AF65-F5344CB8AC3E}">
+        <p14:creationId xmlns:p14="http://schemas.microsoft.com/office/powerpoint/2010/main" val="4156280819"/>
+      </p:ext>
+    </p:extLst>
+  </p:cSld>
+  <p:clrMapOvr>
+    <a:masterClrMapping/>
+  </p:clrMapOvr>
+</p:sld>
+</file>
+
+<file path=ppt/slides/slide11.xml><?xml version="1.0" encoding="utf-8"?>
+<p:sld xmlns:a="http://schemas.openxmlformats.org/drawingml/2006/main" xmlns:r="http://schemas.openxmlformats.org/officeDocument/2006/relationships" xmlns:p="http://schemas.openxmlformats.org/presentationml/2006/main">
+  <p:cSld>
+    <p:spTree>
+      <p:nvGrpSpPr>
+        <p:cNvPr id="1" name=""/>
+        <p:cNvGrpSpPr/>
+        <p:nvPr/>
+      </p:nvGrpSpPr>
+      <p:grpSpPr>
+        <a:xfrm>
+          <a:off x="0" y="0"/>
+          <a:ext cx="0" cy="0"/>
+          <a:chOff x="0" y="0"/>
+          <a:chExt cx="0" cy="0"/>
+        </a:xfrm>
+      </p:grpSpPr>
+      <p:sp>
+        <p:nvSpPr>
+          <p:cNvPr id="4" name="文字方塊 3">
+            <a:extLst>
+              <a:ext uri="{FF2B5EF4-FFF2-40B4-BE49-F238E27FC236}">
+                <a16:creationId xmlns:a16="http://schemas.microsoft.com/office/drawing/2014/main" id="{5B2E2A52-4884-034B-B8E2-17C56BEE9306}"/>
+              </a:ext>
+            </a:extLst>
+          </p:cNvPr>
+          <p:cNvSpPr txBox="1"/>
+          <p:nvPr/>
+        </p:nvSpPr>
+        <p:spPr>
+          <a:xfrm>
+            <a:off x="604027" y="527227"/>
+            <a:ext cx="7053635" cy="584775"/>
+          </a:xfrm>
+          <a:prstGeom prst="rect">
+            <a:avLst/>
+          </a:prstGeom>
+          <a:noFill/>
+        </p:spPr>
+        <p:txBody>
+          <a:bodyPr wrap="square" rtlCol="0">
+            <a:spAutoFit/>
+          </a:bodyPr>
+          <a:lstStyle/>
+          <a:p>
+            <a:r>
+              <a:rPr kumimoji="1" lang="zh-TW" altLang="en-US" sz="3200" b="1" dirty="0">
+                <a:latin typeface="Microsoft JhengHei" panose="020B0604030504040204" pitchFamily="34" charset="-120"/>
+                <a:ea typeface="Microsoft JhengHei" panose="020B0604030504040204" pitchFamily="34" charset="-120"/>
+              </a:rPr>
+              <a:t>而</a:t>
+            </a:r>
+            <a:r>
+              <a:rPr kumimoji="1" lang="zh-TW" altLang="en-US" sz="3200" b="1" dirty="0">
+                <a:latin typeface="DengXian" panose="02010600030101010101" pitchFamily="2" charset="-122"/>
+                <a:ea typeface="DengXian" panose="02010600030101010101" pitchFamily="2" charset="-122"/>
+              </a:rPr>
+              <a:t> </a:t>
+            </a:r>
+            <a:r>
+              <a:rPr kumimoji="1" lang="en-US" altLang="zh-TW" sz="3200" b="1" dirty="0">
+                <a:solidFill>
+                  <a:srgbClr val="0070C0"/>
+                </a:solidFill>
+                <a:latin typeface="DengXian" panose="02010600030101010101" pitchFamily="2" charset="-122"/>
+                <a:ea typeface="DengXian" panose="02010600030101010101" pitchFamily="2" charset="-122"/>
+              </a:rPr>
+              <a:t>RAG</a:t>
+            </a:r>
+            <a:r>
+              <a:rPr kumimoji="1" lang="zh-TW" altLang="en-US" sz="3200" b="1" dirty="0">
+                <a:latin typeface="+mj-ea"/>
+                <a:ea typeface="+mj-ea"/>
+              </a:rPr>
+              <a:t> 則像是讓你考試</a:t>
+            </a:r>
+            <a:r>
+              <a:rPr kumimoji="1" lang="zh-TW" altLang="en-US" sz="3200" b="1" dirty="0">
+                <a:solidFill>
+                  <a:srgbClr val="0070C0"/>
+                </a:solidFill>
+                <a:latin typeface="+mj-ea"/>
+                <a:ea typeface="+mj-ea"/>
+              </a:rPr>
+              <a:t> </a:t>
+            </a:r>
+            <a:r>
+              <a:rPr kumimoji="1" lang="en-US" altLang="zh-TW" sz="3200" b="1" dirty="0">
+                <a:solidFill>
+                  <a:srgbClr val="0070C0"/>
+                </a:solidFill>
+                <a:latin typeface="+mj-ea"/>
+                <a:ea typeface="+mj-ea"/>
+              </a:rPr>
+              <a:t>open</a:t>
+            </a:r>
+            <a:r>
+              <a:rPr kumimoji="1" lang="zh-TW" altLang="en-US" sz="3200" b="1" dirty="0">
+                <a:solidFill>
+                  <a:srgbClr val="0070C0"/>
+                </a:solidFill>
+                <a:latin typeface="+mj-ea"/>
+                <a:ea typeface="+mj-ea"/>
+              </a:rPr>
+              <a:t> </a:t>
+            </a:r>
+            <a:r>
+              <a:rPr kumimoji="1" lang="en-US" altLang="zh-TW" sz="3200" b="1" dirty="0">
+                <a:solidFill>
+                  <a:srgbClr val="0070C0"/>
+                </a:solidFill>
+                <a:latin typeface="+mj-ea"/>
+                <a:ea typeface="+mj-ea"/>
+              </a:rPr>
+              <a:t>book</a:t>
+            </a:r>
+            <a:r>
+              <a:rPr kumimoji="1" lang="zh-TW" altLang="en-US" sz="3200" b="1" dirty="0">
+                <a:solidFill>
+                  <a:srgbClr val="0070C0"/>
+                </a:solidFill>
+                <a:latin typeface="+mj-ea"/>
+                <a:ea typeface="+mj-ea"/>
+              </a:rPr>
+              <a:t> </a:t>
+            </a:r>
+            <a:endParaRPr kumimoji="1" lang="en-US" altLang="zh-TW" sz="3200" b="1" dirty="0">
+              <a:latin typeface="+mj-ea"/>
+              <a:ea typeface="+mj-ea"/>
+            </a:endParaRPr>
+          </a:p>
+        </p:txBody>
+      </p:sp>
+      <p:sp>
+        <p:nvSpPr>
+          <p:cNvPr id="5" name="圓角矩形 4">
+            <a:extLst>
+              <a:ext uri="{FF2B5EF4-FFF2-40B4-BE49-F238E27FC236}">
+                <a16:creationId xmlns:a16="http://schemas.microsoft.com/office/drawing/2014/main" id="{0C8C0BBD-5EE6-0F73-F49D-45CD427431B9}"/>
+              </a:ext>
+            </a:extLst>
+          </p:cNvPr>
+          <p:cNvSpPr/>
+          <p:nvPr/>
+        </p:nvSpPr>
+        <p:spPr>
+          <a:xfrm>
+            <a:off x="446049" y="1851102"/>
+            <a:ext cx="3579541" cy="4460488"/>
+          </a:xfrm>
+          <a:prstGeom prst="roundRect">
+            <a:avLst>
+              <a:gd name="adj" fmla="val 9018"/>
+            </a:avLst>
+          </a:prstGeom>
+          <a:solidFill>
+            <a:schemeClr val="bg1">
+              <a:lumMod val="95000"/>
+            </a:schemeClr>
+          </a:solidFill>
+          <a:ln>
+            <a:noFill/>
+          </a:ln>
+          <a:effectLst>
+            <a:outerShdw blurRad="50800" dist="38100" dir="2700000" algn="tl" rotWithShape="0">
+              <a:prstClr val="black">
+                <a:alpha val="40000"/>
+              </a:prstClr>
+            </a:outerShdw>
+          </a:effectLst>
+        </p:spPr>
+        <p:style>
+          <a:lnRef idx="2">
+            <a:schemeClr val="accent1">
+              <a:shade val="15000"/>
+            </a:schemeClr>
+          </a:lnRef>
+          <a:fillRef idx="1">
+            <a:schemeClr val="accent1"/>
+          </a:fillRef>
+          <a:effectRef idx="0">
+            <a:schemeClr val="accent1"/>
+          </a:effectRef>
+          <a:fontRef idx="minor">
+            <a:schemeClr val="lt1"/>
+          </a:fontRef>
+        </p:style>
+        <p:txBody>
+          <a:bodyPr rtlCol="0" anchor="ctr"/>
+          <a:lstStyle/>
+          <a:p>
+            <a:pPr algn="ctr"/>
+            <a:endParaRPr kumimoji="1" lang="zh-TW" altLang="en-US" dirty="0"/>
+          </a:p>
+        </p:txBody>
+      </p:sp>
+      <p:sp>
+        <p:nvSpPr>
+          <p:cNvPr id="7" name="圓角矩形 6">
+            <a:extLst>
+              <a:ext uri="{FF2B5EF4-FFF2-40B4-BE49-F238E27FC236}">
+                <a16:creationId xmlns:a16="http://schemas.microsoft.com/office/drawing/2014/main" id="{BB3F162D-6DFC-436F-3F64-7B0CB42C6213}"/>
+              </a:ext>
+            </a:extLst>
+          </p:cNvPr>
+          <p:cNvSpPr/>
+          <p:nvPr/>
+        </p:nvSpPr>
+        <p:spPr>
+          <a:xfrm>
+            <a:off x="4423317" y="1851102"/>
+            <a:ext cx="3579541" cy="4460488"/>
+          </a:xfrm>
+          <a:prstGeom prst="roundRect">
+            <a:avLst>
+              <a:gd name="adj" fmla="val 9018"/>
+            </a:avLst>
+          </a:prstGeom>
+          <a:solidFill>
+            <a:schemeClr val="bg1">
+              <a:lumMod val="95000"/>
+            </a:schemeClr>
+          </a:solidFill>
+          <a:ln>
+            <a:noFill/>
+          </a:ln>
+          <a:effectLst>
+            <a:outerShdw blurRad="50800" dist="38100" dir="2700000" algn="tl" rotWithShape="0">
+              <a:prstClr val="black">
+                <a:alpha val="40000"/>
+              </a:prstClr>
+            </a:outerShdw>
+          </a:effectLst>
+        </p:spPr>
+        <p:style>
+          <a:lnRef idx="2">
+            <a:schemeClr val="accent1">
+              <a:shade val="15000"/>
+            </a:schemeClr>
+          </a:lnRef>
+          <a:fillRef idx="1">
+            <a:schemeClr val="accent1"/>
+          </a:fillRef>
+          <a:effectRef idx="0">
+            <a:schemeClr val="accent1"/>
+          </a:effectRef>
+          <a:fontRef idx="minor">
+            <a:schemeClr val="lt1"/>
+          </a:fontRef>
+        </p:style>
+        <p:txBody>
+          <a:bodyPr rtlCol="0" anchor="ctr"/>
+          <a:lstStyle/>
+          <a:p>
+            <a:pPr algn="ctr"/>
+            <a:endParaRPr kumimoji="1" lang="zh-TW" altLang="en-US"/>
+          </a:p>
+        </p:txBody>
+      </p:sp>
+      <p:sp>
+        <p:nvSpPr>
+          <p:cNvPr id="8" name="圓角矩形 7">
+            <a:extLst>
+              <a:ext uri="{FF2B5EF4-FFF2-40B4-BE49-F238E27FC236}">
+                <a16:creationId xmlns:a16="http://schemas.microsoft.com/office/drawing/2014/main" id="{072C730A-3595-87E3-C3F8-40130446DCF3}"/>
+              </a:ext>
+            </a:extLst>
+          </p:cNvPr>
+          <p:cNvSpPr/>
+          <p:nvPr/>
+        </p:nvSpPr>
+        <p:spPr>
+          <a:xfrm>
+            <a:off x="8294651" y="1851102"/>
+            <a:ext cx="3579541" cy="4460488"/>
+          </a:xfrm>
+          <a:prstGeom prst="roundRect">
+            <a:avLst>
+              <a:gd name="adj" fmla="val 9018"/>
+            </a:avLst>
+          </a:prstGeom>
+          <a:solidFill>
+            <a:schemeClr val="bg1">
+              <a:lumMod val="95000"/>
+            </a:schemeClr>
+          </a:solidFill>
+          <a:ln>
+            <a:noFill/>
+          </a:ln>
+          <a:effectLst>
+            <a:outerShdw blurRad="50800" dist="38100" dir="2700000" algn="tl" rotWithShape="0">
+              <a:prstClr val="black">
+                <a:alpha val="40000"/>
+              </a:prstClr>
+            </a:outerShdw>
+          </a:effectLst>
+        </p:spPr>
+        <p:style>
+          <a:lnRef idx="2">
+            <a:schemeClr val="accent1">
+              <a:shade val="15000"/>
+            </a:schemeClr>
+          </a:lnRef>
+          <a:fillRef idx="1">
+            <a:schemeClr val="accent1"/>
+          </a:fillRef>
+          <a:effectRef idx="0">
+            <a:schemeClr val="accent1"/>
+          </a:effectRef>
+          <a:fontRef idx="minor">
+            <a:schemeClr val="lt1"/>
+          </a:fontRef>
+        </p:style>
+        <p:txBody>
+          <a:bodyPr rtlCol="0" anchor="ctr"/>
+          <a:lstStyle/>
+          <a:p>
+            <a:pPr algn="ctr"/>
+            <a:endParaRPr kumimoji="1" lang="zh-TW" altLang="en-US"/>
+          </a:p>
+        </p:txBody>
+      </p:sp>
+      <p:sp>
+        <p:nvSpPr>
+          <p:cNvPr id="10" name="文字方塊 9">
+            <a:extLst>
+              <a:ext uri="{FF2B5EF4-FFF2-40B4-BE49-F238E27FC236}">
+                <a16:creationId xmlns:a16="http://schemas.microsoft.com/office/drawing/2014/main" id="{64C65AE5-62C5-8E09-9EDE-66960300027D}"/>
+              </a:ext>
+            </a:extLst>
+          </p:cNvPr>
+          <p:cNvSpPr txBox="1"/>
+          <p:nvPr/>
+        </p:nvSpPr>
+        <p:spPr>
+          <a:xfrm>
+            <a:off x="501805" y="1467946"/>
+            <a:ext cx="1420008" cy="584775"/>
+          </a:xfrm>
+          <a:prstGeom prst="rect">
+            <a:avLst/>
+          </a:prstGeom>
+          <a:noFill/>
+        </p:spPr>
+        <p:txBody>
+          <a:bodyPr wrap="square" rtlCol="0">
+            <a:spAutoFit/>
+          </a:bodyPr>
+          <a:lstStyle/>
+          <a:p>
+            <a:r>
+              <a:rPr kumimoji="1" lang="en-US" altLang="zh-TW" sz="3200" b="1" dirty="0">
+                <a:solidFill>
+                  <a:srgbClr val="0070C0"/>
+                </a:solidFill>
+                <a:latin typeface="DengXian" panose="02010600030101010101" pitchFamily="2" charset="-122"/>
+                <a:ea typeface="DengXian" panose="02010600030101010101" pitchFamily="2" charset="-122"/>
+              </a:rPr>
+              <a:t>Query</a:t>
+            </a:r>
+          </a:p>
+        </p:txBody>
+      </p:sp>
+      <p:sp>
+        <p:nvSpPr>
+          <p:cNvPr id="11" name="文字方塊 10">
+            <a:extLst>
+              <a:ext uri="{FF2B5EF4-FFF2-40B4-BE49-F238E27FC236}">
+                <a16:creationId xmlns:a16="http://schemas.microsoft.com/office/drawing/2014/main" id="{7E3C757D-5D2E-1D22-4895-F653ED62B388}"/>
+              </a:ext>
+            </a:extLst>
+          </p:cNvPr>
+          <p:cNvSpPr txBox="1"/>
+          <p:nvPr/>
+        </p:nvSpPr>
+        <p:spPr>
+          <a:xfrm>
+            <a:off x="4317383" y="1467946"/>
+            <a:ext cx="4670501" cy="584775"/>
+          </a:xfrm>
+          <a:prstGeom prst="rect">
+            <a:avLst/>
+          </a:prstGeom>
+          <a:noFill/>
+        </p:spPr>
+        <p:txBody>
+          <a:bodyPr wrap="square" rtlCol="0">
+            <a:spAutoFit/>
+          </a:bodyPr>
+          <a:lstStyle/>
+          <a:p>
+            <a:r>
+              <a:rPr kumimoji="1" lang="en-US" altLang="zh-TW" sz="3200" b="1" dirty="0">
+                <a:solidFill>
+                  <a:srgbClr val="C00000"/>
+                </a:solidFill>
+                <a:latin typeface="DengXian" panose="02010600030101010101" pitchFamily="2" charset="-122"/>
+                <a:ea typeface="DengXian" panose="02010600030101010101" pitchFamily="2" charset="-122"/>
+              </a:rPr>
+              <a:t>R</a:t>
+            </a:r>
+            <a:r>
+              <a:rPr kumimoji="1" lang="en-US" altLang="zh-TW" sz="3200" b="1" dirty="0">
+                <a:solidFill>
+                  <a:srgbClr val="0070C0"/>
+                </a:solidFill>
+                <a:latin typeface="DengXian" panose="02010600030101010101" pitchFamily="2" charset="-122"/>
+                <a:ea typeface="DengXian" panose="02010600030101010101" pitchFamily="2" charset="-122"/>
+              </a:rPr>
+              <a:t>etrieval</a:t>
+            </a:r>
+            <a:r>
+              <a:rPr kumimoji="1" lang="zh-TW" altLang="en-US" sz="3200" b="1" dirty="0">
+                <a:solidFill>
+                  <a:srgbClr val="0070C0"/>
+                </a:solidFill>
+                <a:latin typeface="DengXian" panose="02010600030101010101" pitchFamily="2" charset="-122"/>
+                <a:ea typeface="DengXian" panose="02010600030101010101" pitchFamily="2" charset="-122"/>
+              </a:rPr>
+              <a:t> </a:t>
+            </a:r>
+            <a:r>
+              <a:rPr kumimoji="1" lang="zh-TW" altLang="en-US" sz="1400" b="1" dirty="0">
+                <a:solidFill>
+                  <a:srgbClr val="0070C0"/>
+                </a:solidFill>
+                <a:latin typeface="Microsoft JhengHei" panose="020B0604030504040204" pitchFamily="34" charset="-120"/>
+                <a:ea typeface="Microsoft JhengHei" panose="020B0604030504040204" pitchFamily="34" charset="-120"/>
+              </a:rPr>
+              <a:t>找到相關章節</a:t>
+            </a:r>
+            <a:endParaRPr kumimoji="1" lang="en-US" altLang="zh-TW" sz="3200" b="1" dirty="0">
+              <a:solidFill>
+                <a:srgbClr val="0070C0"/>
+              </a:solidFill>
+              <a:latin typeface="Microsoft JhengHei" panose="020B0604030504040204" pitchFamily="34" charset="-120"/>
+              <a:ea typeface="Microsoft JhengHei" panose="020B0604030504040204" pitchFamily="34" charset="-120"/>
+            </a:endParaRPr>
+          </a:p>
+        </p:txBody>
+      </p:sp>
+      <p:sp>
+        <p:nvSpPr>
+          <p:cNvPr id="12" name="文字方塊 11">
+            <a:extLst>
+              <a:ext uri="{FF2B5EF4-FFF2-40B4-BE49-F238E27FC236}">
+                <a16:creationId xmlns:a16="http://schemas.microsoft.com/office/drawing/2014/main" id="{DFCE8903-98A2-0F61-9ADF-61B1AB43FBEA}"/>
+              </a:ext>
+            </a:extLst>
+          </p:cNvPr>
+          <p:cNvSpPr txBox="1"/>
+          <p:nvPr/>
+        </p:nvSpPr>
+        <p:spPr>
+          <a:xfrm>
+            <a:off x="8043750" y="975503"/>
+            <a:ext cx="3724508" cy="1077218"/>
+          </a:xfrm>
+          <a:prstGeom prst="rect">
+            <a:avLst/>
+          </a:prstGeom>
+          <a:noFill/>
+        </p:spPr>
+        <p:txBody>
+          <a:bodyPr wrap="square" rtlCol="0">
+            <a:spAutoFit/>
+          </a:bodyPr>
+          <a:lstStyle/>
+          <a:p>
+            <a:r>
+              <a:rPr kumimoji="1" lang="en-US" altLang="zh-TW" sz="3200" b="1" dirty="0">
+                <a:solidFill>
+                  <a:srgbClr val="C00000"/>
+                </a:solidFill>
+                <a:latin typeface="DengXian" panose="02010600030101010101" pitchFamily="2" charset="-122"/>
+                <a:ea typeface="DengXian" panose="02010600030101010101" pitchFamily="2" charset="-122"/>
+              </a:rPr>
+              <a:t>A</a:t>
+            </a:r>
+            <a:r>
+              <a:rPr kumimoji="1" lang="en-US" altLang="zh-TW" sz="3200" b="1" dirty="0">
+                <a:solidFill>
+                  <a:srgbClr val="0070C0"/>
+                </a:solidFill>
+                <a:latin typeface="DengXian" panose="02010600030101010101" pitchFamily="2" charset="-122"/>
+                <a:ea typeface="DengXian" panose="02010600030101010101" pitchFamily="2" charset="-122"/>
+              </a:rPr>
+              <a:t>ugmented-</a:t>
+            </a:r>
+            <a:r>
+              <a:rPr kumimoji="1" lang="en-US" altLang="zh-TW" sz="3200" b="1" dirty="0">
+                <a:solidFill>
+                  <a:srgbClr val="C00000"/>
+                </a:solidFill>
+                <a:latin typeface="DengXian" panose="02010600030101010101" pitchFamily="2" charset="-122"/>
+                <a:ea typeface="DengXian" panose="02010600030101010101" pitchFamily="2" charset="-122"/>
+              </a:rPr>
+              <a:t>G</a:t>
+            </a:r>
+            <a:r>
+              <a:rPr kumimoji="1" lang="en-US" altLang="zh-TW" sz="3200" b="1" dirty="0">
+                <a:solidFill>
+                  <a:srgbClr val="0070C0"/>
+                </a:solidFill>
+                <a:latin typeface="DengXian" panose="02010600030101010101" pitchFamily="2" charset="-122"/>
+                <a:ea typeface="DengXian" panose="02010600030101010101" pitchFamily="2" charset="-122"/>
+              </a:rPr>
+              <a:t>eneration</a:t>
+            </a:r>
+            <a:r>
+              <a:rPr kumimoji="1" lang="zh-TW" altLang="en-US" sz="3200" b="1" dirty="0">
+                <a:solidFill>
+                  <a:srgbClr val="0070C0"/>
+                </a:solidFill>
+                <a:latin typeface="DengXian" panose="02010600030101010101" pitchFamily="2" charset="-122"/>
+                <a:ea typeface="DengXian" panose="02010600030101010101" pitchFamily="2" charset="-122"/>
+              </a:rPr>
+              <a:t> </a:t>
+            </a:r>
+            <a:r>
+              <a:rPr kumimoji="1" lang="zh-TW" altLang="en-US" sz="1400" b="1" dirty="0">
+                <a:solidFill>
+                  <a:srgbClr val="0070C0"/>
+                </a:solidFill>
+                <a:latin typeface="Microsoft JhengHei" panose="020B0604030504040204" pitchFamily="34" charset="-120"/>
+                <a:ea typeface="Microsoft JhengHei" panose="020B0604030504040204" pitchFamily="34" charset="-120"/>
+              </a:rPr>
+              <a:t>基於資料回答</a:t>
+            </a:r>
+            <a:endParaRPr kumimoji="1" lang="en-US" altLang="zh-TW" sz="1400" b="1" dirty="0">
+              <a:solidFill>
+                <a:srgbClr val="0070C0"/>
+              </a:solidFill>
+              <a:latin typeface="Microsoft JhengHei" panose="020B0604030504040204" pitchFamily="34" charset="-120"/>
+              <a:ea typeface="Microsoft JhengHei" panose="020B0604030504040204" pitchFamily="34" charset="-120"/>
+            </a:endParaRPr>
+          </a:p>
+        </p:txBody>
+      </p:sp>
+      <p:sp>
+        <p:nvSpPr>
+          <p:cNvPr id="13" name="文字方塊 12">
+            <a:extLst>
+              <a:ext uri="{FF2B5EF4-FFF2-40B4-BE49-F238E27FC236}">
+                <a16:creationId xmlns:a16="http://schemas.microsoft.com/office/drawing/2014/main" id="{F7049DC8-1A11-150D-B399-B9A9FE15A305}"/>
+              </a:ext>
+            </a:extLst>
+          </p:cNvPr>
+          <p:cNvSpPr txBox="1"/>
+          <p:nvPr/>
+        </p:nvSpPr>
+        <p:spPr>
+          <a:xfrm>
+            <a:off x="8400585" y="2235836"/>
+            <a:ext cx="2908697" cy="738664"/>
+          </a:xfrm>
+          <a:prstGeom prst="rect">
+            <a:avLst/>
+          </a:prstGeom>
+          <a:noFill/>
+        </p:spPr>
+        <p:txBody>
+          <a:bodyPr wrap="square" rtlCol="0">
+            <a:spAutoFit/>
+          </a:bodyPr>
+          <a:lstStyle/>
+          <a:p>
+            <a:r>
+              <a:rPr kumimoji="1" lang="en-US" altLang="zh-TW" sz="1400" b="1" dirty="0">
+                <a:latin typeface="Microsoft JhengHei" panose="020B0604030504040204" pitchFamily="34" charset="-120"/>
+                <a:ea typeface="Microsoft JhengHei" panose="020B0604030504040204" pitchFamily="34" charset="-120"/>
+              </a:rPr>
+              <a:t>Query:</a:t>
+            </a:r>
+            <a:r>
+              <a:rPr kumimoji="1" lang="zh-TW" altLang="en-US" sz="1400" b="1" dirty="0">
+                <a:latin typeface="Microsoft JhengHei" panose="020B0604030504040204" pitchFamily="34" charset="-120"/>
+                <a:ea typeface="Microsoft JhengHei" panose="020B0604030504040204" pitchFamily="34" charset="-120"/>
+              </a:rPr>
+              <a:t> 為什麼 </a:t>
+            </a:r>
+            <a:r>
+              <a:rPr kumimoji="1" lang="en-US" altLang="zh-TW" sz="1400" b="1" dirty="0">
+                <a:latin typeface="DengXian" panose="02010600030101010101" pitchFamily="2" charset="-122"/>
+                <a:ea typeface="DengXian" panose="02010600030101010101" pitchFamily="2" charset="-122"/>
+              </a:rPr>
+              <a:t>ML</a:t>
+            </a:r>
+            <a:r>
+              <a:rPr kumimoji="1" lang="zh-TW" altLang="en-US" sz="1400" b="1" dirty="0">
+                <a:latin typeface="Microsoft JhengHei" panose="020B0604030504040204" pitchFamily="34" charset="-120"/>
+                <a:ea typeface="Microsoft JhengHei" panose="020B0604030504040204" pitchFamily="34" charset="-120"/>
+              </a:rPr>
+              <a:t> 需要正規化？</a:t>
+            </a:r>
+            <a:endParaRPr kumimoji="1" lang="en-US" altLang="zh-TW" sz="1400" b="1" dirty="0">
+              <a:latin typeface="Microsoft JhengHei" panose="020B0604030504040204" pitchFamily="34" charset="-120"/>
+              <a:ea typeface="Microsoft JhengHei" panose="020B0604030504040204" pitchFamily="34" charset="-120"/>
+            </a:endParaRPr>
+          </a:p>
+          <a:p>
+            <a:r>
+              <a:rPr kumimoji="1" lang="en-US" altLang="zh-TW" sz="1400" b="1" dirty="0">
+                <a:latin typeface="Microsoft JhengHei" panose="020B0604030504040204" pitchFamily="34" charset="-120"/>
+                <a:ea typeface="Microsoft JhengHei" panose="020B0604030504040204" pitchFamily="34" charset="-120"/>
+              </a:rPr>
+              <a:t>	</a:t>
+            </a:r>
+            <a:r>
+              <a:rPr kumimoji="1" lang="zh-TW" altLang="en-US" sz="1400" b="1" dirty="0">
+                <a:latin typeface="Microsoft JhengHei" panose="020B0604030504040204" pitchFamily="34" charset="-120"/>
+                <a:ea typeface="Microsoft JhengHei" panose="020B0604030504040204" pitchFamily="34" charset="-120"/>
+              </a:rPr>
+              <a:t>＋</a:t>
+            </a:r>
+            <a:endParaRPr kumimoji="1" lang="en-US" altLang="zh-TW" sz="1400" b="1" dirty="0">
+              <a:latin typeface="Microsoft JhengHei" panose="020B0604030504040204" pitchFamily="34" charset="-120"/>
+              <a:ea typeface="Microsoft JhengHei" panose="020B0604030504040204" pitchFamily="34" charset="-120"/>
+            </a:endParaRPr>
+          </a:p>
+          <a:p>
+            <a:r>
+              <a:rPr kumimoji="1" lang="en-US" altLang="zh-TW" sz="1400" b="1" dirty="0">
+                <a:latin typeface="Microsoft JhengHei" panose="020B0604030504040204" pitchFamily="34" charset="-120"/>
+                <a:ea typeface="Microsoft JhengHei" panose="020B0604030504040204" pitchFamily="34" charset="-120"/>
+              </a:rPr>
+              <a:t>Retrieval</a:t>
+            </a:r>
+            <a:r>
+              <a:rPr kumimoji="1" lang="zh-TW" altLang="en-US" sz="1400" b="1" dirty="0">
+                <a:latin typeface="Microsoft JhengHei" panose="020B0604030504040204" pitchFamily="34" charset="-120"/>
+                <a:ea typeface="Microsoft JhengHei" panose="020B0604030504040204" pitchFamily="34" charset="-120"/>
+              </a:rPr>
+              <a:t> </a:t>
+            </a:r>
+            <a:r>
+              <a:rPr kumimoji="1" lang="en-US" altLang="zh-TW" sz="1400" b="1" dirty="0">
+                <a:latin typeface="Microsoft JhengHei" panose="020B0604030504040204" pitchFamily="34" charset="-120"/>
+                <a:ea typeface="Microsoft JhengHei" panose="020B0604030504040204" pitchFamily="34" charset="-120"/>
+              </a:rPr>
+              <a:t>Information:</a:t>
+            </a:r>
+          </a:p>
+        </p:txBody>
+      </p:sp>
+      <p:sp>
+        <p:nvSpPr>
+          <p:cNvPr id="16" name="文字方塊 15">
+            <a:extLst>
+              <a:ext uri="{FF2B5EF4-FFF2-40B4-BE49-F238E27FC236}">
+                <a16:creationId xmlns:a16="http://schemas.microsoft.com/office/drawing/2014/main" id="{E2ADDB75-8D44-CAEF-7558-28E4672FC295}"/>
+              </a:ext>
+            </a:extLst>
+          </p:cNvPr>
+          <p:cNvSpPr txBox="1"/>
+          <p:nvPr/>
+        </p:nvSpPr>
+        <p:spPr>
+          <a:xfrm>
+            <a:off x="698809" y="2235836"/>
+            <a:ext cx="3048001" cy="738664"/>
+          </a:xfrm>
+          <a:prstGeom prst="rect">
+            <a:avLst/>
+          </a:prstGeom>
+          <a:noFill/>
+        </p:spPr>
+        <p:txBody>
+          <a:bodyPr wrap="square" rtlCol="0">
+            <a:spAutoFit/>
+          </a:bodyPr>
+          <a:lstStyle/>
+          <a:p>
+            <a:r>
+              <a:rPr kumimoji="1" lang="en-US" altLang="zh-TW" sz="1400" b="1" dirty="0">
+                <a:latin typeface="Microsoft JhengHei" panose="020B0604030504040204" pitchFamily="34" charset="-120"/>
+                <a:ea typeface="Microsoft JhengHei" panose="020B0604030504040204" pitchFamily="34" charset="-120"/>
+              </a:rPr>
+              <a:t>Query:</a:t>
+            </a:r>
+            <a:r>
+              <a:rPr kumimoji="1" lang="zh-TW" altLang="en-US" sz="1400" b="1" dirty="0">
+                <a:latin typeface="Microsoft JhengHei" panose="020B0604030504040204" pitchFamily="34" charset="-120"/>
+                <a:ea typeface="Microsoft JhengHei" panose="020B0604030504040204" pitchFamily="34" charset="-120"/>
+              </a:rPr>
+              <a:t> 為什麼 </a:t>
+            </a:r>
+            <a:r>
+              <a:rPr kumimoji="1" lang="en-US" altLang="zh-TW" sz="1400" b="1" dirty="0">
+                <a:latin typeface="Microsoft JhengHei" panose="020B0604030504040204" pitchFamily="34" charset="-120"/>
+                <a:ea typeface="Microsoft JhengHei" panose="020B0604030504040204" pitchFamily="34" charset="-120"/>
+              </a:rPr>
+              <a:t>ML</a:t>
+            </a:r>
+            <a:r>
+              <a:rPr kumimoji="1" lang="zh-TW" altLang="en-US" sz="1400" b="1" dirty="0">
+                <a:latin typeface="Microsoft JhengHei" panose="020B0604030504040204" pitchFamily="34" charset="-120"/>
+                <a:ea typeface="Microsoft JhengHei" panose="020B0604030504040204" pitchFamily="34" charset="-120"/>
+              </a:rPr>
+              <a:t> 需要正規化？</a:t>
+            </a:r>
+            <a:endParaRPr kumimoji="1" lang="en-US" altLang="zh-TW" sz="1400" b="1" dirty="0">
+              <a:latin typeface="Microsoft JhengHei" panose="020B0604030504040204" pitchFamily="34" charset="-120"/>
+              <a:ea typeface="Microsoft JhengHei" panose="020B0604030504040204" pitchFamily="34" charset="-120"/>
+            </a:endParaRPr>
+          </a:p>
+          <a:p>
+            <a:endParaRPr kumimoji="1" lang="en-US" altLang="zh-TW" sz="1400" b="1" dirty="0">
+              <a:latin typeface="Microsoft JhengHei" panose="020B0604030504040204" pitchFamily="34" charset="-120"/>
+              <a:ea typeface="Microsoft JhengHei" panose="020B0604030504040204" pitchFamily="34" charset="-120"/>
+            </a:endParaRPr>
+          </a:p>
+          <a:p>
+            <a:r>
+              <a:rPr kumimoji="1" lang="en-US" altLang="zh-TW" sz="1400" b="1" dirty="0">
+                <a:latin typeface="Microsoft JhengHei" panose="020B0604030504040204" pitchFamily="34" charset="-120"/>
+                <a:ea typeface="Microsoft JhengHei" panose="020B0604030504040204" pitchFamily="34" charset="-120"/>
+              </a:rPr>
+              <a:t>Open</a:t>
+            </a:r>
+            <a:r>
+              <a:rPr kumimoji="1" lang="zh-TW" altLang="en-US" sz="1400" b="1" dirty="0">
+                <a:latin typeface="Microsoft JhengHei" panose="020B0604030504040204" pitchFamily="34" charset="-120"/>
+                <a:ea typeface="Microsoft JhengHei" panose="020B0604030504040204" pitchFamily="34" charset="-120"/>
+              </a:rPr>
+              <a:t> </a:t>
+            </a:r>
+            <a:r>
+              <a:rPr kumimoji="1" lang="en-US" altLang="zh-TW" sz="1400" b="1" dirty="0">
+                <a:latin typeface="Microsoft JhengHei" panose="020B0604030504040204" pitchFamily="34" charset="-120"/>
+                <a:ea typeface="Microsoft JhengHei" panose="020B0604030504040204" pitchFamily="34" charset="-120"/>
+              </a:rPr>
+              <a:t>Book</a:t>
+            </a:r>
+            <a:r>
+              <a:rPr kumimoji="1" lang="zh-TW" altLang="en-US" sz="1400" b="1" dirty="0">
+                <a:latin typeface="Microsoft JhengHei" panose="020B0604030504040204" pitchFamily="34" charset="-120"/>
+                <a:ea typeface="Microsoft JhengHei" panose="020B0604030504040204" pitchFamily="34" charset="-120"/>
+              </a:rPr>
+              <a:t>：</a:t>
+            </a:r>
+            <a:endParaRPr kumimoji="1" lang="en-US" altLang="zh-TW" sz="1400" b="1" dirty="0">
+              <a:latin typeface="Microsoft JhengHei" panose="020B0604030504040204" pitchFamily="34" charset="-120"/>
+              <a:ea typeface="Microsoft JhengHei" panose="020B0604030504040204" pitchFamily="34" charset="-120"/>
+            </a:endParaRPr>
+          </a:p>
+        </p:txBody>
+      </p:sp>
+      <p:sp>
+        <p:nvSpPr>
+          <p:cNvPr id="21" name="圓角矩形 20">
+            <a:extLst>
+              <a:ext uri="{FF2B5EF4-FFF2-40B4-BE49-F238E27FC236}">
+                <a16:creationId xmlns:a16="http://schemas.microsoft.com/office/drawing/2014/main" id="{3BE81B6E-B45E-2E01-FE43-BC4557A05091}"/>
+              </a:ext>
+            </a:extLst>
+          </p:cNvPr>
+          <p:cNvSpPr/>
+          <p:nvPr/>
+        </p:nvSpPr>
+        <p:spPr>
+          <a:xfrm>
+            <a:off x="5854157" y="4888435"/>
+            <a:ext cx="647179" cy="125783"/>
+          </a:xfrm>
+          <a:prstGeom prst="roundRect">
+            <a:avLst>
+              <a:gd name="adj" fmla="val 50000"/>
+            </a:avLst>
+          </a:prstGeom>
+          <a:solidFill>
+            <a:schemeClr val="accent1">
+              <a:lumMod val="10000"/>
+              <a:lumOff val="90000"/>
+            </a:schemeClr>
+          </a:solidFill>
+          <a:ln>
+            <a:noFill/>
+          </a:ln>
+        </p:spPr>
+        <p:style>
+          <a:lnRef idx="2">
+            <a:schemeClr val="accent1">
+              <a:shade val="15000"/>
+            </a:schemeClr>
+          </a:lnRef>
+          <a:fillRef idx="1">
+            <a:schemeClr val="accent1"/>
+          </a:fillRef>
+          <a:effectRef idx="0">
+            <a:schemeClr val="accent1"/>
+          </a:effectRef>
+          <a:fontRef idx="minor">
+            <a:schemeClr val="lt1"/>
+          </a:fontRef>
+        </p:style>
+        <p:txBody>
+          <a:bodyPr rtlCol="0" anchor="ctr"/>
+          <a:lstStyle/>
+          <a:p>
+            <a:pPr algn="ctr"/>
+            <a:endParaRPr kumimoji="1" lang="zh-TW" altLang="en-US"/>
+          </a:p>
+        </p:txBody>
+      </p:sp>
+      <p:sp>
+        <p:nvSpPr>
+          <p:cNvPr id="22" name="矩形 21">
+            <a:extLst>
+              <a:ext uri="{FF2B5EF4-FFF2-40B4-BE49-F238E27FC236}">
+                <a16:creationId xmlns:a16="http://schemas.microsoft.com/office/drawing/2014/main" id="{A04D1377-A1E1-287D-5085-EA6038537319}"/>
+              </a:ext>
+            </a:extLst>
+          </p:cNvPr>
+          <p:cNvSpPr/>
+          <p:nvPr/>
+        </p:nvSpPr>
+        <p:spPr>
+          <a:xfrm>
+            <a:off x="4692721" y="3114342"/>
+            <a:ext cx="2806557" cy="2888148"/>
+          </a:xfrm>
+          <a:prstGeom prst="rect">
+            <a:avLst/>
+          </a:prstGeom>
+          <a:solidFill>
+            <a:schemeClr val="bg1"/>
+          </a:solidFill>
+          <a:ln>
+            <a:noFill/>
+          </a:ln>
+          <a:effectLst>
+            <a:outerShdw blurRad="50800" dist="38100" dir="2700000" algn="tl" rotWithShape="0">
+              <a:prstClr val="black">
+                <a:alpha val="40000"/>
+              </a:prstClr>
+            </a:outerShdw>
+          </a:effectLst>
+        </p:spPr>
+        <p:style>
+          <a:lnRef idx="2">
+            <a:schemeClr val="accent1">
+              <a:shade val="15000"/>
+            </a:schemeClr>
+          </a:lnRef>
+          <a:fillRef idx="1">
+            <a:schemeClr val="accent1"/>
+          </a:fillRef>
+          <a:effectRef idx="0">
+            <a:schemeClr val="accent1"/>
+          </a:effectRef>
+          <a:fontRef idx="minor">
+            <a:schemeClr val="lt1"/>
+          </a:fontRef>
+        </p:style>
+        <p:txBody>
+          <a:bodyPr rtlCol="0" anchor="ctr"/>
+          <a:lstStyle/>
+          <a:p>
+            <a:r>
+              <a:rPr kumimoji="1" lang="en-US" altLang="zh-TW" b="1" dirty="0">
+                <a:solidFill>
+                  <a:schemeClr val="tx1"/>
+                </a:solidFill>
+                <a:latin typeface="DengXian" panose="02010600030101010101" pitchFamily="2" charset="-122"/>
+                <a:ea typeface="DengXian" panose="02010600030101010101" pitchFamily="2" charset="-122"/>
+              </a:rPr>
+              <a:t>Context</a:t>
+            </a:r>
+          </a:p>
+          <a:p>
+            <a:endParaRPr kumimoji="1" lang="en-US" altLang="zh-TW" sz="1400" b="1" dirty="0">
+              <a:solidFill>
+                <a:schemeClr val="tx1"/>
+              </a:solidFill>
+              <a:latin typeface="DengXian" panose="02010600030101010101" pitchFamily="2" charset="-122"/>
+              <a:ea typeface="DengXian" panose="02010600030101010101" pitchFamily="2" charset="-122"/>
+            </a:endParaRPr>
+          </a:p>
+          <a:p>
+            <a:r>
+              <a:rPr kumimoji="1" lang="en-US" altLang="zh-TW" sz="1400" b="1" dirty="0">
+                <a:solidFill>
+                  <a:schemeClr val="tx1"/>
+                </a:solidFill>
+                <a:latin typeface="DengXian" panose="02010600030101010101" pitchFamily="2" charset="-122"/>
+                <a:ea typeface="DengXian" panose="02010600030101010101" pitchFamily="2" charset="-122"/>
+              </a:rPr>
+              <a:t>Chapter</a:t>
+            </a:r>
+            <a:r>
+              <a:rPr kumimoji="1" lang="zh-TW" altLang="en-US" sz="1400" b="1" dirty="0">
+                <a:solidFill>
+                  <a:schemeClr val="tx1"/>
+                </a:solidFill>
+                <a:latin typeface="DengXian" panose="02010600030101010101" pitchFamily="2" charset="-122"/>
+                <a:ea typeface="DengXian" panose="02010600030101010101" pitchFamily="2" charset="-122"/>
+              </a:rPr>
+              <a:t> </a:t>
+            </a:r>
+            <a:r>
+              <a:rPr kumimoji="1" lang="en-US" altLang="zh-TW" sz="1400" b="1" dirty="0">
+                <a:solidFill>
+                  <a:schemeClr val="tx1"/>
+                </a:solidFill>
+                <a:latin typeface="DengXian" panose="02010600030101010101" pitchFamily="2" charset="-122"/>
+                <a:ea typeface="DengXian" panose="02010600030101010101" pitchFamily="2" charset="-122"/>
+              </a:rPr>
+              <a:t>1</a:t>
+            </a:r>
+          </a:p>
+          <a:p>
+            <a:r>
+              <a:rPr kumimoji="1" lang="en-US" altLang="zh-TW" sz="1400" dirty="0">
+                <a:solidFill>
+                  <a:schemeClr val="tx1"/>
+                </a:solidFill>
+                <a:latin typeface="DengXian" panose="02010600030101010101" pitchFamily="2" charset="-122"/>
+                <a:ea typeface="DengXian" panose="02010600030101010101" pitchFamily="2" charset="-122"/>
+              </a:rPr>
+              <a:t>1.1</a:t>
+            </a:r>
+            <a:r>
+              <a:rPr kumimoji="1" lang="zh-TW" altLang="en-US" sz="1400" dirty="0">
+                <a:solidFill>
+                  <a:schemeClr val="tx1"/>
+                </a:solidFill>
+                <a:latin typeface="DengXian" panose="02010600030101010101" pitchFamily="2" charset="-122"/>
+                <a:ea typeface="DengXian" panose="02010600030101010101" pitchFamily="2" charset="-122"/>
+              </a:rPr>
+              <a:t> </a:t>
+            </a:r>
+            <a:r>
+              <a:rPr kumimoji="1" lang="en-US" altLang="zh-TW" sz="1400" dirty="0">
+                <a:solidFill>
+                  <a:schemeClr val="tx1"/>
+                </a:solidFill>
+                <a:latin typeface="DengXian" panose="02010600030101010101" pitchFamily="2" charset="-122"/>
+                <a:ea typeface="DengXian" panose="02010600030101010101" pitchFamily="2" charset="-122"/>
+              </a:rPr>
+              <a:t>One-Hot</a:t>
+            </a:r>
+            <a:r>
+              <a:rPr kumimoji="1" lang="zh-TW" altLang="en-US" sz="1400" dirty="0">
+                <a:solidFill>
+                  <a:schemeClr val="tx1"/>
+                </a:solidFill>
+                <a:latin typeface="DengXian" panose="02010600030101010101" pitchFamily="2" charset="-122"/>
+                <a:ea typeface="DengXian" panose="02010600030101010101" pitchFamily="2" charset="-122"/>
+              </a:rPr>
+              <a:t> </a:t>
+            </a:r>
+            <a:r>
+              <a:rPr kumimoji="1" lang="en-US" altLang="zh-TW" sz="1400" dirty="0">
+                <a:solidFill>
+                  <a:schemeClr val="tx1"/>
+                </a:solidFill>
+                <a:latin typeface="DengXian" panose="02010600030101010101" pitchFamily="2" charset="-122"/>
+                <a:ea typeface="DengXian" panose="02010600030101010101" pitchFamily="2" charset="-122"/>
+              </a:rPr>
+              <a:t>Encoding</a:t>
+            </a:r>
+            <a:r>
+              <a:rPr kumimoji="1" lang="zh-TW" altLang="en-US" sz="1400" dirty="0">
+                <a:solidFill>
+                  <a:schemeClr val="tx1"/>
+                </a:solidFill>
+                <a:latin typeface="DengXian" panose="02010600030101010101" pitchFamily="2" charset="-122"/>
+                <a:ea typeface="DengXian" panose="02010600030101010101" pitchFamily="2" charset="-122"/>
+              </a:rPr>
+              <a:t> </a:t>
+            </a:r>
+            <a:r>
+              <a:rPr kumimoji="1" lang="en-US" altLang="zh-TW" sz="1400" dirty="0">
+                <a:solidFill>
+                  <a:schemeClr val="tx1"/>
+                </a:solidFill>
+                <a:latin typeface="DengXian" panose="02010600030101010101" pitchFamily="2" charset="-122"/>
+                <a:ea typeface="DengXian" panose="02010600030101010101" pitchFamily="2" charset="-122"/>
+              </a:rPr>
+              <a:t>………………</a:t>
+            </a:r>
+          </a:p>
+          <a:p>
+            <a:r>
+              <a:rPr kumimoji="1" lang="en-US" altLang="zh-TW" sz="1400" dirty="0">
+                <a:solidFill>
+                  <a:schemeClr val="tx1"/>
+                </a:solidFill>
+                <a:latin typeface="DengXian" panose="02010600030101010101" pitchFamily="2" charset="-122"/>
+                <a:ea typeface="DengXian" panose="02010600030101010101" pitchFamily="2" charset="-122"/>
+              </a:rPr>
+              <a:t>2.</a:t>
+            </a:r>
+            <a:r>
+              <a:rPr kumimoji="1" lang="zh-TW" altLang="en-US" sz="1400" dirty="0">
+                <a:solidFill>
+                  <a:schemeClr val="tx1"/>
+                </a:solidFill>
+                <a:latin typeface="DengXian" panose="02010600030101010101" pitchFamily="2" charset="-122"/>
+                <a:ea typeface="DengXian" panose="02010600030101010101" pitchFamily="2" charset="-122"/>
+              </a:rPr>
+              <a:t> </a:t>
+            </a:r>
+            <a:r>
+              <a:rPr kumimoji="1" lang="en-US" altLang="zh-TW" sz="1400" dirty="0">
+                <a:solidFill>
+                  <a:schemeClr val="tx1"/>
+                </a:solidFill>
+                <a:latin typeface="DengXian" panose="02010600030101010101" pitchFamily="2" charset="-122"/>
+                <a:ea typeface="DengXian" panose="02010600030101010101" pitchFamily="2" charset="-122"/>
+              </a:rPr>
+              <a:t>Dropout</a:t>
+            </a:r>
+            <a:r>
+              <a:rPr kumimoji="1" lang="zh-TW" altLang="en-US" sz="1400" dirty="0">
+                <a:solidFill>
+                  <a:schemeClr val="tx1"/>
+                </a:solidFill>
+                <a:latin typeface="DengXian" panose="02010600030101010101" pitchFamily="2" charset="-122"/>
+                <a:ea typeface="DengXian" panose="02010600030101010101" pitchFamily="2" charset="-122"/>
+              </a:rPr>
+              <a:t> </a:t>
+            </a:r>
+            <a:r>
+              <a:rPr kumimoji="1" lang="en-US" altLang="zh-TW" sz="1400" dirty="0">
+                <a:solidFill>
+                  <a:schemeClr val="tx1"/>
+                </a:solidFill>
+                <a:latin typeface="DengXian" panose="02010600030101010101" pitchFamily="2" charset="-122"/>
+                <a:ea typeface="DengXian" panose="02010600030101010101" pitchFamily="2" charset="-122"/>
+              </a:rPr>
+              <a:t>…………………………………</a:t>
+            </a:r>
+          </a:p>
+          <a:p>
+            <a:r>
+              <a:rPr kumimoji="1" lang="en-US" altLang="zh-TW" sz="1400" b="1" dirty="0">
+                <a:solidFill>
+                  <a:srgbClr val="0070C0"/>
+                </a:solidFill>
+                <a:latin typeface="DengXian" panose="02010600030101010101" pitchFamily="2" charset="-122"/>
+                <a:ea typeface="DengXian" panose="02010600030101010101" pitchFamily="2" charset="-122"/>
+              </a:rPr>
+              <a:t>3.</a:t>
+            </a:r>
+            <a:r>
+              <a:rPr kumimoji="1" lang="zh-TW" altLang="en-US" sz="1400" b="1" dirty="0">
+                <a:solidFill>
+                  <a:srgbClr val="0070C0"/>
+                </a:solidFill>
+                <a:latin typeface="DengXian" panose="02010600030101010101" pitchFamily="2" charset="-122"/>
+                <a:ea typeface="DengXian" panose="02010600030101010101" pitchFamily="2" charset="-122"/>
+              </a:rPr>
+              <a:t> </a:t>
+            </a:r>
+            <a:r>
+              <a:rPr kumimoji="1" lang="en-US" altLang="zh-TW" sz="1400" b="1" dirty="0">
+                <a:solidFill>
+                  <a:srgbClr val="0070C0"/>
+                </a:solidFill>
+                <a:latin typeface="DengXian" panose="02010600030101010101" pitchFamily="2" charset="-122"/>
+                <a:ea typeface="DengXian" panose="02010600030101010101" pitchFamily="2" charset="-122"/>
+              </a:rPr>
+              <a:t>Regularization</a:t>
+            </a:r>
+            <a:r>
+              <a:rPr kumimoji="1" lang="zh-TW" altLang="en-US" sz="1400" b="1" dirty="0">
+                <a:solidFill>
+                  <a:srgbClr val="0070C0"/>
+                </a:solidFill>
+                <a:latin typeface="DengXian" panose="02010600030101010101" pitchFamily="2" charset="-122"/>
+                <a:ea typeface="DengXian" panose="02010600030101010101" pitchFamily="2" charset="-122"/>
+              </a:rPr>
+              <a:t> </a:t>
+            </a:r>
+            <a:r>
+              <a:rPr kumimoji="1" lang="en-US" altLang="zh-TW" sz="1400" b="1" dirty="0">
+                <a:solidFill>
+                  <a:srgbClr val="0070C0"/>
+                </a:solidFill>
+                <a:latin typeface="DengXian" panose="02010600030101010101" pitchFamily="2" charset="-122"/>
+                <a:ea typeface="DengXian" panose="02010600030101010101" pitchFamily="2" charset="-122"/>
+              </a:rPr>
+              <a:t>……………………</a:t>
+            </a:r>
+          </a:p>
+          <a:p>
+            <a:r>
+              <a:rPr kumimoji="1" lang="en-US" altLang="zh-TW" sz="1400" dirty="0">
+                <a:solidFill>
+                  <a:schemeClr val="tx1"/>
+                </a:solidFill>
+                <a:latin typeface="DengXian" panose="02010600030101010101" pitchFamily="2" charset="-122"/>
+                <a:ea typeface="DengXian" panose="02010600030101010101" pitchFamily="2" charset="-122"/>
+              </a:rPr>
+              <a:t>4.</a:t>
+            </a:r>
+            <a:r>
+              <a:rPr kumimoji="1" lang="zh-TW" altLang="en-US" sz="1400" dirty="0">
+                <a:solidFill>
+                  <a:schemeClr val="tx1"/>
+                </a:solidFill>
+                <a:latin typeface="DengXian" panose="02010600030101010101" pitchFamily="2" charset="-122"/>
+                <a:ea typeface="DengXian" panose="02010600030101010101" pitchFamily="2" charset="-122"/>
+              </a:rPr>
+              <a:t> </a:t>
+            </a:r>
+            <a:r>
+              <a:rPr kumimoji="1" lang="en-US" altLang="zh-TW" sz="1400" dirty="0">
+                <a:solidFill>
+                  <a:schemeClr val="tx1"/>
+                </a:solidFill>
+                <a:latin typeface="DengXian" panose="02010600030101010101" pitchFamily="2" charset="-122"/>
+                <a:ea typeface="DengXian" panose="02010600030101010101" pitchFamily="2" charset="-122"/>
+              </a:rPr>
+              <a:t>Missing</a:t>
+            </a:r>
+            <a:r>
+              <a:rPr kumimoji="1" lang="zh-TW" altLang="en-US" sz="1400" dirty="0">
+                <a:solidFill>
+                  <a:schemeClr val="tx1"/>
+                </a:solidFill>
+                <a:latin typeface="DengXian" panose="02010600030101010101" pitchFamily="2" charset="-122"/>
+                <a:ea typeface="DengXian" panose="02010600030101010101" pitchFamily="2" charset="-122"/>
+              </a:rPr>
+              <a:t> </a:t>
+            </a:r>
+            <a:r>
+              <a:rPr kumimoji="1" lang="en-US" altLang="zh-TW" sz="1400" dirty="0">
+                <a:solidFill>
+                  <a:schemeClr val="tx1"/>
+                </a:solidFill>
+                <a:latin typeface="DengXian" panose="02010600030101010101" pitchFamily="2" charset="-122"/>
+                <a:ea typeface="DengXian" panose="02010600030101010101" pitchFamily="2" charset="-122"/>
+              </a:rPr>
+              <a:t>Data</a:t>
+            </a:r>
+            <a:r>
+              <a:rPr kumimoji="1" lang="zh-TW" altLang="en-US" sz="1400" dirty="0">
+                <a:solidFill>
+                  <a:schemeClr val="tx1"/>
+                </a:solidFill>
+                <a:latin typeface="DengXian" panose="02010600030101010101" pitchFamily="2" charset="-122"/>
+                <a:ea typeface="DengXian" panose="02010600030101010101" pitchFamily="2" charset="-122"/>
+              </a:rPr>
+              <a:t> </a:t>
+            </a:r>
+            <a:r>
+              <a:rPr kumimoji="1" lang="en-US" altLang="zh-TW" sz="1400" dirty="0">
+                <a:solidFill>
+                  <a:schemeClr val="tx1"/>
+                </a:solidFill>
+                <a:latin typeface="DengXian" panose="02010600030101010101" pitchFamily="2" charset="-122"/>
+                <a:ea typeface="DengXian" panose="02010600030101010101" pitchFamily="2" charset="-122"/>
+              </a:rPr>
+              <a:t>……………………………</a:t>
+            </a:r>
+          </a:p>
+          <a:p>
+            <a:r>
+              <a:rPr kumimoji="1" lang="en-US" altLang="zh-TW" sz="1400" b="1" dirty="0">
+                <a:solidFill>
+                  <a:schemeClr val="tx1"/>
+                </a:solidFill>
+                <a:latin typeface="DengXian" panose="02010600030101010101" pitchFamily="2" charset="-122"/>
+                <a:ea typeface="DengXian" panose="02010600030101010101" pitchFamily="2" charset="-122"/>
+              </a:rPr>
+              <a:t>Chapter</a:t>
+            </a:r>
+            <a:r>
+              <a:rPr kumimoji="1" lang="zh-TW" altLang="en-US" sz="1400" b="1" dirty="0">
+                <a:solidFill>
+                  <a:schemeClr val="tx1"/>
+                </a:solidFill>
+                <a:latin typeface="DengXian" panose="02010600030101010101" pitchFamily="2" charset="-122"/>
+                <a:ea typeface="DengXian" panose="02010600030101010101" pitchFamily="2" charset="-122"/>
+              </a:rPr>
+              <a:t> </a:t>
+            </a:r>
+            <a:r>
+              <a:rPr kumimoji="1" lang="en-US" altLang="zh-TW" sz="1400" b="1" dirty="0">
+                <a:solidFill>
+                  <a:schemeClr val="tx1"/>
+                </a:solidFill>
+                <a:latin typeface="DengXian" panose="02010600030101010101" pitchFamily="2" charset="-122"/>
+                <a:ea typeface="DengXian" panose="02010600030101010101" pitchFamily="2" charset="-122"/>
+              </a:rPr>
+              <a:t>2</a:t>
+            </a:r>
+          </a:p>
+          <a:p>
+            <a:pPr marL="342900" indent="-342900">
+              <a:buAutoNum type="arabicPeriod"/>
+            </a:pPr>
+            <a:r>
+              <a:rPr kumimoji="1" lang="en-US" altLang="zh-TW" sz="1400" dirty="0">
+                <a:solidFill>
+                  <a:schemeClr val="tx1"/>
+                </a:solidFill>
+                <a:latin typeface="DengXian" panose="02010600030101010101" pitchFamily="2" charset="-122"/>
+                <a:ea typeface="DengXian" panose="02010600030101010101" pitchFamily="2" charset="-122"/>
+              </a:rPr>
+              <a:t>CNN</a:t>
+            </a:r>
+            <a:r>
+              <a:rPr kumimoji="1" lang="zh-TW" altLang="en-US" sz="1400" dirty="0">
+                <a:solidFill>
+                  <a:schemeClr val="tx1"/>
+                </a:solidFill>
+                <a:latin typeface="DengXian" panose="02010600030101010101" pitchFamily="2" charset="-122"/>
+                <a:ea typeface="DengXian" panose="02010600030101010101" pitchFamily="2" charset="-122"/>
+              </a:rPr>
+              <a:t> </a:t>
+            </a:r>
+            <a:r>
+              <a:rPr kumimoji="1" lang="en-US" altLang="zh-TW" sz="1400" dirty="0">
+                <a:solidFill>
+                  <a:schemeClr val="tx1"/>
+                </a:solidFill>
+                <a:latin typeface="DengXian" panose="02010600030101010101" pitchFamily="2" charset="-122"/>
+                <a:ea typeface="DengXian" panose="02010600030101010101" pitchFamily="2" charset="-122"/>
+              </a:rPr>
+              <a:t>………………………………………</a:t>
+            </a:r>
+          </a:p>
+          <a:p>
+            <a:pPr marL="342900" indent="-342900">
+              <a:buAutoNum type="arabicPeriod"/>
+            </a:pPr>
+            <a:r>
+              <a:rPr kumimoji="1" lang="en-US" altLang="zh-TW" sz="1400" dirty="0">
+                <a:solidFill>
+                  <a:schemeClr val="tx1"/>
+                </a:solidFill>
+                <a:latin typeface="DengXian" panose="02010600030101010101" pitchFamily="2" charset="-122"/>
+                <a:ea typeface="DengXian" panose="02010600030101010101" pitchFamily="2" charset="-122"/>
+              </a:rPr>
+              <a:t>RNN</a:t>
+            </a:r>
+            <a:r>
+              <a:rPr kumimoji="1" lang="zh-TW" altLang="en-US" sz="1400" dirty="0">
+                <a:solidFill>
+                  <a:schemeClr val="tx1"/>
+                </a:solidFill>
+                <a:latin typeface="DengXian" panose="02010600030101010101" pitchFamily="2" charset="-122"/>
+                <a:ea typeface="DengXian" panose="02010600030101010101" pitchFamily="2" charset="-122"/>
+              </a:rPr>
+              <a:t> </a:t>
+            </a:r>
+            <a:r>
+              <a:rPr kumimoji="1" lang="en-US" altLang="zh-TW" sz="1400" dirty="0">
+                <a:solidFill>
+                  <a:schemeClr val="tx1"/>
+                </a:solidFill>
+                <a:latin typeface="DengXian" panose="02010600030101010101" pitchFamily="2" charset="-122"/>
+                <a:ea typeface="DengXian" panose="02010600030101010101" pitchFamily="2" charset="-122"/>
+              </a:rPr>
+              <a:t>………………………………………</a:t>
+            </a:r>
+          </a:p>
+          <a:p>
+            <a:pPr marL="342900" indent="-342900">
+              <a:buAutoNum type="arabicPeriod"/>
+            </a:pPr>
+            <a:r>
+              <a:rPr kumimoji="1" lang="en-US" altLang="zh-TW" sz="1400" dirty="0">
+                <a:solidFill>
+                  <a:schemeClr val="tx1"/>
+                </a:solidFill>
+                <a:latin typeface="DengXian" panose="02010600030101010101" pitchFamily="2" charset="-122"/>
+                <a:ea typeface="DengXian" panose="02010600030101010101" pitchFamily="2" charset="-122"/>
+              </a:rPr>
+              <a:t>LSTM</a:t>
+            </a:r>
+            <a:r>
+              <a:rPr kumimoji="1" lang="zh-TW" altLang="en-US" sz="1400" dirty="0">
+                <a:solidFill>
+                  <a:schemeClr val="tx1"/>
+                </a:solidFill>
+                <a:latin typeface="DengXian" panose="02010600030101010101" pitchFamily="2" charset="-122"/>
+                <a:ea typeface="DengXian" panose="02010600030101010101" pitchFamily="2" charset="-122"/>
+              </a:rPr>
+              <a:t> </a:t>
+            </a:r>
+            <a:r>
+              <a:rPr kumimoji="1" lang="en-US" altLang="zh-TW" sz="1400" dirty="0">
+                <a:solidFill>
+                  <a:schemeClr val="tx1"/>
+                </a:solidFill>
+                <a:latin typeface="DengXian" panose="02010600030101010101" pitchFamily="2" charset="-122"/>
+                <a:ea typeface="DengXian" panose="02010600030101010101" pitchFamily="2" charset="-122"/>
+              </a:rPr>
+              <a:t>……………………………………</a:t>
+            </a:r>
+          </a:p>
+          <a:p>
+            <a:pPr marL="342900" indent="-342900">
+              <a:buAutoNum type="arabicPeriod"/>
+            </a:pPr>
+            <a:r>
+              <a:rPr kumimoji="1" lang="en-US" altLang="zh-TW" sz="1400" dirty="0">
+                <a:solidFill>
+                  <a:schemeClr val="tx1"/>
+                </a:solidFill>
+                <a:latin typeface="DengXian" panose="02010600030101010101" pitchFamily="2" charset="-122"/>
+                <a:ea typeface="DengXian" panose="02010600030101010101" pitchFamily="2" charset="-122"/>
+              </a:rPr>
+              <a:t>Transformer</a:t>
+            </a:r>
+            <a:r>
+              <a:rPr kumimoji="1" lang="zh-TW" altLang="en-US" sz="1400" dirty="0">
+                <a:solidFill>
+                  <a:schemeClr val="tx1"/>
+                </a:solidFill>
+                <a:latin typeface="DengXian" panose="02010600030101010101" pitchFamily="2" charset="-122"/>
+                <a:ea typeface="DengXian" panose="02010600030101010101" pitchFamily="2" charset="-122"/>
+              </a:rPr>
+              <a:t> </a:t>
+            </a:r>
+            <a:r>
+              <a:rPr kumimoji="1" lang="en-US" altLang="zh-TW" sz="1400" dirty="0">
+                <a:solidFill>
+                  <a:schemeClr val="tx1"/>
+                </a:solidFill>
+                <a:latin typeface="DengXian" panose="02010600030101010101" pitchFamily="2" charset="-122"/>
+                <a:ea typeface="DengXian" panose="02010600030101010101" pitchFamily="2" charset="-122"/>
+              </a:rPr>
+              <a:t>…………………………</a:t>
+            </a:r>
+          </a:p>
+          <a:p>
+            <a:pPr marL="342900" indent="-342900">
+              <a:buAutoNum type="arabicPeriod"/>
+            </a:pPr>
+            <a:endParaRPr kumimoji="1" lang="zh-TW" altLang="en-US" sz="1400" dirty="0">
+              <a:solidFill>
+                <a:schemeClr val="tx1"/>
+              </a:solidFill>
+              <a:latin typeface="DengXian" panose="02010600030101010101" pitchFamily="2" charset="-122"/>
+              <a:ea typeface="DengXian" panose="02010600030101010101" pitchFamily="2" charset="-122"/>
+            </a:endParaRPr>
+          </a:p>
+        </p:txBody>
+      </p:sp>
+      <p:sp>
+        <p:nvSpPr>
+          <p:cNvPr id="24" name="文字方塊 23">
+            <a:extLst>
+              <a:ext uri="{FF2B5EF4-FFF2-40B4-BE49-F238E27FC236}">
+                <a16:creationId xmlns:a16="http://schemas.microsoft.com/office/drawing/2014/main" id="{2443F257-47AC-D2B8-EFFF-363A6627BE87}"/>
+              </a:ext>
+            </a:extLst>
+          </p:cNvPr>
+          <p:cNvSpPr txBox="1"/>
+          <p:nvPr/>
+        </p:nvSpPr>
+        <p:spPr>
+          <a:xfrm>
+            <a:off x="4571998" y="2235836"/>
+            <a:ext cx="3048001" cy="307777"/>
+          </a:xfrm>
+          <a:prstGeom prst="rect">
+            <a:avLst/>
+          </a:prstGeom>
+          <a:noFill/>
+        </p:spPr>
+        <p:txBody>
+          <a:bodyPr wrap="square" rtlCol="0">
+            <a:spAutoFit/>
+          </a:bodyPr>
+          <a:lstStyle/>
+          <a:p>
+            <a:r>
+              <a:rPr kumimoji="1" lang="en-US" altLang="zh-TW" sz="1400" b="1" dirty="0">
+                <a:latin typeface="Microsoft JhengHei" panose="020B0604030504040204" pitchFamily="34" charset="-120"/>
+                <a:ea typeface="Microsoft JhengHei" panose="020B0604030504040204" pitchFamily="34" charset="-120"/>
+              </a:rPr>
+              <a:t>Query:</a:t>
+            </a:r>
+            <a:r>
+              <a:rPr kumimoji="1" lang="zh-TW" altLang="en-US" sz="1400" b="1" dirty="0">
+                <a:latin typeface="Microsoft JhengHei" panose="020B0604030504040204" pitchFamily="34" charset="-120"/>
+                <a:ea typeface="Microsoft JhengHei" panose="020B0604030504040204" pitchFamily="34" charset="-120"/>
+              </a:rPr>
+              <a:t> 為什麼 </a:t>
+            </a:r>
+            <a:r>
+              <a:rPr kumimoji="1" lang="en-US" altLang="zh-TW" sz="1400" b="1" dirty="0">
+                <a:latin typeface="Microsoft JhengHei" panose="020B0604030504040204" pitchFamily="34" charset="-120"/>
+                <a:ea typeface="Microsoft JhengHei" panose="020B0604030504040204" pitchFamily="34" charset="-120"/>
+              </a:rPr>
+              <a:t>ML</a:t>
+            </a:r>
+            <a:r>
+              <a:rPr kumimoji="1" lang="zh-TW" altLang="en-US" sz="1400" b="1" dirty="0">
+                <a:latin typeface="Microsoft JhengHei" panose="020B0604030504040204" pitchFamily="34" charset="-120"/>
+                <a:ea typeface="Microsoft JhengHei" panose="020B0604030504040204" pitchFamily="34" charset="-120"/>
+              </a:rPr>
+              <a:t> 需要正規化？</a:t>
+            </a:r>
+            <a:endParaRPr kumimoji="1" lang="en-US" altLang="zh-TW" sz="1400" b="1" dirty="0">
+              <a:latin typeface="Microsoft JhengHei" panose="020B0604030504040204" pitchFamily="34" charset="-120"/>
+              <a:ea typeface="Microsoft JhengHei" panose="020B0604030504040204" pitchFamily="34" charset="-120"/>
+            </a:endParaRPr>
+          </a:p>
+        </p:txBody>
+      </p:sp>
+      <p:sp>
+        <p:nvSpPr>
+          <p:cNvPr id="27" name="文字方塊 26">
+            <a:extLst>
+              <a:ext uri="{FF2B5EF4-FFF2-40B4-BE49-F238E27FC236}">
+                <a16:creationId xmlns:a16="http://schemas.microsoft.com/office/drawing/2014/main" id="{2462C33F-F23B-5113-F2CB-70E0BD12AF40}"/>
+              </a:ext>
+            </a:extLst>
+          </p:cNvPr>
+          <p:cNvSpPr txBox="1"/>
+          <p:nvPr/>
+        </p:nvSpPr>
+        <p:spPr>
+          <a:xfrm>
+            <a:off x="6242359" y="3429000"/>
+            <a:ext cx="1224338" cy="276999"/>
+          </a:xfrm>
+          <a:prstGeom prst="rect">
+            <a:avLst/>
+          </a:prstGeom>
+          <a:noFill/>
+        </p:spPr>
+        <p:txBody>
+          <a:bodyPr wrap="square" rtlCol="0">
+            <a:spAutoFit/>
+          </a:bodyPr>
+          <a:lstStyle/>
+          <a:p>
+            <a:r>
+              <a:rPr kumimoji="1" lang="zh-TW" altLang="en-US" sz="1200" b="1" dirty="0">
+                <a:solidFill>
+                  <a:srgbClr val="0070C0"/>
+                </a:solidFill>
+                <a:latin typeface="Microsoft JhengHei" panose="020B0604030504040204" pitchFamily="34" charset="-120"/>
+                <a:ea typeface="Microsoft JhengHei" panose="020B0604030504040204" pitchFamily="34" charset="-120"/>
+              </a:rPr>
+              <a:t>搜尋答案</a:t>
+            </a:r>
+            <a:endParaRPr kumimoji="1" lang="en-US" altLang="zh-TW" sz="1200" b="1" dirty="0">
+              <a:solidFill>
+                <a:srgbClr val="0070C0"/>
+              </a:solidFill>
+              <a:latin typeface="Microsoft JhengHei" panose="020B0604030504040204" pitchFamily="34" charset="-120"/>
+              <a:ea typeface="Microsoft JhengHei" panose="020B0604030504040204" pitchFamily="34" charset="-120"/>
+            </a:endParaRPr>
+          </a:p>
+        </p:txBody>
+      </p:sp>
+      <p:sp>
+        <p:nvSpPr>
+          <p:cNvPr id="28" name="矩形 27">
+            <a:extLst>
+              <a:ext uri="{FF2B5EF4-FFF2-40B4-BE49-F238E27FC236}">
+                <a16:creationId xmlns:a16="http://schemas.microsoft.com/office/drawing/2014/main" id="{A4641103-3AB2-C106-5CDF-D6A1D277CC21}"/>
+              </a:ext>
+            </a:extLst>
+          </p:cNvPr>
+          <p:cNvSpPr/>
+          <p:nvPr/>
+        </p:nvSpPr>
+        <p:spPr>
+          <a:xfrm>
+            <a:off x="8502725" y="3114343"/>
+            <a:ext cx="2806557" cy="1026142"/>
+          </a:xfrm>
+          <a:prstGeom prst="rect">
+            <a:avLst/>
+          </a:prstGeom>
+          <a:solidFill>
+            <a:schemeClr val="bg1"/>
+          </a:solidFill>
+          <a:ln>
+            <a:noFill/>
+          </a:ln>
+          <a:effectLst>
+            <a:outerShdw blurRad="50800" dist="38100" dir="2700000" algn="tl" rotWithShape="0">
+              <a:prstClr val="black">
+                <a:alpha val="40000"/>
+              </a:prstClr>
+            </a:outerShdw>
+          </a:effectLst>
+        </p:spPr>
+        <p:style>
+          <a:lnRef idx="2">
+            <a:schemeClr val="accent1">
+              <a:shade val="15000"/>
+            </a:schemeClr>
+          </a:lnRef>
+          <a:fillRef idx="1">
+            <a:schemeClr val="accent1"/>
+          </a:fillRef>
+          <a:effectRef idx="0">
+            <a:schemeClr val="accent1"/>
+          </a:effectRef>
+          <a:fontRef idx="minor">
+            <a:schemeClr val="lt1"/>
+          </a:fontRef>
+        </p:style>
+        <p:txBody>
+          <a:bodyPr rtlCol="0" anchor="t"/>
+          <a:lstStyle/>
+          <a:p>
+            <a:r>
+              <a:rPr kumimoji="1" lang="en-US" altLang="zh-TW" sz="1400" b="1" dirty="0">
+                <a:solidFill>
+                  <a:schemeClr val="tx1"/>
+                </a:solidFill>
+                <a:latin typeface="DengXian" panose="02010600030101010101" pitchFamily="2" charset="-122"/>
+                <a:ea typeface="DengXian" panose="02010600030101010101" pitchFamily="2" charset="-122"/>
+              </a:rPr>
+              <a:t>1.3</a:t>
+            </a:r>
+            <a:r>
+              <a:rPr kumimoji="1" lang="zh-TW" altLang="en-US" sz="1400" b="1" dirty="0">
+                <a:solidFill>
+                  <a:schemeClr val="tx1"/>
+                </a:solidFill>
+                <a:latin typeface="DengXian" panose="02010600030101010101" pitchFamily="2" charset="-122"/>
+                <a:ea typeface="DengXian" panose="02010600030101010101" pitchFamily="2" charset="-122"/>
+              </a:rPr>
+              <a:t> </a:t>
+            </a:r>
+            <a:r>
+              <a:rPr kumimoji="1" lang="en-US" altLang="zh-TW" sz="1400" b="1" dirty="0">
+                <a:solidFill>
+                  <a:schemeClr val="tx1"/>
+                </a:solidFill>
+                <a:latin typeface="DengXian" panose="02010600030101010101" pitchFamily="2" charset="-122"/>
+                <a:ea typeface="DengXian" panose="02010600030101010101" pitchFamily="2" charset="-122"/>
+              </a:rPr>
+              <a:t>Regularization</a:t>
+            </a:r>
+            <a:r>
+              <a:rPr kumimoji="1" lang="zh-TW" altLang="en-US" sz="1400" b="1" dirty="0">
+                <a:solidFill>
+                  <a:schemeClr val="tx1"/>
+                </a:solidFill>
+                <a:latin typeface="DengXian" panose="02010600030101010101" pitchFamily="2" charset="-122"/>
+                <a:ea typeface="DengXian" panose="02010600030101010101" pitchFamily="2" charset="-122"/>
+              </a:rPr>
+              <a:t>：</a:t>
+            </a:r>
+            <a:endParaRPr kumimoji="1" lang="en-US" altLang="zh-TW" sz="1400" b="1" dirty="0">
+              <a:solidFill>
+                <a:schemeClr val="tx1"/>
+              </a:solidFill>
+              <a:latin typeface="DengXian" panose="02010600030101010101" pitchFamily="2" charset="-122"/>
+              <a:ea typeface="DengXian" panose="02010600030101010101" pitchFamily="2" charset="-122"/>
+            </a:endParaRPr>
+          </a:p>
+          <a:p>
+            <a:r>
+              <a:rPr kumimoji="1" lang="en-US" altLang="zh-TW" sz="1400" b="1" dirty="0">
+                <a:solidFill>
+                  <a:schemeClr val="tx1"/>
+                </a:solidFill>
+                <a:latin typeface="DengXian" panose="02010600030101010101" pitchFamily="2" charset="-122"/>
+                <a:ea typeface="DengXian" panose="02010600030101010101" pitchFamily="2" charset="-122"/>
+              </a:rPr>
+              <a:t>xxxxxxxxxxxxxxxxxxxxxxxxxxxxxxxxxxxxxxxxxxxxxxxxxxxxxxxxxxxxxxxxx</a:t>
+            </a:r>
+          </a:p>
+          <a:p>
+            <a:endParaRPr kumimoji="1" lang="en-US" altLang="zh-TW" sz="1400" b="1" dirty="0">
+              <a:solidFill>
+                <a:schemeClr val="tx1"/>
+              </a:solidFill>
+              <a:latin typeface="DengXian" panose="02010600030101010101" pitchFamily="2" charset="-122"/>
+              <a:ea typeface="DengXian" panose="02010600030101010101" pitchFamily="2" charset="-122"/>
+            </a:endParaRPr>
+          </a:p>
+          <a:p>
+            <a:endParaRPr kumimoji="1" lang="en-US" altLang="zh-TW" sz="1400" b="1" dirty="0">
+              <a:solidFill>
+                <a:schemeClr val="tx1"/>
+              </a:solidFill>
+              <a:latin typeface="DengXian" panose="02010600030101010101" pitchFamily="2" charset="-122"/>
+              <a:ea typeface="DengXian" panose="02010600030101010101" pitchFamily="2" charset="-122"/>
+            </a:endParaRPr>
+          </a:p>
+        </p:txBody>
+      </p:sp>
+      <p:sp>
+        <p:nvSpPr>
+          <p:cNvPr id="29" name="三角形 28">
+            <a:extLst>
+              <a:ext uri="{FF2B5EF4-FFF2-40B4-BE49-F238E27FC236}">
+                <a16:creationId xmlns:a16="http://schemas.microsoft.com/office/drawing/2014/main" id="{8DFC2E77-F3D3-074A-99FA-C0D5D19F8147}"/>
+              </a:ext>
+            </a:extLst>
+          </p:cNvPr>
+          <p:cNvSpPr/>
+          <p:nvPr/>
+        </p:nvSpPr>
+        <p:spPr>
+          <a:xfrm rot="10800000">
+            <a:off x="8643564" y="4460811"/>
+            <a:ext cx="2524878" cy="195209"/>
+          </a:xfrm>
+          <a:prstGeom prst="triangle">
+            <a:avLst/>
+          </a:prstGeom>
+          <a:solidFill>
+            <a:schemeClr val="accent1">
+              <a:lumMod val="25000"/>
+              <a:lumOff val="75000"/>
+            </a:schemeClr>
+          </a:solidFill>
+          <a:ln>
+            <a:noFill/>
+          </a:ln>
+        </p:spPr>
+        <p:style>
+          <a:lnRef idx="2">
+            <a:schemeClr val="accent1">
+              <a:shade val="15000"/>
+            </a:schemeClr>
+          </a:lnRef>
+          <a:fillRef idx="1">
+            <a:schemeClr val="accent1"/>
+          </a:fillRef>
+          <a:effectRef idx="0">
+            <a:schemeClr val="accent1"/>
+          </a:effectRef>
+          <a:fontRef idx="minor">
+            <a:schemeClr val="lt1"/>
+          </a:fontRef>
+        </p:style>
+        <p:txBody>
+          <a:bodyPr rtlCol="0" anchor="ctr"/>
+          <a:lstStyle/>
+          <a:p>
+            <a:pPr algn="ctr"/>
+            <a:endParaRPr kumimoji="1" lang="zh-TW" altLang="en-US"/>
+          </a:p>
+        </p:txBody>
+      </p:sp>
+      <p:sp>
+        <p:nvSpPr>
+          <p:cNvPr id="30" name="文字方塊 29">
+            <a:extLst>
+              <a:ext uri="{FF2B5EF4-FFF2-40B4-BE49-F238E27FC236}">
+                <a16:creationId xmlns:a16="http://schemas.microsoft.com/office/drawing/2014/main" id="{BE44A0D8-EEFC-2F68-F060-9732052FCB82}"/>
+              </a:ext>
+            </a:extLst>
+          </p:cNvPr>
+          <p:cNvSpPr txBox="1"/>
+          <p:nvPr/>
+        </p:nvSpPr>
+        <p:spPr>
+          <a:xfrm>
+            <a:off x="8719761" y="5082277"/>
+            <a:ext cx="2524878" cy="307777"/>
+          </a:xfrm>
+          <a:prstGeom prst="rect">
+            <a:avLst/>
+          </a:prstGeom>
+          <a:noFill/>
+        </p:spPr>
+        <p:txBody>
+          <a:bodyPr wrap="square" rtlCol="0">
+            <a:spAutoFit/>
+          </a:bodyPr>
+          <a:lstStyle/>
+          <a:p>
+            <a:r>
+              <a:rPr kumimoji="1" lang="en-US" altLang="zh-TW" sz="1400" b="1" dirty="0">
+                <a:latin typeface="DengXian" panose="02010600030101010101" pitchFamily="2" charset="-122"/>
+                <a:ea typeface="DengXian" panose="02010600030101010101" pitchFamily="2" charset="-122"/>
+              </a:rPr>
+              <a:t>Answer:</a:t>
+            </a:r>
+            <a:r>
+              <a:rPr kumimoji="1" lang="zh-TW" altLang="en-US" sz="1400" b="1" dirty="0">
+                <a:latin typeface="DengXian" panose="02010600030101010101" pitchFamily="2" charset="-122"/>
+                <a:ea typeface="DengXian" panose="02010600030101010101" pitchFamily="2" charset="-122"/>
+              </a:rPr>
+              <a:t> </a:t>
+            </a:r>
+            <a:r>
+              <a:rPr kumimoji="1" lang="zh-TW" altLang="en-US" sz="1400" b="1" dirty="0">
+                <a:latin typeface="Microsoft JhengHei" panose="020B0604030504040204" pitchFamily="34" charset="-120"/>
+                <a:ea typeface="Microsoft JhengHei" panose="020B0604030504040204" pitchFamily="34" charset="-120"/>
+              </a:rPr>
+              <a:t>防止 </a:t>
+            </a:r>
+            <a:r>
+              <a:rPr kumimoji="1" lang="en-US" altLang="zh-TW" sz="1400" b="1" dirty="0">
+                <a:latin typeface="DengXian" panose="02010600030101010101" pitchFamily="2" charset="-122"/>
+                <a:ea typeface="DengXian" panose="02010600030101010101" pitchFamily="2" charset="-122"/>
+              </a:rPr>
+              <a:t>Overfitting</a:t>
+            </a:r>
+          </a:p>
+        </p:txBody>
+      </p:sp>
+      <p:sp>
+        <p:nvSpPr>
+          <p:cNvPr id="2" name="投影片編號版面配置區 1">
+            <a:extLst>
+              <a:ext uri="{FF2B5EF4-FFF2-40B4-BE49-F238E27FC236}">
+                <a16:creationId xmlns:a16="http://schemas.microsoft.com/office/drawing/2014/main" id="{C2C159C8-4D71-DE3F-080B-E4F49B4AA4BD}"/>
+              </a:ext>
+            </a:extLst>
+          </p:cNvPr>
+          <p:cNvSpPr>
+            <a:spLocks noGrp="1"/>
+          </p:cNvSpPr>
+          <p:nvPr>
+            <p:ph type="sldNum" sz="quarter" idx="12"/>
+          </p:nvPr>
+        </p:nvSpPr>
+        <p:spPr/>
+        <p:txBody>
+          <a:bodyPr/>
+          <a:lstStyle/>
+          <a:p>
+            <a:fld id="{1CF45AF8-4138-9146-B609-F50164E207FA}" type="slidenum">
+              <a:rPr kumimoji="1" lang="zh-TW" altLang="en-US" smtClean="0"/>
+              <a:t>10</a:t>
+            </a:fld>
+            <a:endParaRPr kumimoji="1" lang="zh-TW" altLang="en-US"/>
+          </a:p>
+        </p:txBody>
+      </p:sp>
+      <p:cxnSp>
+        <p:nvCxnSpPr>
+          <p:cNvPr id="6" name="曲線接點 5">
+            <a:extLst>
+              <a:ext uri="{FF2B5EF4-FFF2-40B4-BE49-F238E27FC236}">
+                <a16:creationId xmlns:a16="http://schemas.microsoft.com/office/drawing/2014/main" id="{63C0EA9A-4B30-C6BD-1958-9E51E75C0908}"/>
+              </a:ext>
+            </a:extLst>
+          </p:cNvPr>
+          <p:cNvCxnSpPr>
+            <a:cxnSpLocks/>
+          </p:cNvCxnSpPr>
+          <p:nvPr/>
+        </p:nvCxnSpPr>
+        <p:spPr>
+          <a:xfrm rot="5400000">
+            <a:off x="5408986" y="2988784"/>
+            <a:ext cx="1734998" cy="844655"/>
+          </a:xfrm>
+          <a:prstGeom prst="curvedConnector3">
+            <a:avLst>
+              <a:gd name="adj1" fmla="val 50000"/>
+            </a:avLst>
+          </a:prstGeom>
+          <a:ln w="12700">
+            <a:solidFill>
+              <a:srgbClr val="0070C0"/>
+            </a:solidFill>
+            <a:tailEnd type="triangle"/>
+          </a:ln>
+        </p:spPr>
+        <p:style>
+          <a:lnRef idx="1">
+            <a:schemeClr val="accent1"/>
+          </a:lnRef>
+          <a:fillRef idx="0">
+            <a:schemeClr val="accent1"/>
+          </a:fillRef>
+          <a:effectRef idx="0">
+            <a:schemeClr val="accent1"/>
+          </a:effectRef>
+          <a:fontRef idx="minor">
+            <a:schemeClr val="tx1"/>
+          </a:fontRef>
+        </p:style>
+      </p:cxnSp>
+      <p:grpSp>
+        <p:nvGrpSpPr>
+          <p:cNvPr id="37" name="群組 36">
+            <a:extLst>
+              <a:ext uri="{FF2B5EF4-FFF2-40B4-BE49-F238E27FC236}">
+                <a16:creationId xmlns:a16="http://schemas.microsoft.com/office/drawing/2014/main" id="{0FF04523-D2EC-52C9-341D-6FC74CC48F68}"/>
+              </a:ext>
+            </a:extLst>
+          </p:cNvPr>
+          <p:cNvGrpSpPr/>
+          <p:nvPr/>
+        </p:nvGrpSpPr>
+        <p:grpSpPr>
+          <a:xfrm>
+            <a:off x="865755" y="3070846"/>
+            <a:ext cx="2607652" cy="3144398"/>
+            <a:chOff x="865755" y="3070846"/>
+            <a:chExt cx="2607652" cy="3144398"/>
+          </a:xfrm>
+        </p:grpSpPr>
+        <p:pic>
+          <p:nvPicPr>
+            <p:cNvPr id="15" name="圖片 14">
+              <a:extLst>
+                <a:ext uri="{FF2B5EF4-FFF2-40B4-BE49-F238E27FC236}">
+                  <a16:creationId xmlns:a16="http://schemas.microsoft.com/office/drawing/2014/main" id="{7010249A-88AC-4FF7-323A-EDA42D847BDA}"/>
+                </a:ext>
+              </a:extLst>
+            </p:cNvPr>
+            <p:cNvPicPr>
+              <a:picLocks noChangeAspect="1"/>
+            </p:cNvPicPr>
+            <p:nvPr/>
+          </p:nvPicPr>
+          <p:blipFill>
+            <a:blip r:embed="rId2"/>
+            <a:stretch>
+              <a:fillRect/>
+            </a:stretch>
+          </p:blipFill>
+          <p:spPr>
+            <a:xfrm>
+              <a:off x="1272638" y="3327096"/>
+              <a:ext cx="2200769" cy="2888148"/>
+            </a:xfrm>
+            <a:prstGeom prst="rect">
+              <a:avLst/>
+            </a:prstGeom>
+            <a:ln>
+              <a:noFill/>
+            </a:ln>
+            <a:effectLst>
+              <a:outerShdw blurRad="292100" dist="139700" dir="2700000" algn="tl" rotWithShape="0">
+                <a:srgbClr val="333333">
+                  <a:alpha val="65000"/>
+                </a:srgbClr>
+              </a:outerShdw>
+            </a:effectLst>
+          </p:spPr>
+        </p:pic>
+        <p:pic>
+          <p:nvPicPr>
+            <p:cNvPr id="35" name="圖片 34">
+              <a:extLst>
+                <a:ext uri="{FF2B5EF4-FFF2-40B4-BE49-F238E27FC236}">
+                  <a16:creationId xmlns:a16="http://schemas.microsoft.com/office/drawing/2014/main" id="{7878A4C5-3AFB-92AC-193B-D4A070D92289}"/>
+                </a:ext>
+              </a:extLst>
+            </p:cNvPr>
+            <p:cNvPicPr>
+              <a:picLocks noChangeAspect="1"/>
+            </p:cNvPicPr>
+            <p:nvPr/>
+          </p:nvPicPr>
+          <p:blipFill>
+            <a:blip r:embed="rId2"/>
+            <a:stretch>
+              <a:fillRect/>
+            </a:stretch>
+          </p:blipFill>
+          <p:spPr>
+            <a:xfrm>
+              <a:off x="1044892" y="3210688"/>
+              <a:ext cx="2200769" cy="2888148"/>
+            </a:xfrm>
+            <a:prstGeom prst="rect">
+              <a:avLst/>
+            </a:prstGeom>
+            <a:ln>
+              <a:noFill/>
+            </a:ln>
+            <a:effectLst>
+              <a:outerShdw blurRad="292100" dist="139700" dir="2700000" algn="tl" rotWithShape="0">
+                <a:srgbClr val="333333">
+                  <a:alpha val="65000"/>
+                </a:srgbClr>
+              </a:outerShdw>
+            </a:effectLst>
+          </p:spPr>
+        </p:pic>
+        <p:pic>
+          <p:nvPicPr>
+            <p:cNvPr id="36" name="圖片 35">
+              <a:extLst>
+                <a:ext uri="{FF2B5EF4-FFF2-40B4-BE49-F238E27FC236}">
+                  <a16:creationId xmlns:a16="http://schemas.microsoft.com/office/drawing/2014/main" id="{84775F3E-8971-F7B4-F237-498ABD51096C}"/>
+                </a:ext>
+              </a:extLst>
+            </p:cNvPr>
+            <p:cNvPicPr>
+              <a:picLocks noChangeAspect="1"/>
+            </p:cNvPicPr>
+            <p:nvPr/>
+          </p:nvPicPr>
+          <p:blipFill>
+            <a:blip r:embed="rId2"/>
+            <a:stretch>
+              <a:fillRect/>
+            </a:stretch>
+          </p:blipFill>
+          <p:spPr>
+            <a:xfrm>
+              <a:off x="865755" y="3070846"/>
+              <a:ext cx="2200769" cy="2888148"/>
+            </a:xfrm>
+            <a:prstGeom prst="rect">
+              <a:avLst/>
+            </a:prstGeom>
+            <a:ln>
+              <a:noFill/>
+            </a:ln>
+            <a:effectLst>
+              <a:outerShdw blurRad="292100" dist="139700" dir="2700000" algn="tl" rotWithShape="0">
+                <a:srgbClr val="333333">
+                  <a:alpha val="65000"/>
+                </a:srgbClr>
+              </a:outerShdw>
+            </a:effectLst>
+          </p:spPr>
+        </p:pic>
+      </p:grpSp>
+    </p:spTree>
+    <p:extLst>
+      <p:ext uri="{BB962C8B-B14F-4D97-AF65-F5344CB8AC3E}">
+        <p14:creationId xmlns:p14="http://schemas.microsoft.com/office/powerpoint/2010/main" val="2755357022"/>
+      </p:ext>
+    </p:extLst>
+  </p:cSld>
+  <p:clrMapOvr>
+    <a:masterClrMapping/>
+  </p:clrMapOvr>
+</p:sld>
+</file>
+
+<file path=ppt/slides/slide12.xml><?xml version="1.0" encoding="utf-8"?>
+<p:sld xmlns:a="http://schemas.openxmlformats.org/drawingml/2006/main" xmlns:r="http://schemas.openxmlformats.org/officeDocument/2006/relationships" xmlns:p="http://schemas.openxmlformats.org/presentationml/2006/main">
+  <p:cSld>
+    <p:spTree>
+      <p:nvGrpSpPr>
+        <p:cNvPr id="1" name=""/>
+        <p:cNvGrpSpPr/>
+        <p:nvPr/>
+      </p:nvGrpSpPr>
+      <p:grpSpPr>
+        <a:xfrm>
+          <a:off x="0" y="0"/>
+          <a:ext cx="0" cy="0"/>
+          <a:chOff x="0" y="0"/>
+          <a:chExt cx="0" cy="0"/>
+        </a:xfrm>
+      </p:grpSpPr>
       <p:grpSp>
         <p:nvGrpSpPr>
           <p:cNvPr id="15" name="群組 14">
@@ -4440,7 +6765,7 @@
           <a:p>
             <a:fld id="{1CF45AF8-4138-9146-B609-F50164E207FA}" type="slidenum">
               <a:rPr kumimoji="1" lang="zh-TW" altLang="en-US" smtClean="0"/>
-              <a:t>9</a:t>
+              <a:t>11</a:t>
             </a:fld>
             <a:endParaRPr kumimoji="1" lang="zh-TW" altLang="en-US"/>
           </a:p>
@@ -4459,7 +6784,7 @@
 </p:sld>
 </file>
 
-<file path=ppt/slides/slide11.xml><?xml version="1.0" encoding="utf-8"?>
+<file path=ppt/slides/slide13.xml><?xml version="1.0" encoding="utf-8"?>
 <p:sld xmlns:a="http://schemas.openxmlformats.org/drawingml/2006/main" xmlns:r="http://schemas.openxmlformats.org/officeDocument/2006/relationships" xmlns:p="http://schemas.openxmlformats.org/presentationml/2006/main">
   <p:cSld>
     <p:spTree>
@@ -4646,7 +6971,7 @@
         <p:spPr>
           <a:xfrm>
             <a:off x="604027" y="2665472"/>
-            <a:ext cx="4847802" cy="553998"/>
+            <a:ext cx="4616970" cy="553998"/>
           </a:xfrm>
           <a:prstGeom prst="rect">
             <a:avLst/>
@@ -4687,7 +7012,7 @@
                 <a:latin typeface="Microsoft JhengHei" panose="020B0604030504040204" pitchFamily="34" charset="-120"/>
                 <a:ea typeface="Microsoft JhengHei" panose="020B0604030504040204" pitchFamily="34" charset="-120"/>
               </a:rPr>
-              <a:t>準備好資料，將資料轉為向量 </a:t>
+              <a:t>準備好資料，轉為語意向量 </a:t>
             </a:r>
             <a:r>
               <a:rPr kumimoji="1" lang="en-US" altLang="zh-TW" b="1" dirty="0">
@@ -4790,7 +7115,7 @@
           <a:p>
             <a:fld id="{1CF45AF8-4138-9146-B609-F50164E207FA}" type="slidenum">
               <a:rPr kumimoji="1" lang="zh-TW" altLang="en-US" smtClean="0"/>
-              <a:t>10</a:t>
+              <a:t>12</a:t>
             </a:fld>
             <a:endParaRPr kumimoji="1" lang="zh-TW" altLang="en-US"/>
           </a:p>
@@ -4809,7 +7134,7 @@
 </p:sld>
 </file>
 
-<file path=ppt/slides/slide12.xml><?xml version="1.0" encoding="utf-8"?>
+<file path=ppt/slides/slide14.xml><?xml version="1.0" encoding="utf-8"?>
 <p:sld xmlns:a="http://schemas.openxmlformats.org/drawingml/2006/main" xmlns:r="http://schemas.openxmlformats.org/officeDocument/2006/relationships" xmlns:p="http://schemas.openxmlformats.org/presentationml/2006/main">
   <p:cSld>
     <p:spTree>
@@ -5126,10 +7451,39 @@
       </p:sp>
       <p:sp>
         <p:nvSpPr>
-          <p:cNvPr id="3" name="文字方塊 2">
-            <a:extLst>
-              <a:ext uri="{FF2B5EF4-FFF2-40B4-BE49-F238E27FC236}">
-                <a16:creationId xmlns:a16="http://schemas.microsoft.com/office/drawing/2014/main" id="{F6BAA8A1-7590-D2E2-750F-B6D433C15E32}"/>
+          <p:cNvPr id="4" name="投影片編號版面配置區 3">
+            <a:extLst>
+              <a:ext uri="{FF2B5EF4-FFF2-40B4-BE49-F238E27FC236}">
+                <a16:creationId xmlns:a16="http://schemas.microsoft.com/office/drawing/2014/main" id="{79F7F4E7-CD24-5725-BA84-D52B87980CF8}"/>
+              </a:ext>
+            </a:extLst>
+          </p:cNvPr>
+          <p:cNvSpPr>
+            <a:spLocks noGrp="1"/>
+          </p:cNvSpPr>
+          <p:nvPr>
+            <p:ph type="sldNum" sz="quarter" idx="12"/>
+          </p:nvPr>
+        </p:nvSpPr>
+        <p:spPr/>
+        <p:txBody>
+          <a:bodyPr/>
+          <a:lstStyle/>
+          <a:p>
+            <a:fld id="{1CF45AF8-4138-9146-B609-F50164E207FA}" type="slidenum">
+              <a:rPr kumimoji="1" lang="zh-TW" altLang="en-US" smtClean="0"/>
+              <a:t>13</a:t>
+            </a:fld>
+            <a:endParaRPr kumimoji="1" lang="zh-TW" altLang="en-US"/>
+          </a:p>
+        </p:txBody>
+      </p:sp>
+      <p:sp>
+        <p:nvSpPr>
+          <p:cNvPr id="5" name="文字方塊 4">
+            <a:extLst>
+              <a:ext uri="{FF2B5EF4-FFF2-40B4-BE49-F238E27FC236}">
+                <a16:creationId xmlns:a16="http://schemas.microsoft.com/office/drawing/2014/main" id="{F0073F8E-C72D-CF84-F58E-E069F63626F3}"/>
               </a:ext>
             </a:extLst>
           </p:cNvPr>
@@ -5139,7 +7493,7 @@
         <p:spPr>
           <a:xfrm>
             <a:off x="604027" y="2665472"/>
-            <a:ext cx="4847802" cy="553998"/>
+            <a:ext cx="4616970" cy="553998"/>
           </a:xfrm>
           <a:prstGeom prst="rect">
             <a:avLst/>
@@ -5180,7 +7534,7 @@
                 <a:latin typeface="Microsoft JhengHei" panose="020B0604030504040204" pitchFamily="34" charset="-120"/>
                 <a:ea typeface="Microsoft JhengHei" panose="020B0604030504040204" pitchFamily="34" charset="-120"/>
               </a:rPr>
-              <a:t>準備好資料，將資料轉為向量 </a:t>
+              <a:t>準備好資料，轉為語意向量 </a:t>
             </a:r>
             <a:r>
               <a:rPr kumimoji="1" lang="en-US" altLang="zh-TW" b="1" dirty="0">
@@ -5257,35 +7611,6 @@
               </a:rPr>
               <a:t>Database</a:t>
             </a:r>
-          </a:p>
-        </p:txBody>
-      </p:sp>
-      <p:sp>
-        <p:nvSpPr>
-          <p:cNvPr id="4" name="投影片編號版面配置區 3">
-            <a:extLst>
-              <a:ext uri="{FF2B5EF4-FFF2-40B4-BE49-F238E27FC236}">
-                <a16:creationId xmlns:a16="http://schemas.microsoft.com/office/drawing/2014/main" id="{79F7F4E7-CD24-5725-BA84-D52B87980CF8}"/>
-              </a:ext>
-            </a:extLst>
-          </p:cNvPr>
-          <p:cNvSpPr>
-            <a:spLocks noGrp="1"/>
-          </p:cNvSpPr>
-          <p:nvPr>
-            <p:ph type="sldNum" sz="quarter" idx="12"/>
-          </p:nvPr>
-        </p:nvSpPr>
-        <p:spPr/>
-        <p:txBody>
-          <a:bodyPr/>
-          <a:lstStyle/>
-          <a:p>
-            <a:fld id="{1CF45AF8-4138-9146-B609-F50164E207FA}" type="slidenum">
-              <a:rPr kumimoji="1" lang="zh-TW" altLang="en-US" smtClean="0"/>
-              <a:t>11</a:t>
-            </a:fld>
-            <a:endParaRPr kumimoji="1" lang="zh-TW" altLang="en-US"/>
           </a:p>
         </p:txBody>
       </p:sp>
@@ -5302,7 +7627,7 @@
 </p:sld>
 </file>
 
-<file path=ppt/slides/slide13.xml><?xml version="1.0" encoding="utf-8"?>
+<file path=ppt/slides/slide15.xml><?xml version="1.0" encoding="utf-8"?>
 <p:sld xmlns:a="http://schemas.openxmlformats.org/drawingml/2006/main" xmlns:r="http://schemas.openxmlformats.org/officeDocument/2006/relationships" xmlns:p="http://schemas.openxmlformats.org/presentationml/2006/main">
   <p:cSld>
     <p:spTree>
@@ -5699,10 +8024,39 @@
       </p:sp>
       <p:sp>
         <p:nvSpPr>
-          <p:cNvPr id="3" name="文字方塊 2">
-            <a:extLst>
-              <a:ext uri="{FF2B5EF4-FFF2-40B4-BE49-F238E27FC236}">
-                <a16:creationId xmlns:a16="http://schemas.microsoft.com/office/drawing/2014/main" id="{A26A3772-2555-5B41-9AFA-5ADD86E71886}"/>
+          <p:cNvPr id="5" name="投影片編號版面配置區 4">
+            <a:extLst>
+              <a:ext uri="{FF2B5EF4-FFF2-40B4-BE49-F238E27FC236}">
+                <a16:creationId xmlns:a16="http://schemas.microsoft.com/office/drawing/2014/main" id="{BFB62D02-9DD4-40D5-6187-0667F2BF3293}"/>
+              </a:ext>
+            </a:extLst>
+          </p:cNvPr>
+          <p:cNvSpPr>
+            <a:spLocks noGrp="1"/>
+          </p:cNvSpPr>
+          <p:nvPr>
+            <p:ph type="sldNum" sz="quarter" idx="12"/>
+          </p:nvPr>
+        </p:nvSpPr>
+        <p:spPr/>
+        <p:txBody>
+          <a:bodyPr/>
+          <a:lstStyle/>
+          <a:p>
+            <a:fld id="{1CF45AF8-4138-9146-B609-F50164E207FA}" type="slidenum">
+              <a:rPr kumimoji="1" lang="zh-TW" altLang="en-US" smtClean="0"/>
+              <a:t>14</a:t>
+            </a:fld>
+            <a:endParaRPr kumimoji="1" lang="zh-TW" altLang="en-US"/>
+          </a:p>
+        </p:txBody>
+      </p:sp>
+      <p:sp>
+        <p:nvSpPr>
+          <p:cNvPr id="6" name="文字方塊 5">
+            <a:extLst>
+              <a:ext uri="{FF2B5EF4-FFF2-40B4-BE49-F238E27FC236}">
+                <a16:creationId xmlns:a16="http://schemas.microsoft.com/office/drawing/2014/main" id="{BC12C377-719D-DB91-04B9-A637B210BCF5}"/>
               </a:ext>
             </a:extLst>
           </p:cNvPr>
@@ -5712,7 +8066,7 @@
         <p:spPr>
           <a:xfrm>
             <a:off x="604027" y="2665472"/>
-            <a:ext cx="4847802" cy="553998"/>
+            <a:ext cx="4616970" cy="553998"/>
           </a:xfrm>
           <a:prstGeom prst="rect">
             <a:avLst/>
@@ -5753,7 +8107,7 @@
                 <a:latin typeface="Microsoft JhengHei" panose="020B0604030504040204" pitchFamily="34" charset="-120"/>
                 <a:ea typeface="Microsoft JhengHei" panose="020B0604030504040204" pitchFamily="34" charset="-120"/>
               </a:rPr>
-              <a:t>準備好資料，將資料轉為向量 </a:t>
+              <a:t>準備好資料，轉為語意向量 </a:t>
             </a:r>
             <a:r>
               <a:rPr kumimoji="1" lang="en-US" altLang="zh-TW" b="1" dirty="0">
@@ -5830,35 +8184,6 @@
               </a:rPr>
               <a:t>Database</a:t>
             </a:r>
-          </a:p>
-        </p:txBody>
-      </p:sp>
-      <p:sp>
-        <p:nvSpPr>
-          <p:cNvPr id="5" name="投影片編號版面配置區 4">
-            <a:extLst>
-              <a:ext uri="{FF2B5EF4-FFF2-40B4-BE49-F238E27FC236}">
-                <a16:creationId xmlns:a16="http://schemas.microsoft.com/office/drawing/2014/main" id="{BFB62D02-9DD4-40D5-6187-0667F2BF3293}"/>
-              </a:ext>
-            </a:extLst>
-          </p:cNvPr>
-          <p:cNvSpPr>
-            <a:spLocks noGrp="1"/>
-          </p:cNvSpPr>
-          <p:nvPr>
-            <p:ph type="sldNum" sz="quarter" idx="12"/>
-          </p:nvPr>
-        </p:nvSpPr>
-        <p:spPr/>
-        <p:txBody>
-          <a:bodyPr/>
-          <a:lstStyle/>
-          <a:p>
-            <a:fld id="{1CF45AF8-4138-9146-B609-F50164E207FA}" type="slidenum">
-              <a:rPr kumimoji="1" lang="zh-TW" altLang="en-US" smtClean="0"/>
-              <a:t>12</a:t>
-            </a:fld>
-            <a:endParaRPr kumimoji="1" lang="zh-TW" altLang="en-US"/>
           </a:p>
         </p:txBody>
       </p:sp>
@@ -5875,7 +8200,7 @@
 </p:sld>
 </file>
 
-<file path=ppt/slides/slide14.xml><?xml version="1.0" encoding="utf-8"?>
+<file path=ppt/slides/slide16.xml><?xml version="1.0" encoding="utf-8"?>
 <p:sld xmlns:a="http://schemas.openxmlformats.org/drawingml/2006/main" xmlns:r="http://schemas.openxmlformats.org/officeDocument/2006/relationships" xmlns:p="http://schemas.openxmlformats.org/presentationml/2006/main">
   <p:cSld>
     <p:spTree>
@@ -6333,10 +8658,39 @@
       </p:sp>
       <p:sp>
         <p:nvSpPr>
-          <p:cNvPr id="5" name="文字方塊 4">
-            <a:extLst>
-              <a:ext uri="{FF2B5EF4-FFF2-40B4-BE49-F238E27FC236}">
-                <a16:creationId xmlns:a16="http://schemas.microsoft.com/office/drawing/2014/main" id="{C3443F97-9D0E-4CC8-7B9A-80873CCE96AF}"/>
+          <p:cNvPr id="6" name="投影片編號版面配置區 5">
+            <a:extLst>
+              <a:ext uri="{FF2B5EF4-FFF2-40B4-BE49-F238E27FC236}">
+                <a16:creationId xmlns:a16="http://schemas.microsoft.com/office/drawing/2014/main" id="{AFAF3405-6F2A-DBE7-0C99-5E4097F47251}"/>
+              </a:ext>
+            </a:extLst>
+          </p:cNvPr>
+          <p:cNvSpPr>
+            <a:spLocks noGrp="1"/>
+          </p:cNvSpPr>
+          <p:nvPr>
+            <p:ph type="sldNum" sz="quarter" idx="12"/>
+          </p:nvPr>
+        </p:nvSpPr>
+        <p:spPr/>
+        <p:txBody>
+          <a:bodyPr/>
+          <a:lstStyle/>
+          <a:p>
+            <a:fld id="{1CF45AF8-4138-9146-B609-F50164E207FA}" type="slidenum">
+              <a:rPr kumimoji="1" lang="zh-TW" altLang="en-US" smtClean="0"/>
+              <a:t>15</a:t>
+            </a:fld>
+            <a:endParaRPr kumimoji="1" lang="zh-TW" altLang="en-US"/>
+          </a:p>
+        </p:txBody>
+      </p:sp>
+      <p:sp>
+        <p:nvSpPr>
+          <p:cNvPr id="8" name="文字方塊 7">
+            <a:extLst>
+              <a:ext uri="{FF2B5EF4-FFF2-40B4-BE49-F238E27FC236}">
+                <a16:creationId xmlns:a16="http://schemas.microsoft.com/office/drawing/2014/main" id="{B247E2C9-DE7D-DF9F-B1AD-6B6483DB6F1C}"/>
               </a:ext>
             </a:extLst>
           </p:cNvPr>
@@ -6346,7 +8700,7 @@
         <p:spPr>
           <a:xfrm>
             <a:off x="604027" y="2665472"/>
-            <a:ext cx="4847802" cy="553998"/>
+            <a:ext cx="4616970" cy="553998"/>
           </a:xfrm>
           <a:prstGeom prst="rect">
             <a:avLst/>
@@ -6387,7 +8741,7 @@
                 <a:latin typeface="Microsoft JhengHei" panose="020B0604030504040204" pitchFamily="34" charset="-120"/>
                 <a:ea typeface="Microsoft JhengHei" panose="020B0604030504040204" pitchFamily="34" charset="-120"/>
               </a:rPr>
-              <a:t>準備好資料，將資料轉為向量 </a:t>
+              <a:t>準備好資料，轉為語意向量 </a:t>
             </a:r>
             <a:r>
               <a:rPr kumimoji="1" lang="en-US" altLang="zh-TW" b="1" dirty="0">
@@ -6464,35 +8818,6 @@
               </a:rPr>
               <a:t>Database</a:t>
             </a:r>
-          </a:p>
-        </p:txBody>
-      </p:sp>
-      <p:sp>
-        <p:nvSpPr>
-          <p:cNvPr id="6" name="投影片編號版面配置區 5">
-            <a:extLst>
-              <a:ext uri="{FF2B5EF4-FFF2-40B4-BE49-F238E27FC236}">
-                <a16:creationId xmlns:a16="http://schemas.microsoft.com/office/drawing/2014/main" id="{AFAF3405-6F2A-DBE7-0C99-5E4097F47251}"/>
-              </a:ext>
-            </a:extLst>
-          </p:cNvPr>
-          <p:cNvSpPr>
-            <a:spLocks noGrp="1"/>
-          </p:cNvSpPr>
-          <p:nvPr>
-            <p:ph type="sldNum" sz="quarter" idx="12"/>
-          </p:nvPr>
-        </p:nvSpPr>
-        <p:spPr/>
-        <p:txBody>
-          <a:bodyPr/>
-          <a:lstStyle/>
-          <a:p>
-            <a:fld id="{1CF45AF8-4138-9146-B609-F50164E207FA}" type="slidenum">
-              <a:rPr kumimoji="1" lang="zh-TW" altLang="en-US" smtClean="0"/>
-              <a:t>13</a:t>
-            </a:fld>
-            <a:endParaRPr kumimoji="1" lang="zh-TW" altLang="en-US"/>
           </a:p>
         </p:txBody>
       </p:sp>
@@ -6509,7 +8834,7 @@
 </p:sld>
 </file>
 
-<file path=ppt/slides/slide15.xml><?xml version="1.0" encoding="utf-8"?>
+<file path=ppt/slides/slide17.xml><?xml version="1.0" encoding="utf-8"?>
 <p:sld xmlns:a="http://schemas.openxmlformats.org/drawingml/2006/main" xmlns:r="http://schemas.openxmlformats.org/officeDocument/2006/relationships" xmlns:p="http://schemas.openxmlformats.org/presentationml/2006/main">
   <p:cSld>
     <p:spTree>
@@ -7067,10 +9392,39 @@
       </p:sp>
       <p:sp>
         <p:nvSpPr>
-          <p:cNvPr id="7" name="文字方塊 6">
-            <a:extLst>
-              <a:ext uri="{FF2B5EF4-FFF2-40B4-BE49-F238E27FC236}">
-                <a16:creationId xmlns:a16="http://schemas.microsoft.com/office/drawing/2014/main" id="{0FD5C622-0206-8081-220A-F72D5EDE05FC}"/>
+          <p:cNvPr id="8" name="投影片編號版面配置區 7">
+            <a:extLst>
+              <a:ext uri="{FF2B5EF4-FFF2-40B4-BE49-F238E27FC236}">
+                <a16:creationId xmlns:a16="http://schemas.microsoft.com/office/drawing/2014/main" id="{1114CC6D-D802-80E5-7CEF-3F5B32A94E0B}"/>
+              </a:ext>
+            </a:extLst>
+          </p:cNvPr>
+          <p:cNvSpPr>
+            <a:spLocks noGrp="1"/>
+          </p:cNvSpPr>
+          <p:nvPr>
+            <p:ph type="sldNum" sz="quarter" idx="12"/>
+          </p:nvPr>
+        </p:nvSpPr>
+        <p:spPr/>
+        <p:txBody>
+          <a:bodyPr/>
+          <a:lstStyle/>
+          <a:p>
+            <a:fld id="{1CF45AF8-4138-9146-B609-F50164E207FA}" type="slidenum">
+              <a:rPr kumimoji="1" lang="zh-TW" altLang="en-US" smtClean="0"/>
+              <a:t>16</a:t>
+            </a:fld>
+            <a:endParaRPr kumimoji="1" lang="zh-TW" altLang="en-US"/>
+          </a:p>
+        </p:txBody>
+      </p:sp>
+      <p:sp>
+        <p:nvSpPr>
+          <p:cNvPr id="9" name="文字方塊 8">
+            <a:extLst>
+              <a:ext uri="{FF2B5EF4-FFF2-40B4-BE49-F238E27FC236}">
+                <a16:creationId xmlns:a16="http://schemas.microsoft.com/office/drawing/2014/main" id="{D3BC1D8A-21AE-3CBA-3599-8DC11F505517}"/>
               </a:ext>
             </a:extLst>
           </p:cNvPr>
@@ -7080,7 +9434,7 @@
         <p:spPr>
           <a:xfrm>
             <a:off x="604027" y="2665472"/>
-            <a:ext cx="4847802" cy="553998"/>
+            <a:ext cx="4616970" cy="553998"/>
           </a:xfrm>
           <a:prstGeom prst="rect">
             <a:avLst/>
@@ -7121,7 +9475,7 @@
                 <a:latin typeface="Microsoft JhengHei" panose="020B0604030504040204" pitchFamily="34" charset="-120"/>
                 <a:ea typeface="Microsoft JhengHei" panose="020B0604030504040204" pitchFamily="34" charset="-120"/>
               </a:rPr>
-              <a:t>準備好資料，將資料轉為向量 </a:t>
+              <a:t>準備好資料，轉為語意向量 </a:t>
             </a:r>
             <a:r>
               <a:rPr kumimoji="1" lang="en-US" altLang="zh-TW" b="1" dirty="0">
@@ -7198,35 +9552,6 @@
               </a:rPr>
               <a:t>Database</a:t>
             </a:r>
-          </a:p>
-        </p:txBody>
-      </p:sp>
-      <p:sp>
-        <p:nvSpPr>
-          <p:cNvPr id="8" name="投影片編號版面配置區 7">
-            <a:extLst>
-              <a:ext uri="{FF2B5EF4-FFF2-40B4-BE49-F238E27FC236}">
-                <a16:creationId xmlns:a16="http://schemas.microsoft.com/office/drawing/2014/main" id="{1114CC6D-D802-80E5-7CEF-3F5B32A94E0B}"/>
-              </a:ext>
-            </a:extLst>
-          </p:cNvPr>
-          <p:cNvSpPr>
-            <a:spLocks noGrp="1"/>
-          </p:cNvSpPr>
-          <p:nvPr>
-            <p:ph type="sldNum" sz="quarter" idx="12"/>
-          </p:nvPr>
-        </p:nvSpPr>
-        <p:spPr/>
-        <p:txBody>
-          <a:bodyPr/>
-          <a:lstStyle/>
-          <a:p>
-            <a:fld id="{1CF45AF8-4138-9146-B609-F50164E207FA}" type="slidenum">
-              <a:rPr kumimoji="1" lang="zh-TW" altLang="en-US" smtClean="0"/>
-              <a:t>14</a:t>
-            </a:fld>
-            <a:endParaRPr kumimoji="1" lang="zh-TW" altLang="en-US"/>
           </a:p>
         </p:txBody>
       </p:sp>
@@ -7243,7 +9568,7 @@
 </p:sld>
 </file>
 
-<file path=ppt/slides/slide16.xml><?xml version="1.0" encoding="utf-8"?>
+<file path=ppt/slides/slide18.xml><?xml version="1.0" encoding="utf-8"?>
 <p:sld xmlns:a="http://schemas.openxmlformats.org/drawingml/2006/main" xmlns:r="http://schemas.openxmlformats.org/officeDocument/2006/relationships" xmlns:p="http://schemas.openxmlformats.org/presentationml/2006/main">
   <p:cSld>
     <p:spTree>
@@ -7694,7 +10019,7 @@
           <a:p>
             <a:fld id="{1CF45AF8-4138-9146-B609-F50164E207FA}" type="slidenum">
               <a:rPr kumimoji="1" lang="zh-TW" altLang="en-US" smtClean="0"/>
-              <a:t>15</a:t>
+              <a:t>17</a:t>
             </a:fld>
             <a:endParaRPr kumimoji="1" lang="zh-TW" altLang="en-US"/>
           </a:p>
@@ -7713,7 +10038,432 @@
 </p:sld>
 </file>
 
-<file path=ppt/slides/slide17.xml><?xml version="1.0" encoding="utf-8"?>
+<file path=ppt/slides/slide19.xml><?xml version="1.0" encoding="utf-8"?>
+<p:sld xmlns:a="http://schemas.openxmlformats.org/drawingml/2006/main" xmlns:r="http://schemas.openxmlformats.org/officeDocument/2006/relationships" xmlns:p="http://schemas.openxmlformats.org/presentationml/2006/main">
+  <p:cSld>
+    <p:spTree>
+      <p:nvGrpSpPr>
+        <p:cNvPr id="1" name=""/>
+        <p:cNvGrpSpPr/>
+        <p:nvPr/>
+      </p:nvGrpSpPr>
+      <p:grpSpPr>
+        <a:xfrm>
+          <a:off x="0" y="0"/>
+          <a:ext cx="0" cy="0"/>
+          <a:chOff x="0" y="0"/>
+          <a:chExt cx="0" cy="0"/>
+        </a:xfrm>
+      </p:grpSpPr>
+      <p:sp>
+        <p:nvSpPr>
+          <p:cNvPr id="4" name="文字方塊 3">
+            <a:extLst>
+              <a:ext uri="{FF2B5EF4-FFF2-40B4-BE49-F238E27FC236}">
+                <a16:creationId xmlns:a16="http://schemas.microsoft.com/office/drawing/2014/main" id="{8B5ED92C-D6CE-D7A1-AA7E-55678A2D0A0C}"/>
+              </a:ext>
+            </a:extLst>
+          </p:cNvPr>
+          <p:cNvSpPr txBox="1"/>
+          <p:nvPr/>
+        </p:nvSpPr>
+        <p:spPr>
+          <a:xfrm>
+            <a:off x="2856571" y="2844225"/>
+            <a:ext cx="5998671" cy="584775"/>
+          </a:xfrm>
+          <a:prstGeom prst="rect">
+            <a:avLst/>
+          </a:prstGeom>
+          <a:noFill/>
+        </p:spPr>
+        <p:txBody>
+          <a:bodyPr wrap="square" rtlCol="0">
+            <a:spAutoFit/>
+          </a:bodyPr>
+          <a:lstStyle/>
+          <a:p>
+            <a:r>
+              <a:rPr kumimoji="1" lang="en-US" altLang="zh-TW" sz="3200" b="1" dirty="0">
+                <a:latin typeface="DengXian" panose="02010600030101010101" pitchFamily="2" charset="-122"/>
+                <a:ea typeface="DengXian" panose="02010600030101010101" pitchFamily="2" charset="-122"/>
+              </a:rPr>
+              <a:t>Introduction</a:t>
+            </a:r>
+            <a:r>
+              <a:rPr kumimoji="1" lang="zh-TW" altLang="en-US" sz="3200" b="1" dirty="0">
+                <a:latin typeface="DengXian" panose="02010600030101010101" pitchFamily="2" charset="-122"/>
+                <a:ea typeface="DengXian" panose="02010600030101010101" pitchFamily="2" charset="-122"/>
+              </a:rPr>
+              <a:t> </a:t>
+            </a:r>
+            <a:r>
+              <a:rPr kumimoji="1" lang="en-US" altLang="zh-TW" sz="3200" b="1" dirty="0">
+                <a:latin typeface="DengXian" panose="02010600030101010101" pitchFamily="2" charset="-122"/>
+                <a:ea typeface="DengXian" panose="02010600030101010101" pitchFamily="2" charset="-122"/>
+              </a:rPr>
+              <a:t>to</a:t>
+            </a:r>
+            <a:r>
+              <a:rPr kumimoji="1" lang="zh-TW" altLang="en-US" sz="3200" b="1" dirty="0">
+                <a:latin typeface="DengXian" panose="02010600030101010101" pitchFamily="2" charset="-122"/>
+                <a:ea typeface="DengXian" panose="02010600030101010101" pitchFamily="2" charset="-122"/>
+              </a:rPr>
+              <a:t> </a:t>
+            </a:r>
+            <a:r>
+              <a:rPr kumimoji="1" lang="en-US" altLang="zh-TW" sz="3200" b="1" dirty="0">
+                <a:ln w="19050">
+                  <a:solidFill>
+                    <a:srgbClr val="FFAD07"/>
+                  </a:solidFill>
+                </a:ln>
+                <a:solidFill>
+                  <a:srgbClr val="FFD31E"/>
+                </a:solidFill>
+                <a:latin typeface="DengXian" panose="02010600030101010101" pitchFamily="2" charset="-122"/>
+                <a:ea typeface="DengXian" panose="02010600030101010101" pitchFamily="2" charset="-122"/>
+              </a:rPr>
+              <a:t>Hugging</a:t>
+            </a:r>
+            <a:r>
+              <a:rPr kumimoji="1" lang="zh-TW" altLang="en-US" sz="3200" b="1" dirty="0">
+                <a:ln w="19050">
+                  <a:solidFill>
+                    <a:srgbClr val="FFAD07"/>
+                  </a:solidFill>
+                </a:ln>
+                <a:solidFill>
+                  <a:srgbClr val="FFD31E"/>
+                </a:solidFill>
+                <a:latin typeface="DengXian" panose="02010600030101010101" pitchFamily="2" charset="-122"/>
+                <a:ea typeface="DengXian" panose="02010600030101010101" pitchFamily="2" charset="-122"/>
+              </a:rPr>
+              <a:t> </a:t>
+            </a:r>
+            <a:r>
+              <a:rPr kumimoji="1" lang="en-US" altLang="zh-TW" sz="3200" b="1" dirty="0">
+                <a:ln w="19050">
+                  <a:solidFill>
+                    <a:srgbClr val="FFAD07"/>
+                  </a:solidFill>
+                </a:ln>
+                <a:solidFill>
+                  <a:srgbClr val="FFD31E"/>
+                </a:solidFill>
+                <a:latin typeface="DengXian" panose="02010600030101010101" pitchFamily="2" charset="-122"/>
+                <a:ea typeface="DengXian" panose="02010600030101010101" pitchFamily="2" charset="-122"/>
+              </a:rPr>
+              <a:t>Face</a:t>
+            </a:r>
+            <a:r>
+              <a:rPr kumimoji="1" lang="zh-TW" altLang="en-US" sz="3200" b="1" dirty="0">
+                <a:ln w="19050">
+                  <a:solidFill>
+                    <a:srgbClr val="FFAD07"/>
+                  </a:solidFill>
+                </a:ln>
+                <a:solidFill>
+                  <a:srgbClr val="FFD31E"/>
+                </a:solidFill>
+                <a:latin typeface="DengXian" panose="02010600030101010101" pitchFamily="2" charset="-122"/>
+                <a:ea typeface="DengXian" panose="02010600030101010101" pitchFamily="2" charset="-122"/>
+              </a:rPr>
+              <a:t> </a:t>
+            </a:r>
+            <a:endParaRPr kumimoji="1" lang="en-US" altLang="zh-TW" sz="3200" b="1" dirty="0">
+              <a:ln w="19050">
+                <a:solidFill>
+                  <a:srgbClr val="FFAD07"/>
+                </a:solidFill>
+              </a:ln>
+              <a:solidFill>
+                <a:srgbClr val="FFD31E"/>
+              </a:solidFill>
+              <a:latin typeface="DengXian" panose="02010600030101010101" pitchFamily="2" charset="-122"/>
+              <a:ea typeface="DengXian" panose="02010600030101010101" pitchFamily="2" charset="-122"/>
+            </a:endParaRPr>
+          </a:p>
+        </p:txBody>
+      </p:sp>
+      <p:sp>
+        <p:nvSpPr>
+          <p:cNvPr id="2" name="投影片編號版面配置區 1">
+            <a:extLst>
+              <a:ext uri="{FF2B5EF4-FFF2-40B4-BE49-F238E27FC236}">
+                <a16:creationId xmlns:a16="http://schemas.microsoft.com/office/drawing/2014/main" id="{56B2960E-E694-40A5-CD38-E82E2952937C}"/>
+              </a:ext>
+            </a:extLst>
+          </p:cNvPr>
+          <p:cNvSpPr>
+            <a:spLocks noGrp="1"/>
+          </p:cNvSpPr>
+          <p:nvPr>
+            <p:ph type="sldNum" sz="quarter" idx="12"/>
+          </p:nvPr>
+        </p:nvSpPr>
+        <p:spPr/>
+        <p:txBody>
+          <a:bodyPr/>
+          <a:lstStyle/>
+          <a:p>
+            <a:fld id="{1CF45AF8-4138-9146-B609-F50164E207FA}" type="slidenum">
+              <a:rPr kumimoji="1" lang="zh-TW" altLang="en-US" smtClean="0"/>
+              <a:t>18</a:t>
+            </a:fld>
+            <a:endParaRPr kumimoji="1" lang="zh-TW" altLang="en-US"/>
+          </a:p>
+        </p:txBody>
+      </p:sp>
+      <p:pic>
+        <p:nvPicPr>
+          <p:cNvPr id="3" name="圖片 2">
+            <a:extLst>
+              <a:ext uri="{FF2B5EF4-FFF2-40B4-BE49-F238E27FC236}">
+                <a16:creationId xmlns:a16="http://schemas.microsoft.com/office/drawing/2014/main" id="{DD277F6E-F6B2-D045-C1C2-537C9BCE931B}"/>
+              </a:ext>
+            </a:extLst>
+          </p:cNvPr>
+          <p:cNvPicPr>
+            <a:picLocks noChangeAspect="1"/>
+          </p:cNvPicPr>
+          <p:nvPr/>
+        </p:nvPicPr>
+        <p:blipFill>
+          <a:blip r:embed="rId2"/>
+          <a:stretch>
+            <a:fillRect/>
+          </a:stretch>
+        </p:blipFill>
+        <p:spPr>
+          <a:xfrm>
+            <a:off x="8674768" y="2620796"/>
+            <a:ext cx="1109491" cy="1031632"/>
+          </a:xfrm>
+          <a:prstGeom prst="rect">
+            <a:avLst/>
+          </a:prstGeom>
+        </p:spPr>
+      </p:pic>
+    </p:spTree>
+    <p:extLst>
+      <p:ext uri="{BB962C8B-B14F-4D97-AF65-F5344CB8AC3E}">
+        <p14:creationId xmlns:p14="http://schemas.microsoft.com/office/powerpoint/2010/main" val="3027232314"/>
+      </p:ext>
+    </p:extLst>
+  </p:cSld>
+  <p:clrMapOvr>
+    <a:masterClrMapping/>
+  </p:clrMapOvr>
+</p:sld>
+</file>
+
+<file path=ppt/slides/slide2.xml><?xml version="1.0" encoding="utf-8"?>
+<p:sld xmlns:a="http://schemas.openxmlformats.org/drawingml/2006/main" xmlns:r="http://schemas.openxmlformats.org/officeDocument/2006/relationships" xmlns:p="http://schemas.openxmlformats.org/presentationml/2006/main">
+  <p:cSld>
+    <p:spTree>
+      <p:nvGrpSpPr>
+        <p:cNvPr id="1" name=""/>
+        <p:cNvGrpSpPr/>
+        <p:nvPr/>
+      </p:nvGrpSpPr>
+      <p:grpSpPr>
+        <a:xfrm>
+          <a:off x="0" y="0"/>
+          <a:ext cx="0" cy="0"/>
+          <a:chOff x="0" y="0"/>
+          <a:chExt cx="0" cy="0"/>
+        </a:xfrm>
+      </p:grpSpPr>
+      <p:sp>
+        <p:nvSpPr>
+          <p:cNvPr id="4" name="文字方塊 3">
+            <a:extLst>
+              <a:ext uri="{FF2B5EF4-FFF2-40B4-BE49-F238E27FC236}">
+                <a16:creationId xmlns:a16="http://schemas.microsoft.com/office/drawing/2014/main" id="{39D41296-3B3C-A261-6A85-2A3E760C5930}"/>
+              </a:ext>
+            </a:extLst>
+          </p:cNvPr>
+          <p:cNvSpPr txBox="1"/>
+          <p:nvPr/>
+        </p:nvSpPr>
+        <p:spPr>
+          <a:xfrm>
+            <a:off x="979366" y="2644170"/>
+            <a:ext cx="6397250" cy="1569660"/>
+          </a:xfrm>
+          <a:prstGeom prst="rect">
+            <a:avLst/>
+          </a:prstGeom>
+          <a:noFill/>
+        </p:spPr>
+        <p:txBody>
+          <a:bodyPr wrap="square" rtlCol="0">
+            <a:spAutoFit/>
+          </a:bodyPr>
+          <a:lstStyle/>
+          <a:p>
+            <a:pPr marL="514350" indent="-514350">
+              <a:buAutoNum type="arabicPeriod"/>
+            </a:pPr>
+            <a:r>
+              <a:rPr kumimoji="1" lang="en-US" altLang="zh-TW" sz="3200" b="1" dirty="0">
+                <a:latin typeface="DengXian" panose="02010600030101010101" pitchFamily="2" charset="-122"/>
+                <a:ea typeface="DengXian" panose="02010600030101010101" pitchFamily="2" charset="-122"/>
+              </a:rPr>
+              <a:t>What’s</a:t>
+            </a:r>
+            <a:r>
+              <a:rPr kumimoji="1" lang="zh-TW" altLang="en-US" sz="3200" b="1" dirty="0">
+                <a:latin typeface="DengXian" panose="02010600030101010101" pitchFamily="2" charset="-122"/>
+                <a:ea typeface="DengXian" panose="02010600030101010101" pitchFamily="2" charset="-122"/>
+              </a:rPr>
+              <a:t> </a:t>
+            </a:r>
+            <a:r>
+              <a:rPr kumimoji="1" lang="en-US" altLang="zh-TW" sz="3200" b="1" dirty="0">
+                <a:latin typeface="DengXian" panose="02010600030101010101" pitchFamily="2" charset="-122"/>
+                <a:ea typeface="DengXian" panose="02010600030101010101" pitchFamily="2" charset="-122"/>
+              </a:rPr>
+              <a:t>LLM</a:t>
+            </a:r>
+            <a:r>
+              <a:rPr kumimoji="1" lang="zh-TW" altLang="en-US" sz="3200" b="1" dirty="0">
+                <a:latin typeface="DengXian" panose="02010600030101010101" pitchFamily="2" charset="-122"/>
+                <a:ea typeface="DengXian" panose="02010600030101010101" pitchFamily="2" charset="-122"/>
+              </a:rPr>
+              <a:t>  </a:t>
+            </a:r>
+            <a:endParaRPr kumimoji="1" lang="en-US" altLang="zh-TW" sz="3200" b="1" dirty="0">
+              <a:latin typeface="DengXian" panose="02010600030101010101" pitchFamily="2" charset="-122"/>
+              <a:ea typeface="DengXian" panose="02010600030101010101" pitchFamily="2" charset="-122"/>
+            </a:endParaRPr>
+          </a:p>
+          <a:p>
+            <a:pPr marL="514350" indent="-514350">
+              <a:buAutoNum type="arabicPeriod"/>
+            </a:pPr>
+            <a:r>
+              <a:rPr kumimoji="1" lang="en-US" altLang="zh-TW" sz="3200" b="1" dirty="0">
+                <a:latin typeface="DengXian" panose="02010600030101010101" pitchFamily="2" charset="-122"/>
+                <a:ea typeface="DengXian" panose="02010600030101010101" pitchFamily="2" charset="-122"/>
+              </a:rPr>
+              <a:t>RAG</a:t>
+            </a:r>
+            <a:r>
+              <a:rPr kumimoji="1" lang="zh-TW" altLang="en-US" sz="3200" b="1" dirty="0">
+                <a:latin typeface="DengXian" panose="02010600030101010101" pitchFamily="2" charset="-122"/>
+                <a:ea typeface="DengXian" panose="02010600030101010101" pitchFamily="2" charset="-122"/>
+              </a:rPr>
+              <a:t> </a:t>
+            </a:r>
+            <a:r>
+              <a:rPr kumimoji="1" lang="en-US" altLang="zh-TW" sz="3200" b="1" dirty="0">
+                <a:latin typeface="DengXian" panose="02010600030101010101" pitchFamily="2" charset="-122"/>
+                <a:ea typeface="DengXian" panose="02010600030101010101" pitchFamily="2" charset="-122"/>
+              </a:rPr>
+              <a:t>Basic</a:t>
+            </a:r>
+          </a:p>
+          <a:p>
+            <a:pPr marL="514350" indent="-514350">
+              <a:buAutoNum type="arabicPeriod"/>
+            </a:pPr>
+            <a:r>
+              <a:rPr kumimoji="1" lang="en-US" altLang="zh-TW" sz="3200" b="1" dirty="0">
+                <a:latin typeface="DengXian" panose="02010600030101010101" pitchFamily="2" charset="-122"/>
+                <a:ea typeface="DengXian" panose="02010600030101010101" pitchFamily="2" charset="-122"/>
+              </a:rPr>
+              <a:t>Intro</a:t>
+            </a:r>
+            <a:r>
+              <a:rPr kumimoji="1" lang="zh-TW" altLang="en-US" sz="3200" b="1" dirty="0">
+                <a:latin typeface="DengXian" panose="02010600030101010101" pitchFamily="2" charset="-122"/>
+                <a:ea typeface="DengXian" panose="02010600030101010101" pitchFamily="2" charset="-122"/>
+              </a:rPr>
+              <a:t> </a:t>
+            </a:r>
+            <a:r>
+              <a:rPr kumimoji="1" lang="en-US" altLang="zh-TW" sz="3200" b="1" dirty="0">
+                <a:latin typeface="DengXian" panose="02010600030101010101" pitchFamily="2" charset="-122"/>
+                <a:ea typeface="DengXian" panose="02010600030101010101" pitchFamily="2" charset="-122"/>
+              </a:rPr>
+              <a:t>to</a:t>
+            </a:r>
+            <a:r>
+              <a:rPr kumimoji="1" lang="zh-TW" altLang="en-US" sz="3200" b="1" dirty="0">
+                <a:latin typeface="DengXian" panose="02010600030101010101" pitchFamily="2" charset="-122"/>
+                <a:ea typeface="DengXian" panose="02010600030101010101" pitchFamily="2" charset="-122"/>
+              </a:rPr>
+              <a:t> </a:t>
+            </a:r>
+            <a:r>
+              <a:rPr kumimoji="1" lang="en-US" altLang="zh-TW" sz="3200" b="1" dirty="0">
+                <a:latin typeface="DengXian" panose="02010600030101010101" pitchFamily="2" charset="-122"/>
+                <a:ea typeface="DengXian" panose="02010600030101010101" pitchFamily="2" charset="-122"/>
+              </a:rPr>
+              <a:t>Hugging</a:t>
+            </a:r>
+            <a:r>
+              <a:rPr kumimoji="1" lang="zh-TW" altLang="en-US" sz="3200" b="1" dirty="0">
+                <a:latin typeface="DengXian" panose="02010600030101010101" pitchFamily="2" charset="-122"/>
+                <a:ea typeface="DengXian" panose="02010600030101010101" pitchFamily="2" charset="-122"/>
+              </a:rPr>
+              <a:t> </a:t>
+            </a:r>
+            <a:r>
+              <a:rPr kumimoji="1" lang="en-US" altLang="zh-TW" sz="3200" b="1" dirty="0">
+                <a:latin typeface="DengXian" panose="02010600030101010101" pitchFamily="2" charset="-122"/>
+                <a:ea typeface="DengXian" panose="02010600030101010101" pitchFamily="2" charset="-122"/>
+              </a:rPr>
+              <a:t>face</a:t>
+            </a:r>
+          </a:p>
+        </p:txBody>
+      </p:sp>
+      <p:sp>
+        <p:nvSpPr>
+          <p:cNvPr id="2" name="投影片編號版面配置區 1">
+            <a:extLst>
+              <a:ext uri="{FF2B5EF4-FFF2-40B4-BE49-F238E27FC236}">
+                <a16:creationId xmlns:a16="http://schemas.microsoft.com/office/drawing/2014/main" id="{85303A53-7983-0B6B-9D07-94BD9D069662}"/>
+              </a:ext>
+            </a:extLst>
+          </p:cNvPr>
+          <p:cNvSpPr>
+            <a:spLocks noGrp="1"/>
+          </p:cNvSpPr>
+          <p:nvPr>
+            <p:ph type="sldNum" sz="quarter" idx="12"/>
+          </p:nvPr>
+        </p:nvSpPr>
+        <p:spPr/>
+        <p:txBody>
+          <a:bodyPr/>
+          <a:lstStyle/>
+          <a:p>
+            <a:fld id="{1CF45AF8-4138-9146-B609-F50164E207FA}" type="slidenum">
+              <a:rPr kumimoji="1" lang="zh-TW" altLang="en-US" smtClean="0"/>
+              <a:t>1</a:t>
+            </a:fld>
+            <a:endParaRPr kumimoji="1" lang="zh-TW" altLang="en-US"/>
+          </a:p>
+        </p:txBody>
+      </p:sp>
+    </p:spTree>
+    <p:extLst>
+      <p:ext uri="{BB962C8B-B14F-4D97-AF65-F5344CB8AC3E}">
+        <p14:creationId xmlns:p14="http://schemas.microsoft.com/office/powerpoint/2010/main" val="3389710687"/>
+      </p:ext>
+    </p:extLst>
+  </p:cSld>
+  <p:clrMapOvr>
+    <a:masterClrMapping/>
+  </p:clrMapOvr>
+</p:sld>
+</file>
+
+<file path=ppt/slides/slide20.xml><?xml version="1.0" encoding="utf-8"?>
 <p:sld xmlns:a="http://schemas.openxmlformats.org/drawingml/2006/main" xmlns:r="http://schemas.openxmlformats.org/officeDocument/2006/relationships" xmlns:p="http://schemas.openxmlformats.org/presentationml/2006/main" show="0">
   <p:cSld>
     <p:spTree>
@@ -7753,7 +10503,7 @@
           <a:p>
             <a:fld id="{1CF45AF8-4138-9146-B609-F50164E207FA}" type="slidenum">
               <a:rPr kumimoji="1" lang="zh-TW" altLang="en-US" smtClean="0"/>
-              <a:t>16</a:t>
+              <a:t>19</a:t>
             </a:fld>
             <a:endParaRPr kumimoji="1" lang="zh-TW" altLang="en-US"/>
           </a:p>
@@ -9476,211 +12226,6 @@
 </p:sld>
 </file>
 
-<file path=ppt/slides/slide2.xml><?xml version="1.0" encoding="utf-8"?>
-<p:sld xmlns:a="http://schemas.openxmlformats.org/drawingml/2006/main" xmlns:r="http://schemas.openxmlformats.org/officeDocument/2006/relationships" xmlns:p="http://schemas.openxmlformats.org/presentationml/2006/main">
-  <p:cSld>
-    <p:spTree>
-      <p:nvGrpSpPr>
-        <p:cNvPr id="1" name=""/>
-        <p:cNvGrpSpPr/>
-        <p:nvPr/>
-      </p:nvGrpSpPr>
-      <p:grpSpPr>
-        <a:xfrm>
-          <a:off x="0" y="0"/>
-          <a:ext cx="0" cy="0"/>
-          <a:chOff x="0" y="0"/>
-          <a:chExt cx="0" cy="0"/>
-        </a:xfrm>
-      </p:grpSpPr>
-      <p:sp>
-        <p:nvSpPr>
-          <p:cNvPr id="4" name="文字方塊 3">
-            <a:extLst>
-              <a:ext uri="{FF2B5EF4-FFF2-40B4-BE49-F238E27FC236}">
-                <a16:creationId xmlns:a16="http://schemas.microsoft.com/office/drawing/2014/main" id="{39D41296-3B3C-A261-6A85-2A3E760C5930}"/>
-              </a:ext>
-            </a:extLst>
-          </p:cNvPr>
-          <p:cNvSpPr txBox="1"/>
-          <p:nvPr/>
-        </p:nvSpPr>
-        <p:spPr>
-          <a:xfrm>
-            <a:off x="979366" y="2644170"/>
-            <a:ext cx="6397250" cy="1569660"/>
-          </a:xfrm>
-          <a:prstGeom prst="rect">
-            <a:avLst/>
-          </a:prstGeom>
-          <a:noFill/>
-        </p:spPr>
-        <p:txBody>
-          <a:bodyPr wrap="square" rtlCol="0">
-            <a:spAutoFit/>
-          </a:bodyPr>
-          <a:lstStyle/>
-          <a:p>
-            <a:pPr marL="514350" indent="-514350">
-              <a:buAutoNum type="arabicPeriod"/>
-            </a:pPr>
-            <a:r>
-              <a:rPr kumimoji="1" lang="en-US" altLang="zh-TW" sz="3200" b="1" dirty="0">
-                <a:latin typeface="DengXian" panose="02010600030101010101" pitchFamily="2" charset="-122"/>
-                <a:ea typeface="DengXian" panose="02010600030101010101" pitchFamily="2" charset="-122"/>
-              </a:rPr>
-              <a:t>What’s</a:t>
-            </a:r>
-            <a:r>
-              <a:rPr kumimoji="1" lang="zh-TW" altLang="en-US" sz="3200" b="1" dirty="0">
-                <a:latin typeface="DengXian" panose="02010600030101010101" pitchFamily="2" charset="-122"/>
-                <a:ea typeface="DengXian" panose="02010600030101010101" pitchFamily="2" charset="-122"/>
-              </a:rPr>
-              <a:t> </a:t>
-            </a:r>
-            <a:r>
-              <a:rPr kumimoji="1" lang="en-US" altLang="zh-TW" sz="3200" b="1" dirty="0">
-                <a:latin typeface="DengXian" panose="02010600030101010101" pitchFamily="2" charset="-122"/>
-                <a:ea typeface="DengXian" panose="02010600030101010101" pitchFamily="2" charset="-122"/>
-              </a:rPr>
-              <a:t>LLM</a:t>
-            </a:r>
-            <a:r>
-              <a:rPr kumimoji="1" lang="zh-TW" altLang="en-US" sz="3200" b="1" dirty="0">
-                <a:latin typeface="DengXian" panose="02010600030101010101" pitchFamily="2" charset="-122"/>
-                <a:ea typeface="DengXian" panose="02010600030101010101" pitchFamily="2" charset="-122"/>
-              </a:rPr>
-              <a:t>  </a:t>
-            </a:r>
-            <a:endParaRPr kumimoji="1" lang="en-US" altLang="zh-TW" sz="3200" b="1" dirty="0">
-              <a:latin typeface="DengXian" panose="02010600030101010101" pitchFamily="2" charset="-122"/>
-              <a:ea typeface="DengXian" panose="02010600030101010101" pitchFamily="2" charset="-122"/>
-            </a:endParaRPr>
-          </a:p>
-          <a:p>
-            <a:pPr marL="514350" indent="-514350">
-              <a:buAutoNum type="arabicPeriod"/>
-            </a:pPr>
-            <a:r>
-              <a:rPr kumimoji="1" lang="en-US" altLang="zh-TW" sz="3200" b="1" dirty="0">
-                <a:latin typeface="DengXian" panose="02010600030101010101" pitchFamily="2" charset="-122"/>
-                <a:ea typeface="DengXian" panose="02010600030101010101" pitchFamily="2" charset="-122"/>
-              </a:rPr>
-              <a:t>RAG</a:t>
-            </a:r>
-            <a:r>
-              <a:rPr kumimoji="1" lang="zh-TW" altLang="en-US" sz="3200" b="1" dirty="0">
-                <a:latin typeface="DengXian" panose="02010600030101010101" pitchFamily="2" charset="-122"/>
-                <a:ea typeface="DengXian" panose="02010600030101010101" pitchFamily="2" charset="-122"/>
-              </a:rPr>
-              <a:t> </a:t>
-            </a:r>
-            <a:r>
-              <a:rPr kumimoji="1" lang="en-US" altLang="zh-TW" sz="3200" b="1" dirty="0">
-                <a:latin typeface="DengXian" panose="02010600030101010101" pitchFamily="2" charset="-122"/>
-                <a:ea typeface="DengXian" panose="02010600030101010101" pitchFamily="2" charset="-122"/>
-              </a:rPr>
-              <a:t>Basic</a:t>
-            </a:r>
-          </a:p>
-          <a:p>
-            <a:pPr marL="514350" indent="-514350">
-              <a:buAutoNum type="arabicPeriod"/>
-            </a:pPr>
-            <a:r>
-              <a:rPr kumimoji="1" lang="en-US" altLang="zh-TW" sz="3200" b="1" dirty="0">
-                <a:latin typeface="DengXian" panose="02010600030101010101" pitchFamily="2" charset="-122"/>
-                <a:ea typeface="DengXian" panose="02010600030101010101" pitchFamily="2" charset="-122"/>
-              </a:rPr>
-              <a:t>Intro</a:t>
-            </a:r>
-            <a:r>
-              <a:rPr kumimoji="1" lang="zh-TW" altLang="en-US" sz="3200" b="1" dirty="0">
-                <a:latin typeface="DengXian" panose="02010600030101010101" pitchFamily="2" charset="-122"/>
-                <a:ea typeface="DengXian" panose="02010600030101010101" pitchFamily="2" charset="-122"/>
-              </a:rPr>
-              <a:t> </a:t>
-            </a:r>
-            <a:r>
-              <a:rPr kumimoji="1" lang="en-US" altLang="zh-TW" sz="3200" b="1" dirty="0">
-                <a:latin typeface="DengXian" panose="02010600030101010101" pitchFamily="2" charset="-122"/>
-                <a:ea typeface="DengXian" panose="02010600030101010101" pitchFamily="2" charset="-122"/>
-              </a:rPr>
-              <a:t>to</a:t>
-            </a:r>
-            <a:r>
-              <a:rPr kumimoji="1" lang="zh-TW" altLang="en-US" sz="3200" b="1" dirty="0">
-                <a:latin typeface="DengXian" panose="02010600030101010101" pitchFamily="2" charset="-122"/>
-                <a:ea typeface="DengXian" panose="02010600030101010101" pitchFamily="2" charset="-122"/>
-              </a:rPr>
-              <a:t> </a:t>
-            </a:r>
-            <a:r>
-              <a:rPr kumimoji="1" lang="en-US" altLang="zh-TW" sz="3200" b="1" dirty="0">
-                <a:latin typeface="DengXian" panose="02010600030101010101" pitchFamily="2" charset="-122"/>
-                <a:ea typeface="DengXian" panose="02010600030101010101" pitchFamily="2" charset="-122"/>
-              </a:rPr>
-              <a:t>Hugging</a:t>
-            </a:r>
-            <a:r>
-              <a:rPr kumimoji="1" lang="zh-TW" altLang="en-US" sz="3200" b="1" dirty="0">
-                <a:latin typeface="DengXian" panose="02010600030101010101" pitchFamily="2" charset="-122"/>
-                <a:ea typeface="DengXian" panose="02010600030101010101" pitchFamily="2" charset="-122"/>
-              </a:rPr>
-              <a:t> </a:t>
-            </a:r>
-            <a:r>
-              <a:rPr kumimoji="1" lang="en-US" altLang="zh-TW" sz="3200" b="1" dirty="0">
-                <a:latin typeface="DengXian" panose="02010600030101010101" pitchFamily="2" charset="-122"/>
-                <a:ea typeface="DengXian" panose="02010600030101010101" pitchFamily="2" charset="-122"/>
-              </a:rPr>
-              <a:t>face</a:t>
-            </a:r>
-          </a:p>
-        </p:txBody>
-      </p:sp>
-      <p:sp>
-        <p:nvSpPr>
-          <p:cNvPr id="2" name="投影片編號版面配置區 1">
-            <a:extLst>
-              <a:ext uri="{FF2B5EF4-FFF2-40B4-BE49-F238E27FC236}">
-                <a16:creationId xmlns:a16="http://schemas.microsoft.com/office/drawing/2014/main" id="{85303A53-7983-0B6B-9D07-94BD9D069662}"/>
-              </a:ext>
-            </a:extLst>
-          </p:cNvPr>
-          <p:cNvSpPr>
-            <a:spLocks noGrp="1"/>
-          </p:cNvSpPr>
-          <p:nvPr>
-            <p:ph type="sldNum" sz="quarter" idx="12"/>
-          </p:nvPr>
-        </p:nvSpPr>
-        <p:spPr/>
-        <p:txBody>
-          <a:bodyPr/>
-          <a:lstStyle/>
-          <a:p>
-            <a:fld id="{1CF45AF8-4138-9146-B609-F50164E207FA}" type="slidenum">
-              <a:rPr kumimoji="1" lang="zh-TW" altLang="en-US" smtClean="0"/>
-              <a:t>1</a:t>
-            </a:fld>
-            <a:endParaRPr kumimoji="1" lang="zh-TW" altLang="en-US"/>
-          </a:p>
-        </p:txBody>
-      </p:sp>
-    </p:spTree>
-    <p:extLst>
-      <p:ext uri="{BB962C8B-B14F-4D97-AF65-F5344CB8AC3E}">
-        <p14:creationId xmlns:p14="http://schemas.microsoft.com/office/powerpoint/2010/main" val="3389710687"/>
-      </p:ext>
-    </p:extLst>
-  </p:cSld>
-  <p:clrMapOvr>
-    <a:masterClrMapping/>
-  </p:clrMapOvr>
-</p:sld>
-</file>
-
 <file path=ppt/slides/slide3.xml><?xml version="1.0" encoding="utf-8"?>
 <p:sld xmlns:a="http://schemas.openxmlformats.org/drawingml/2006/main" xmlns:r="http://schemas.openxmlformats.org/officeDocument/2006/relationships" xmlns:p="http://schemas.openxmlformats.org/presentationml/2006/main">
   <p:cSld>
@@ -10106,7 +12651,7 @@
         </p:nvCxnSpPr>
         <p:spPr>
           <a:xfrm>
-            <a:off x="1212876" y="2330034"/>
+            <a:off x="779739" y="2204899"/>
             <a:ext cx="0" cy="3708153"/>
           </a:xfrm>
           <a:prstGeom prst="line">
@@ -10143,7 +12688,7 @@
         </p:nvSpPr>
         <p:spPr>
           <a:xfrm>
-            <a:off x="1583366" y="2189957"/>
+            <a:off x="1150229" y="2064822"/>
             <a:ext cx="1213548" cy="502457"/>
           </a:xfrm>
           <a:prstGeom prst="rect">
@@ -10201,7 +12746,7 @@
         </p:nvSpPr>
         <p:spPr>
           <a:xfrm>
-            <a:off x="1517774" y="2112584"/>
+            <a:off x="1084637" y="1987449"/>
             <a:ext cx="1213548" cy="502457"/>
           </a:xfrm>
           <a:prstGeom prst="rect">
@@ -10257,7 +12802,7 @@
         </p:nvSpPr>
         <p:spPr>
           <a:xfrm>
-            <a:off x="1648957" y="3979731"/>
+            <a:off x="1215820" y="3854596"/>
             <a:ext cx="1866138" cy="502457"/>
           </a:xfrm>
           <a:prstGeom prst="rect">
@@ -10315,7 +12860,7 @@
         </p:nvSpPr>
         <p:spPr>
           <a:xfrm>
-            <a:off x="1583365" y="3902358"/>
+            <a:off x="1150228" y="3777223"/>
             <a:ext cx="1866138" cy="502457"/>
           </a:xfrm>
           <a:prstGeom prst="rect">
@@ -10385,7 +12930,7 @@
         </p:nvSpPr>
         <p:spPr>
           <a:xfrm>
-            <a:off x="1648957" y="5853893"/>
+            <a:off x="1215820" y="5728758"/>
             <a:ext cx="3041794" cy="502457"/>
           </a:xfrm>
           <a:prstGeom prst="rect">
@@ -10443,7 +12988,7 @@
         </p:nvSpPr>
         <p:spPr>
           <a:xfrm>
-            <a:off x="1583365" y="5776520"/>
+            <a:off x="1150228" y="5651385"/>
             <a:ext cx="3041794" cy="502457"/>
           </a:xfrm>
           <a:prstGeom prst="rect">
@@ -10527,7 +13072,7 @@
         </p:nvSpPr>
         <p:spPr>
           <a:xfrm>
-            <a:off x="1583365" y="2863816"/>
+            <a:off x="1150228" y="2738681"/>
             <a:ext cx="4023858" cy="369332"/>
           </a:xfrm>
           <a:prstGeom prst="rect">
@@ -10601,7 +13146,7 @@
         </p:nvSpPr>
         <p:spPr>
           <a:xfrm>
-            <a:off x="1583365" y="3275516"/>
+            <a:off x="1150228" y="3150381"/>
             <a:ext cx="4703532" cy="369332"/>
           </a:xfrm>
           <a:prstGeom prst="rect">
@@ -10689,7 +13234,7 @@
         </p:nvSpPr>
         <p:spPr>
           <a:xfrm>
-            <a:off x="1517774" y="4666693"/>
+            <a:off x="1084637" y="4541558"/>
             <a:ext cx="6202339" cy="369332"/>
           </a:xfrm>
           <a:prstGeom prst="rect">
@@ -10777,7 +13322,7 @@
         </p:nvSpPr>
         <p:spPr>
           <a:xfrm>
-            <a:off x="1517773" y="5074514"/>
+            <a:off x="1084636" y="4949379"/>
             <a:ext cx="6013185" cy="369332"/>
           </a:xfrm>
           <a:prstGeom prst="rect">
@@ -10882,6 +13427,522 @@
 </file>
 
 <file path=ppt/slides/slide5.xml><?xml version="1.0" encoding="utf-8"?>
+<p:sld xmlns:a="http://schemas.openxmlformats.org/drawingml/2006/main" xmlns:r="http://schemas.openxmlformats.org/officeDocument/2006/relationships" xmlns:p="http://schemas.openxmlformats.org/presentationml/2006/main">
+  <p:cSld>
+    <p:spTree>
+      <p:nvGrpSpPr>
+        <p:cNvPr id="1" name=""/>
+        <p:cNvGrpSpPr/>
+        <p:nvPr/>
+      </p:nvGrpSpPr>
+      <p:grpSpPr>
+        <a:xfrm>
+          <a:off x="0" y="0"/>
+          <a:ext cx="0" cy="0"/>
+          <a:chOff x="0" y="0"/>
+          <a:chExt cx="0" cy="0"/>
+        </a:xfrm>
+      </p:grpSpPr>
+      <p:sp>
+        <p:nvSpPr>
+          <p:cNvPr id="5" name="矩形 4">
+            <a:extLst>
+              <a:ext uri="{FF2B5EF4-FFF2-40B4-BE49-F238E27FC236}">
+                <a16:creationId xmlns:a16="http://schemas.microsoft.com/office/drawing/2014/main" id="{D32E848F-C6AD-DED6-02A3-ECBB5977F172}"/>
+              </a:ext>
+            </a:extLst>
+          </p:cNvPr>
+          <p:cNvSpPr/>
+          <p:nvPr/>
+        </p:nvSpPr>
+        <p:spPr>
+          <a:xfrm>
+            <a:off x="752974" y="779184"/>
+            <a:ext cx="6610352" cy="808983"/>
+          </a:xfrm>
+          <a:prstGeom prst="rect">
+            <a:avLst/>
+          </a:prstGeom>
+          <a:solidFill>
+            <a:srgbClr val="0070C0"/>
+          </a:solidFill>
+          <a:ln>
+            <a:noFill/>
+          </a:ln>
+        </p:spPr>
+        <p:style>
+          <a:lnRef idx="2">
+            <a:schemeClr val="dk1">
+              <a:shade val="15000"/>
+            </a:schemeClr>
+          </a:lnRef>
+          <a:fillRef idx="1">
+            <a:schemeClr val="dk1"/>
+          </a:fillRef>
+          <a:effectRef idx="0">
+            <a:schemeClr val="dk1"/>
+          </a:effectRef>
+          <a:fontRef idx="minor">
+            <a:schemeClr val="lt1"/>
+          </a:fontRef>
+        </p:style>
+        <p:txBody>
+          <a:bodyPr rtlCol="0" anchor="ctr"/>
+          <a:lstStyle/>
+          <a:p>
+            <a:pPr algn="ctr"/>
+            <a:endParaRPr kumimoji="1" lang="zh-TW" altLang="en-US" sz="2800" dirty="0">
+              <a:solidFill>
+                <a:srgbClr val="0070C0"/>
+              </a:solidFill>
+              <a:latin typeface="DengXian" panose="02010600030101010101" pitchFamily="2" charset="-122"/>
+              <a:ea typeface="DengXian" panose="02010600030101010101" pitchFamily="2" charset="-122"/>
+            </a:endParaRPr>
+          </a:p>
+        </p:txBody>
+      </p:sp>
+      <p:sp>
+        <p:nvSpPr>
+          <p:cNvPr id="2" name="投影片編號版面配置區 1">
+            <a:extLst>
+              <a:ext uri="{FF2B5EF4-FFF2-40B4-BE49-F238E27FC236}">
+                <a16:creationId xmlns:a16="http://schemas.microsoft.com/office/drawing/2014/main" id="{2925122D-2E0A-E4B5-D358-07CC8CBEBF3E}"/>
+              </a:ext>
+            </a:extLst>
+          </p:cNvPr>
+          <p:cNvSpPr>
+            <a:spLocks noGrp="1"/>
+          </p:cNvSpPr>
+          <p:nvPr>
+            <p:ph type="sldNum" sz="quarter" idx="12"/>
+          </p:nvPr>
+        </p:nvSpPr>
+        <p:spPr/>
+        <p:txBody>
+          <a:bodyPr/>
+          <a:lstStyle/>
+          <a:p>
+            <a:fld id="{1CF45AF8-4138-9146-B609-F50164E207FA}" type="slidenum">
+              <a:rPr kumimoji="1" lang="zh-TW" altLang="en-US" smtClean="0"/>
+              <a:t>4</a:t>
+            </a:fld>
+            <a:endParaRPr kumimoji="1" lang="zh-TW" altLang="en-US"/>
+          </a:p>
+        </p:txBody>
+      </p:sp>
+      <p:sp>
+        <p:nvSpPr>
+          <p:cNvPr id="3" name="矩形 2">
+            <a:extLst>
+              <a:ext uri="{FF2B5EF4-FFF2-40B4-BE49-F238E27FC236}">
+                <a16:creationId xmlns:a16="http://schemas.microsoft.com/office/drawing/2014/main" id="{ABE1DFD6-0169-AA2C-4845-25D16362A427}"/>
+              </a:ext>
+            </a:extLst>
+          </p:cNvPr>
+          <p:cNvSpPr/>
+          <p:nvPr/>
+        </p:nvSpPr>
+        <p:spPr>
+          <a:xfrm>
+            <a:off x="600574" y="626784"/>
+            <a:ext cx="6610352" cy="808983"/>
+          </a:xfrm>
+          <a:prstGeom prst="rect">
+            <a:avLst/>
+          </a:prstGeom>
+        </p:spPr>
+        <p:style>
+          <a:lnRef idx="2">
+            <a:schemeClr val="dk1">
+              <a:shade val="15000"/>
+            </a:schemeClr>
+          </a:lnRef>
+          <a:fillRef idx="1">
+            <a:schemeClr val="dk1"/>
+          </a:fillRef>
+          <a:effectRef idx="0">
+            <a:schemeClr val="dk1"/>
+          </a:effectRef>
+          <a:fontRef idx="minor">
+            <a:schemeClr val="lt1"/>
+          </a:fontRef>
+        </p:style>
+        <p:txBody>
+          <a:bodyPr rtlCol="0" anchor="ctr"/>
+          <a:lstStyle/>
+          <a:p>
+            <a:pPr algn="ctr"/>
+            <a:r>
+              <a:rPr kumimoji="1" lang="en-US" altLang="zh-TW" sz="2400" dirty="0">
+                <a:latin typeface="DengXian" panose="02010600030101010101" pitchFamily="2" charset="-122"/>
+                <a:ea typeface="DengXian" panose="02010600030101010101" pitchFamily="2" charset="-122"/>
+              </a:rPr>
+              <a:t>Pre-Trained</a:t>
+            </a:r>
+            <a:r>
+              <a:rPr kumimoji="1" lang="zh-TW" altLang="en-US" sz="2400" dirty="0">
+                <a:latin typeface="DengXian" panose="02010600030101010101" pitchFamily="2" charset="-122"/>
+                <a:ea typeface="DengXian" panose="02010600030101010101" pitchFamily="2" charset="-122"/>
+              </a:rPr>
+              <a:t> </a:t>
+            </a:r>
+            <a:r>
+              <a:rPr kumimoji="1" lang="zh-TW" altLang="en-US" sz="2400" dirty="0">
+                <a:latin typeface="Microsoft JhengHei" panose="020B0604030504040204" pitchFamily="34" charset="-120"/>
+                <a:ea typeface="Microsoft JhengHei" panose="020B0604030504040204" pitchFamily="34" charset="-120"/>
+              </a:rPr>
+              <a:t>讓模型理解人類語言與日常任務</a:t>
+            </a:r>
+          </a:p>
+        </p:txBody>
+      </p:sp>
+      <p:pic>
+        <p:nvPicPr>
+          <p:cNvPr id="6" name="圖片 5">
+            <a:extLst>
+              <a:ext uri="{FF2B5EF4-FFF2-40B4-BE49-F238E27FC236}">
+                <a16:creationId xmlns:a16="http://schemas.microsoft.com/office/drawing/2014/main" id="{F8445E4F-3BAE-F073-F5B2-380A7ABBA31E}"/>
+              </a:ext>
+            </a:extLst>
+          </p:cNvPr>
+          <p:cNvPicPr>
+            <a:picLocks noChangeAspect="1"/>
+          </p:cNvPicPr>
+          <p:nvPr/>
+        </p:nvPicPr>
+        <p:blipFill>
+          <a:blip r:embed="rId2"/>
+          <a:stretch>
+            <a:fillRect/>
+          </a:stretch>
+        </p:blipFill>
+        <p:spPr>
+          <a:xfrm>
+            <a:off x="928103" y="2179718"/>
+            <a:ext cx="1262900" cy="1248945"/>
+          </a:xfrm>
+          <a:prstGeom prst="rect">
+            <a:avLst/>
+          </a:prstGeom>
+        </p:spPr>
+      </p:pic>
+      <p:pic>
+        <p:nvPicPr>
+          <p:cNvPr id="13" name="圖片 12">
+            <a:extLst>
+              <a:ext uri="{FF2B5EF4-FFF2-40B4-BE49-F238E27FC236}">
+                <a16:creationId xmlns:a16="http://schemas.microsoft.com/office/drawing/2014/main" id="{62F60CE9-DEB6-9FDC-5C01-D66D64407A15}"/>
+              </a:ext>
+            </a:extLst>
+          </p:cNvPr>
+          <p:cNvPicPr>
+            <a:picLocks noChangeAspect="1"/>
+          </p:cNvPicPr>
+          <p:nvPr/>
+        </p:nvPicPr>
+        <p:blipFill>
+          <a:blip r:embed="rId3"/>
+          <a:stretch>
+            <a:fillRect/>
+          </a:stretch>
+        </p:blipFill>
+        <p:spPr>
+          <a:xfrm>
+            <a:off x="928103" y="3601450"/>
+            <a:ext cx="1292967" cy="1307098"/>
+          </a:xfrm>
+          <a:prstGeom prst="rect">
+            <a:avLst/>
+          </a:prstGeom>
+        </p:spPr>
+      </p:pic>
+      <p:pic>
+        <p:nvPicPr>
+          <p:cNvPr id="21" name="圖片 20">
+            <a:extLst>
+              <a:ext uri="{FF2B5EF4-FFF2-40B4-BE49-F238E27FC236}">
+                <a16:creationId xmlns:a16="http://schemas.microsoft.com/office/drawing/2014/main" id="{07C7E8A7-318E-B585-4646-FED356602275}"/>
+              </a:ext>
+            </a:extLst>
+          </p:cNvPr>
+          <p:cNvPicPr>
+            <a:picLocks noChangeAspect="1"/>
+          </p:cNvPicPr>
+          <p:nvPr/>
+        </p:nvPicPr>
+        <p:blipFill>
+          <a:blip r:embed="rId4"/>
+          <a:stretch>
+            <a:fillRect/>
+          </a:stretch>
+        </p:blipFill>
+        <p:spPr>
+          <a:xfrm>
+            <a:off x="928103" y="5049251"/>
+            <a:ext cx="1307099" cy="1307099"/>
+          </a:xfrm>
+          <a:prstGeom prst="rect">
+            <a:avLst/>
+          </a:prstGeom>
+        </p:spPr>
+      </p:pic>
+      <p:pic>
+        <p:nvPicPr>
+          <p:cNvPr id="23" name="圖片 22">
+            <a:extLst>
+              <a:ext uri="{FF2B5EF4-FFF2-40B4-BE49-F238E27FC236}">
+                <a16:creationId xmlns:a16="http://schemas.microsoft.com/office/drawing/2014/main" id="{E3DDAC26-6504-AAFE-4D6E-DB30E457C3B0}"/>
+              </a:ext>
+            </a:extLst>
+          </p:cNvPr>
+          <p:cNvPicPr>
+            <a:picLocks noChangeAspect="1"/>
+          </p:cNvPicPr>
+          <p:nvPr/>
+        </p:nvPicPr>
+        <p:blipFill>
+          <a:blip r:embed="rId5"/>
+          <a:stretch>
+            <a:fillRect/>
+          </a:stretch>
+        </p:blipFill>
+        <p:spPr>
+          <a:xfrm>
+            <a:off x="2438399" y="2179718"/>
+            <a:ext cx="1262901" cy="1312288"/>
+          </a:xfrm>
+          <a:prstGeom prst="rect">
+            <a:avLst/>
+          </a:prstGeom>
+        </p:spPr>
+      </p:pic>
+      <p:pic>
+        <p:nvPicPr>
+          <p:cNvPr id="25" name="圖片 24">
+            <a:extLst>
+              <a:ext uri="{FF2B5EF4-FFF2-40B4-BE49-F238E27FC236}">
+                <a16:creationId xmlns:a16="http://schemas.microsoft.com/office/drawing/2014/main" id="{DEB1D545-8A55-90F3-E021-7FBC432A18B3}"/>
+              </a:ext>
+            </a:extLst>
+          </p:cNvPr>
+          <p:cNvPicPr>
+            <a:picLocks noChangeAspect="1"/>
+          </p:cNvPicPr>
+          <p:nvPr/>
+        </p:nvPicPr>
+        <p:blipFill>
+          <a:blip r:embed="rId6"/>
+          <a:stretch>
+            <a:fillRect/>
+          </a:stretch>
+        </p:blipFill>
+        <p:spPr>
+          <a:xfrm>
+            <a:off x="5285873" y="2835862"/>
+            <a:ext cx="6210159" cy="2413802"/>
+          </a:xfrm>
+          <a:prstGeom prst="rect">
+            <a:avLst/>
+          </a:prstGeom>
+        </p:spPr>
+      </p:pic>
+    </p:spTree>
+    <p:extLst>
+      <p:ext uri="{BB962C8B-B14F-4D97-AF65-F5344CB8AC3E}">
+        <p14:creationId xmlns:p14="http://schemas.microsoft.com/office/powerpoint/2010/main" val="3867702102"/>
+      </p:ext>
+    </p:extLst>
+  </p:cSld>
+  <p:clrMapOvr>
+    <a:masterClrMapping/>
+  </p:clrMapOvr>
+</p:sld>
+</file>
+
+<file path=ppt/slides/slide6.xml><?xml version="1.0" encoding="utf-8"?>
+<p:sld xmlns:a="http://schemas.openxmlformats.org/drawingml/2006/main" xmlns:r="http://schemas.openxmlformats.org/officeDocument/2006/relationships" xmlns:p="http://schemas.openxmlformats.org/presentationml/2006/main">
+  <p:cSld>
+    <p:spTree>
+      <p:nvGrpSpPr>
+        <p:cNvPr id="1" name=""/>
+        <p:cNvGrpSpPr/>
+        <p:nvPr/>
+      </p:nvGrpSpPr>
+      <p:grpSpPr>
+        <a:xfrm>
+          <a:off x="0" y="0"/>
+          <a:ext cx="0" cy="0"/>
+          <a:chOff x="0" y="0"/>
+          <a:chExt cx="0" cy="0"/>
+        </a:xfrm>
+      </p:grpSpPr>
+      <p:sp>
+        <p:nvSpPr>
+          <p:cNvPr id="5" name="矩形 4">
+            <a:extLst>
+              <a:ext uri="{FF2B5EF4-FFF2-40B4-BE49-F238E27FC236}">
+                <a16:creationId xmlns:a16="http://schemas.microsoft.com/office/drawing/2014/main" id="{D32E848F-C6AD-DED6-02A3-ECBB5977F172}"/>
+              </a:ext>
+            </a:extLst>
+          </p:cNvPr>
+          <p:cNvSpPr/>
+          <p:nvPr/>
+        </p:nvSpPr>
+        <p:spPr>
+          <a:xfrm>
+            <a:off x="752974" y="779184"/>
+            <a:ext cx="6610352" cy="808983"/>
+          </a:xfrm>
+          <a:prstGeom prst="rect">
+            <a:avLst/>
+          </a:prstGeom>
+          <a:solidFill>
+            <a:srgbClr val="0070C0"/>
+          </a:solidFill>
+          <a:ln>
+            <a:noFill/>
+          </a:ln>
+        </p:spPr>
+        <p:style>
+          <a:lnRef idx="2">
+            <a:schemeClr val="dk1">
+              <a:shade val="15000"/>
+            </a:schemeClr>
+          </a:lnRef>
+          <a:fillRef idx="1">
+            <a:schemeClr val="dk1"/>
+          </a:fillRef>
+          <a:effectRef idx="0">
+            <a:schemeClr val="dk1"/>
+          </a:effectRef>
+          <a:fontRef idx="minor">
+            <a:schemeClr val="lt1"/>
+          </a:fontRef>
+        </p:style>
+        <p:txBody>
+          <a:bodyPr rtlCol="0" anchor="ctr"/>
+          <a:lstStyle/>
+          <a:p>
+            <a:pPr algn="ctr"/>
+            <a:endParaRPr kumimoji="1" lang="zh-TW" altLang="en-US" sz="2800" dirty="0">
+              <a:solidFill>
+                <a:srgbClr val="0070C0"/>
+              </a:solidFill>
+              <a:latin typeface="DengXian" panose="02010600030101010101" pitchFamily="2" charset="-122"/>
+              <a:ea typeface="DengXian" panose="02010600030101010101" pitchFamily="2" charset="-122"/>
+            </a:endParaRPr>
+          </a:p>
+        </p:txBody>
+      </p:sp>
+      <p:sp>
+        <p:nvSpPr>
+          <p:cNvPr id="2" name="投影片編號版面配置區 1">
+            <a:extLst>
+              <a:ext uri="{FF2B5EF4-FFF2-40B4-BE49-F238E27FC236}">
+                <a16:creationId xmlns:a16="http://schemas.microsoft.com/office/drawing/2014/main" id="{2925122D-2E0A-E4B5-D358-07CC8CBEBF3E}"/>
+              </a:ext>
+            </a:extLst>
+          </p:cNvPr>
+          <p:cNvSpPr>
+            <a:spLocks noGrp="1"/>
+          </p:cNvSpPr>
+          <p:nvPr>
+            <p:ph type="sldNum" sz="quarter" idx="12"/>
+          </p:nvPr>
+        </p:nvSpPr>
+        <p:spPr/>
+        <p:txBody>
+          <a:bodyPr/>
+          <a:lstStyle/>
+          <a:p>
+            <a:fld id="{1CF45AF8-4138-9146-B609-F50164E207FA}" type="slidenum">
+              <a:rPr kumimoji="1" lang="zh-TW" altLang="en-US" smtClean="0"/>
+              <a:t>5</a:t>
+            </a:fld>
+            <a:endParaRPr kumimoji="1" lang="zh-TW" altLang="en-US"/>
+          </a:p>
+        </p:txBody>
+      </p:sp>
+      <p:sp>
+        <p:nvSpPr>
+          <p:cNvPr id="3" name="矩形 2">
+            <a:extLst>
+              <a:ext uri="{FF2B5EF4-FFF2-40B4-BE49-F238E27FC236}">
+                <a16:creationId xmlns:a16="http://schemas.microsoft.com/office/drawing/2014/main" id="{ABE1DFD6-0169-AA2C-4845-25D16362A427}"/>
+              </a:ext>
+            </a:extLst>
+          </p:cNvPr>
+          <p:cNvSpPr/>
+          <p:nvPr/>
+        </p:nvSpPr>
+        <p:spPr>
+          <a:xfrm>
+            <a:off x="600574" y="626784"/>
+            <a:ext cx="6610352" cy="808983"/>
+          </a:xfrm>
+          <a:prstGeom prst="rect">
+            <a:avLst/>
+          </a:prstGeom>
+        </p:spPr>
+        <p:style>
+          <a:lnRef idx="2">
+            <a:schemeClr val="dk1">
+              <a:shade val="15000"/>
+            </a:schemeClr>
+          </a:lnRef>
+          <a:fillRef idx="1">
+            <a:schemeClr val="dk1"/>
+          </a:fillRef>
+          <a:effectRef idx="0">
+            <a:schemeClr val="dk1"/>
+          </a:effectRef>
+          <a:fontRef idx="minor">
+            <a:schemeClr val="lt1"/>
+          </a:fontRef>
+        </p:style>
+        <p:txBody>
+          <a:bodyPr rtlCol="0" anchor="ctr"/>
+          <a:lstStyle/>
+          <a:p>
+            <a:pPr algn="ctr"/>
+            <a:r>
+              <a:rPr kumimoji="1" lang="en-US" altLang="zh-TW" sz="2400" dirty="0">
+                <a:latin typeface="DengXian" panose="02010600030101010101" pitchFamily="2" charset="-122"/>
+                <a:ea typeface="DengXian" panose="02010600030101010101" pitchFamily="2" charset="-122"/>
+              </a:rPr>
+              <a:t>Fine-tuned</a:t>
+            </a:r>
+            <a:r>
+              <a:rPr kumimoji="1" lang="zh-TW" altLang="en-US" sz="2400" dirty="0">
+                <a:latin typeface="DengXian" panose="02010600030101010101" pitchFamily="2" charset="-122"/>
+                <a:ea typeface="DengXian" panose="02010600030101010101" pitchFamily="2" charset="-122"/>
+              </a:rPr>
+              <a:t> </a:t>
+            </a:r>
+            <a:r>
+              <a:rPr kumimoji="1" lang="zh-TW" altLang="en-US" sz="2400" dirty="0">
+                <a:latin typeface="Microsoft JhengHei" panose="020B0604030504040204" pitchFamily="34" charset="-120"/>
+                <a:ea typeface="Microsoft JhengHei" panose="020B0604030504040204" pitchFamily="34" charset="-120"/>
+              </a:rPr>
+              <a:t>讓模型能夠解決特殊領域任務</a:t>
+            </a:r>
+          </a:p>
+        </p:txBody>
+      </p:sp>
+    </p:spTree>
+    <p:extLst>
+      <p:ext uri="{BB962C8B-B14F-4D97-AF65-F5344CB8AC3E}">
+        <p14:creationId xmlns:p14="http://schemas.microsoft.com/office/powerpoint/2010/main" val="1384459665"/>
+      </p:ext>
+    </p:extLst>
+  </p:cSld>
+  <p:clrMapOvr>
+    <a:masterClrMapping/>
+  </p:clrMapOvr>
+</p:sld>
+</file>
+
+<file path=ppt/slides/slide7.xml><?xml version="1.0" encoding="utf-8"?>
 <p:sld xmlns:a="http://schemas.openxmlformats.org/drawingml/2006/main" xmlns:r="http://schemas.openxmlformats.org/officeDocument/2006/relationships" xmlns:p="http://schemas.openxmlformats.org/presentationml/2006/main">
   <p:cSld>
     <p:spTree>
@@ -11104,7 +14165,7 @@
           <a:p>
             <a:fld id="{1CF45AF8-4138-9146-B609-F50164E207FA}" type="slidenum">
               <a:rPr kumimoji="1" lang="zh-TW" altLang="en-US" smtClean="0"/>
-              <a:t>4</a:t>
+              <a:t>6</a:t>
             </a:fld>
             <a:endParaRPr kumimoji="1" lang="zh-TW" altLang="en-US" dirty="0"/>
           </a:p>
@@ -14253,8 +17314,8 @@
         </p:nvSpPr>
         <p:spPr>
           <a:xfrm>
-            <a:off x="2363168" y="1052741"/>
-            <a:ext cx="1322798" cy="369332"/>
+            <a:off x="2713498" y="1067784"/>
+            <a:ext cx="914033" cy="369332"/>
           </a:xfrm>
           <a:prstGeom prst="rect">
             <a:avLst/>
@@ -14272,7 +17333,21 @@
                 <a:latin typeface="DengXian" panose="02010600030101010101" pitchFamily="2" charset="-122"/>
                 <a:ea typeface="DengXian" panose="02010600030101010101" pitchFamily="2" charset="-122"/>
               </a:rPr>
-              <a:t>Embedding</a:t>
+              <a:t>Ex:</a:t>
+            </a:r>
+            <a:r>
+              <a:rPr kumimoji="1" lang="zh-TW" altLang="en-US" dirty="0">
+                <a:latin typeface="DengXian" panose="02010600030101010101" pitchFamily="2" charset="-122"/>
+                <a:ea typeface="DengXian" panose="02010600030101010101" pitchFamily="2" charset="-122"/>
+              </a:rPr>
+              <a:t> </a:t>
+            </a:r>
+            <a:r>
+              <a:rPr kumimoji="1" lang="en-US" altLang="zh-TW" dirty="0">
+                <a:latin typeface="DengXian" panose="02010600030101010101" pitchFamily="2" charset="-122"/>
+                <a:ea typeface="DengXian" panose="02010600030101010101" pitchFamily="2" charset="-122"/>
+              </a:rPr>
+              <a:t>Bert</a:t>
             </a:r>
             <a:endParaRPr kumimoji="1" lang="zh-TW" altLang="en-US" dirty="0">
               <a:latin typeface="DengXian" panose="02010600030101010101" pitchFamily="2" charset="-122"/>
@@ -15541,7 +18616,7 @@
         <p:spPr>
           <a:xfrm>
             <a:off x="6396622" y="1033369"/>
-            <a:ext cx="1375698" cy="369332"/>
+            <a:ext cx="1560042" cy="369332"/>
           </a:xfrm>
           <a:prstGeom prst="rect">
             <a:avLst/>
@@ -15573,7 +18648,21 @@
                 <a:latin typeface="DengXian" panose="02010600030101010101" pitchFamily="2" charset="-122"/>
                 <a:ea typeface="DengXian" panose="02010600030101010101" pitchFamily="2" charset="-122"/>
               </a:rPr>
-              <a:t>ChatGPT</a:t>
+              <a:t>GPT</a:t>
+            </a:r>
+            <a:r>
+              <a:rPr kumimoji="1" lang="zh-TW" altLang="en-US" dirty="0">
+                <a:latin typeface="DengXian" panose="02010600030101010101" pitchFamily="2" charset="-122"/>
+                <a:ea typeface="DengXian" panose="02010600030101010101" pitchFamily="2" charset="-122"/>
+              </a:rPr>
+              <a:t> </a:t>
+            </a:r>
+            <a:r>
+              <a:rPr kumimoji="1" lang="en-US" altLang="zh-TW" dirty="0">
+                <a:latin typeface="DengXian" panose="02010600030101010101" pitchFamily="2" charset="-122"/>
+                <a:ea typeface="DengXian" panose="02010600030101010101" pitchFamily="2" charset="-122"/>
+              </a:rPr>
+              <a:t>Series</a:t>
             </a:r>
             <a:endParaRPr kumimoji="1" lang="zh-TW" altLang="en-US" dirty="0">
               <a:latin typeface="DengXian" panose="02010600030101010101" pitchFamily="2" charset="-122"/>
@@ -15596,8 +18685,8 @@
         </p:nvSpPr>
         <p:spPr>
           <a:xfrm>
-            <a:off x="10596396" y="1068365"/>
-            <a:ext cx="976549" cy="369332"/>
+            <a:off x="10230209" y="1038115"/>
+            <a:ext cx="1830950" cy="369332"/>
           </a:xfrm>
           <a:prstGeom prst="rect">
             <a:avLst/>
@@ -15625,12 +18714,30 @@
               <a:t> </a:t>
             </a:r>
             <a:r>
+              <a:rPr kumimoji="1" lang="en-US" altLang="zh-TW" dirty="0">
+                <a:latin typeface="DengXian" panose="02010600030101010101" pitchFamily="2" charset="-122"/>
+                <a:ea typeface="DengXian" panose="02010600030101010101" pitchFamily="2" charset="-122"/>
+              </a:rPr>
+              <a:t>Google</a:t>
+            </a:r>
+            <a:r>
               <a:rPr kumimoji="1" lang="zh-TW" altLang="en-US" dirty="0">
-                <a:latin typeface="+mj-ea"/>
-                <a:ea typeface="+mj-ea"/>
-              </a:rPr>
-              <a:t>翻譯</a:t>
-            </a:r>
+                <a:latin typeface="DengXian" panose="02010600030101010101" pitchFamily="2" charset="-122"/>
+                <a:ea typeface="DengXian" panose="02010600030101010101" pitchFamily="2" charset="-122"/>
+              </a:rPr>
+              <a:t> </a:t>
+            </a:r>
+            <a:r>
+              <a:rPr kumimoji="1" lang="en-US" altLang="zh-TW" dirty="0">
+                <a:latin typeface="DengXian" panose="02010600030101010101" pitchFamily="2" charset="-122"/>
+                <a:ea typeface="DengXian" panose="02010600030101010101" pitchFamily="2" charset="-122"/>
+              </a:rPr>
+              <a:t>BART</a:t>
+            </a:r>
+            <a:endParaRPr kumimoji="1" lang="zh-TW" altLang="en-US" dirty="0">
+              <a:latin typeface="DengXian" panose="02010600030101010101" pitchFamily="2" charset="-122"/>
+              <a:ea typeface="DengXian" panose="02010600030101010101" pitchFamily="2" charset="-122"/>
+            </a:endParaRPr>
           </a:p>
         </p:txBody>
       </p:sp>
@@ -15704,594 +18811,6 @@
     <p:extLst>
       <p:ext uri="{BB962C8B-B14F-4D97-AF65-F5344CB8AC3E}">
         <p14:creationId xmlns:p14="http://schemas.microsoft.com/office/powerpoint/2010/main" val="4155429480"/>
-      </p:ext>
-    </p:extLst>
-  </p:cSld>
-  <p:clrMapOvr>
-    <a:masterClrMapping/>
-  </p:clrMapOvr>
-</p:sld>
-</file>
-
-<file path=ppt/slides/slide6.xml><?xml version="1.0" encoding="utf-8"?>
-<p:sld xmlns:a="http://schemas.openxmlformats.org/drawingml/2006/main" xmlns:r="http://schemas.openxmlformats.org/officeDocument/2006/relationships" xmlns:p="http://schemas.openxmlformats.org/presentationml/2006/main">
-  <p:cSld>
-    <p:spTree>
-      <p:nvGrpSpPr>
-        <p:cNvPr id="1" name=""/>
-        <p:cNvGrpSpPr/>
-        <p:nvPr/>
-      </p:nvGrpSpPr>
-      <p:grpSpPr>
-        <a:xfrm>
-          <a:off x="0" y="0"/>
-          <a:ext cx="0" cy="0"/>
-          <a:chOff x="0" y="0"/>
-          <a:chExt cx="0" cy="0"/>
-        </a:xfrm>
-      </p:grpSpPr>
-      <p:sp>
-        <p:nvSpPr>
-          <p:cNvPr id="4" name="文字方塊 3">
-            <a:extLst>
-              <a:ext uri="{FF2B5EF4-FFF2-40B4-BE49-F238E27FC236}">
-                <a16:creationId xmlns:a16="http://schemas.microsoft.com/office/drawing/2014/main" id="{8B5ED92C-D6CE-D7A1-AA7E-55678A2D0A0C}"/>
-              </a:ext>
-            </a:extLst>
-          </p:cNvPr>
-          <p:cNvSpPr txBox="1"/>
-          <p:nvPr/>
-        </p:nvSpPr>
-        <p:spPr>
-          <a:xfrm>
-            <a:off x="2856571" y="3136612"/>
-            <a:ext cx="6478858" cy="1077218"/>
-          </a:xfrm>
-          <a:prstGeom prst="rect">
-            <a:avLst/>
-          </a:prstGeom>
-          <a:noFill/>
-        </p:spPr>
-        <p:txBody>
-          <a:bodyPr wrap="square" rtlCol="0">
-            <a:spAutoFit/>
-          </a:bodyPr>
-          <a:lstStyle/>
-          <a:p>
-            <a:r>
-              <a:rPr kumimoji="1" lang="en-US" altLang="zh-TW" sz="3200" b="1" dirty="0">
-                <a:solidFill>
-                  <a:srgbClr val="C00000"/>
-                </a:solidFill>
-                <a:latin typeface="DengXian" panose="02010600030101010101" pitchFamily="2" charset="-122"/>
-                <a:ea typeface="DengXian" panose="02010600030101010101" pitchFamily="2" charset="-122"/>
-              </a:rPr>
-              <a:t>R</a:t>
-            </a:r>
-            <a:r>
-              <a:rPr kumimoji="1" lang="en-US" altLang="zh-TW" sz="3200" b="1" dirty="0">
-                <a:solidFill>
-                  <a:srgbClr val="0070C0"/>
-                </a:solidFill>
-                <a:latin typeface="DengXian" panose="02010600030101010101" pitchFamily="2" charset="-122"/>
-                <a:ea typeface="DengXian" panose="02010600030101010101" pitchFamily="2" charset="-122"/>
-              </a:rPr>
-              <a:t>etrieval</a:t>
-            </a:r>
-            <a:r>
-              <a:rPr kumimoji="1" lang="zh-TW" altLang="en-US" sz="3200" b="1" dirty="0">
-                <a:solidFill>
-                  <a:srgbClr val="0070C0"/>
-                </a:solidFill>
-                <a:latin typeface="DengXian" panose="02010600030101010101" pitchFamily="2" charset="-122"/>
-                <a:ea typeface="DengXian" panose="02010600030101010101" pitchFamily="2" charset="-122"/>
-              </a:rPr>
-              <a:t> </a:t>
-            </a:r>
-            <a:r>
-              <a:rPr kumimoji="1" lang="en-US" altLang="zh-TW" sz="3200" b="1" dirty="0">
-                <a:solidFill>
-                  <a:srgbClr val="C00000"/>
-                </a:solidFill>
-                <a:latin typeface="DengXian" panose="02010600030101010101" pitchFamily="2" charset="-122"/>
-                <a:ea typeface="DengXian" panose="02010600030101010101" pitchFamily="2" charset="-122"/>
-              </a:rPr>
-              <a:t>A</a:t>
-            </a:r>
-            <a:r>
-              <a:rPr kumimoji="1" lang="en-US" altLang="zh-TW" sz="3200" b="1" dirty="0">
-                <a:solidFill>
-                  <a:srgbClr val="0070C0"/>
-                </a:solidFill>
-                <a:latin typeface="DengXian" panose="02010600030101010101" pitchFamily="2" charset="-122"/>
-                <a:ea typeface="DengXian" panose="02010600030101010101" pitchFamily="2" charset="-122"/>
-              </a:rPr>
-              <a:t>ugmented-</a:t>
-            </a:r>
-            <a:r>
-              <a:rPr kumimoji="1" lang="en-US" altLang="zh-TW" sz="3200" b="1" dirty="0">
-                <a:solidFill>
-                  <a:srgbClr val="C00000"/>
-                </a:solidFill>
-                <a:latin typeface="DengXian" panose="02010600030101010101" pitchFamily="2" charset="-122"/>
-                <a:ea typeface="DengXian" panose="02010600030101010101" pitchFamily="2" charset="-122"/>
-              </a:rPr>
-              <a:t>G</a:t>
-            </a:r>
-            <a:r>
-              <a:rPr kumimoji="1" lang="en-US" altLang="zh-TW" sz="3200" b="1" dirty="0">
-                <a:solidFill>
-                  <a:srgbClr val="0070C0"/>
-                </a:solidFill>
-                <a:latin typeface="DengXian" panose="02010600030101010101" pitchFamily="2" charset="-122"/>
-                <a:ea typeface="DengXian" panose="02010600030101010101" pitchFamily="2" charset="-122"/>
-              </a:rPr>
-              <a:t>eneration</a:t>
-            </a:r>
-          </a:p>
-          <a:p>
-            <a:pPr algn="ctr"/>
-            <a:r>
-              <a:rPr kumimoji="1" lang="zh-TW" altLang="en-US" sz="3200" b="1" dirty="0">
-                <a:solidFill>
-                  <a:srgbClr val="0070C0"/>
-                </a:solidFill>
-                <a:latin typeface="Microsoft JhengHei" panose="020B0604030504040204" pitchFamily="34" charset="-120"/>
-                <a:ea typeface="Microsoft JhengHei" panose="020B0604030504040204" pitchFamily="34" charset="-120"/>
-              </a:rPr>
-              <a:t>檢索增強式生成</a:t>
-            </a:r>
-            <a:endParaRPr kumimoji="1" lang="en-US" altLang="zh-TW" sz="3200" b="1" dirty="0">
-              <a:latin typeface="Microsoft JhengHei" panose="020B0604030504040204" pitchFamily="34" charset="-120"/>
-              <a:ea typeface="Microsoft JhengHei" panose="020B0604030504040204" pitchFamily="34" charset="-120"/>
-            </a:endParaRPr>
-          </a:p>
-        </p:txBody>
-      </p:sp>
-      <p:sp>
-        <p:nvSpPr>
-          <p:cNvPr id="2" name="投影片編號版面配置區 1">
-            <a:extLst>
-              <a:ext uri="{FF2B5EF4-FFF2-40B4-BE49-F238E27FC236}">
-                <a16:creationId xmlns:a16="http://schemas.microsoft.com/office/drawing/2014/main" id="{56B2960E-E694-40A5-CD38-E82E2952937C}"/>
-              </a:ext>
-            </a:extLst>
-          </p:cNvPr>
-          <p:cNvSpPr>
-            <a:spLocks noGrp="1"/>
-          </p:cNvSpPr>
-          <p:nvPr>
-            <p:ph type="sldNum" sz="quarter" idx="12"/>
-          </p:nvPr>
-        </p:nvSpPr>
-        <p:spPr/>
-        <p:txBody>
-          <a:bodyPr/>
-          <a:lstStyle/>
-          <a:p>
-            <a:fld id="{1CF45AF8-4138-9146-B609-F50164E207FA}" type="slidenum">
-              <a:rPr kumimoji="1" lang="zh-TW" altLang="en-US" smtClean="0"/>
-              <a:t>5</a:t>
-            </a:fld>
-            <a:endParaRPr kumimoji="1" lang="zh-TW" altLang="en-US"/>
-          </a:p>
-        </p:txBody>
-      </p:sp>
-    </p:spTree>
-    <p:extLst>
-      <p:ext uri="{BB962C8B-B14F-4D97-AF65-F5344CB8AC3E}">
-        <p14:creationId xmlns:p14="http://schemas.microsoft.com/office/powerpoint/2010/main" val="3976753002"/>
-      </p:ext>
-    </p:extLst>
-  </p:cSld>
-  <p:clrMapOvr>
-    <a:masterClrMapping/>
-  </p:clrMapOvr>
-</p:sld>
-</file>
-
-<file path=ppt/slides/slide7.xml><?xml version="1.0" encoding="utf-8"?>
-<p:sld xmlns:a="http://schemas.openxmlformats.org/drawingml/2006/main" xmlns:r="http://schemas.openxmlformats.org/officeDocument/2006/relationships" xmlns:p="http://schemas.openxmlformats.org/presentationml/2006/main">
-  <p:cSld>
-    <p:spTree>
-      <p:nvGrpSpPr>
-        <p:cNvPr id="1" name=""/>
-        <p:cNvGrpSpPr/>
-        <p:nvPr/>
-      </p:nvGrpSpPr>
-      <p:grpSpPr>
-        <a:xfrm>
-          <a:off x="0" y="0"/>
-          <a:ext cx="0" cy="0"/>
-          <a:chOff x="0" y="0"/>
-          <a:chExt cx="0" cy="0"/>
-        </a:xfrm>
-      </p:grpSpPr>
-      <p:sp>
-        <p:nvSpPr>
-          <p:cNvPr id="4" name="文字方塊 3">
-            <a:extLst>
-              <a:ext uri="{FF2B5EF4-FFF2-40B4-BE49-F238E27FC236}">
-                <a16:creationId xmlns:a16="http://schemas.microsoft.com/office/drawing/2014/main" id="{8B5ED92C-D6CE-D7A1-AA7E-55678A2D0A0C}"/>
-              </a:ext>
-            </a:extLst>
-          </p:cNvPr>
-          <p:cNvSpPr txBox="1"/>
-          <p:nvPr/>
-        </p:nvSpPr>
-        <p:spPr>
-          <a:xfrm>
-            <a:off x="1652241" y="2277968"/>
-            <a:ext cx="2250687" cy="584775"/>
-          </a:xfrm>
-          <a:prstGeom prst="rect">
-            <a:avLst/>
-          </a:prstGeom>
-          <a:noFill/>
-        </p:spPr>
-        <p:txBody>
-          <a:bodyPr wrap="square" rtlCol="0">
-            <a:spAutoFit/>
-          </a:bodyPr>
-          <a:lstStyle/>
-          <a:p>
-            <a:r>
-              <a:rPr kumimoji="1" lang="en-US" altLang="zh-TW" sz="3200" b="1" dirty="0">
-                <a:latin typeface="DengXian" panose="02010600030101010101" pitchFamily="2" charset="-122"/>
-                <a:ea typeface="DengXian" panose="02010600030101010101" pitchFamily="2" charset="-122"/>
-              </a:rPr>
-              <a:t>LLM</a:t>
-            </a:r>
-            <a:r>
-              <a:rPr kumimoji="1" lang="zh-TW" altLang="en-US" sz="3200" b="1" dirty="0">
-                <a:latin typeface="DengXian" panose="02010600030101010101" pitchFamily="2" charset="-122"/>
-                <a:ea typeface="DengXian" panose="02010600030101010101" pitchFamily="2" charset="-122"/>
-              </a:rPr>
-              <a:t> </a:t>
-            </a:r>
-            <a:r>
-              <a:rPr kumimoji="1" lang="zh-TW" altLang="en-US" sz="3200" b="1" dirty="0">
-                <a:latin typeface="+mj-ea"/>
-                <a:ea typeface="+mj-ea"/>
-              </a:rPr>
-              <a:t>擅長</a:t>
-            </a:r>
-            <a:endParaRPr kumimoji="1" lang="en-US" altLang="zh-TW" sz="3200" b="1" dirty="0">
-              <a:latin typeface="+mj-ea"/>
-              <a:ea typeface="+mj-ea"/>
-            </a:endParaRPr>
-          </a:p>
-        </p:txBody>
-      </p:sp>
-      <p:sp>
-        <p:nvSpPr>
-          <p:cNvPr id="2" name="文字方塊 1">
-            <a:extLst>
-              <a:ext uri="{FF2B5EF4-FFF2-40B4-BE49-F238E27FC236}">
-                <a16:creationId xmlns:a16="http://schemas.microsoft.com/office/drawing/2014/main" id="{5AE9C706-5B57-ED8E-7EB8-FC2FB78A7262}"/>
-              </a:ext>
-            </a:extLst>
-          </p:cNvPr>
-          <p:cNvSpPr txBox="1"/>
-          <p:nvPr/>
-        </p:nvSpPr>
-        <p:spPr>
-          <a:xfrm>
-            <a:off x="6252117" y="2277968"/>
-            <a:ext cx="4047893" cy="584775"/>
-          </a:xfrm>
-          <a:prstGeom prst="rect">
-            <a:avLst/>
-          </a:prstGeom>
-          <a:noFill/>
-        </p:spPr>
-        <p:txBody>
-          <a:bodyPr wrap="square" rtlCol="0">
-            <a:spAutoFit/>
-          </a:bodyPr>
-          <a:lstStyle/>
-          <a:p>
-            <a:r>
-              <a:rPr kumimoji="1" lang="zh-TW" altLang="en-US" sz="3200" b="1" dirty="0">
-                <a:latin typeface="Microsoft JhengHei" panose="020B0604030504040204" pitchFamily="34" charset="-120"/>
-                <a:ea typeface="Microsoft JhengHei" panose="020B0604030504040204" pitchFamily="34" charset="-120"/>
-              </a:rPr>
-              <a:t>但</a:t>
-            </a:r>
-            <a:r>
-              <a:rPr kumimoji="1" lang="zh-TW" altLang="en-US" sz="3200" b="1" dirty="0">
-                <a:latin typeface="DengXian" panose="02010600030101010101" pitchFamily="2" charset="-122"/>
-                <a:ea typeface="DengXian" panose="02010600030101010101" pitchFamily="2" charset="-122"/>
-              </a:rPr>
-              <a:t> </a:t>
-            </a:r>
-            <a:r>
-              <a:rPr kumimoji="1" lang="en-US" altLang="zh-TW" sz="3200" b="1" dirty="0">
-                <a:latin typeface="DengXian" panose="02010600030101010101" pitchFamily="2" charset="-122"/>
-                <a:ea typeface="DengXian" panose="02010600030101010101" pitchFamily="2" charset="-122"/>
-              </a:rPr>
-              <a:t>LLM</a:t>
-            </a:r>
-            <a:r>
-              <a:rPr kumimoji="1" lang="zh-TW" altLang="en-US" sz="3200" b="1" dirty="0">
-                <a:latin typeface="DengXian" panose="02010600030101010101" pitchFamily="2" charset="-122"/>
-                <a:ea typeface="DengXian" panose="02010600030101010101" pitchFamily="2" charset="-122"/>
-              </a:rPr>
-              <a:t> </a:t>
-            </a:r>
-            <a:r>
-              <a:rPr kumimoji="1" lang="zh-TW" altLang="en-US" sz="3200" b="1" dirty="0">
-                <a:latin typeface="Microsoft JhengHei" panose="020B0604030504040204" pitchFamily="34" charset="-120"/>
-                <a:ea typeface="Microsoft JhengHei" panose="020B0604030504040204" pitchFamily="34" charset="-120"/>
-              </a:rPr>
-              <a:t>並不擅長 </a:t>
-            </a:r>
-            <a:r>
-              <a:rPr kumimoji="1" lang="en-US" altLang="zh-TW" sz="3200" b="1" dirty="0">
-                <a:latin typeface="+mj-ea"/>
-                <a:ea typeface="+mj-ea"/>
-              </a:rPr>
-              <a:t>…</a:t>
-            </a:r>
-          </a:p>
-        </p:txBody>
-      </p:sp>
-      <p:sp>
-        <p:nvSpPr>
-          <p:cNvPr id="6" name="文字方塊 5">
-            <a:extLst>
-              <a:ext uri="{FF2B5EF4-FFF2-40B4-BE49-F238E27FC236}">
-                <a16:creationId xmlns:a16="http://schemas.microsoft.com/office/drawing/2014/main" id="{4B7E38E9-7F8A-1086-72FC-7C09F37F6020}"/>
-              </a:ext>
-            </a:extLst>
-          </p:cNvPr>
-          <p:cNvSpPr txBox="1"/>
-          <p:nvPr/>
-        </p:nvSpPr>
-        <p:spPr>
-          <a:xfrm>
-            <a:off x="1652241" y="3266709"/>
-            <a:ext cx="2250687" cy="678006"/>
-          </a:xfrm>
-          <a:prstGeom prst="rect">
-            <a:avLst/>
-          </a:prstGeom>
-          <a:noFill/>
-        </p:spPr>
-        <p:txBody>
-          <a:bodyPr wrap="square" rtlCol="0">
-            <a:spAutoFit/>
-          </a:bodyPr>
-          <a:lstStyle/>
-          <a:p>
-            <a:pPr marL="285750" indent="-285750">
-              <a:lnSpc>
-                <a:spcPts val="2400"/>
-              </a:lnSpc>
-              <a:buFont typeface="Arial" panose="020B0604020202020204" pitchFamily="34" charset="0"/>
-              <a:buChar char="•"/>
-            </a:pPr>
-            <a:r>
-              <a:rPr kumimoji="1" lang="zh-TW" altLang="en-US" sz="1600" b="1" dirty="0">
-                <a:latin typeface="+mj-ea"/>
-                <a:ea typeface="+mj-ea"/>
-              </a:rPr>
-              <a:t>理解文字</a:t>
-            </a:r>
-            <a:endParaRPr kumimoji="1" lang="en-US" altLang="zh-TW" sz="1600" b="1" dirty="0">
-              <a:latin typeface="+mj-ea"/>
-              <a:ea typeface="+mj-ea"/>
-            </a:endParaRPr>
-          </a:p>
-          <a:p>
-            <a:pPr marL="285750" indent="-285750">
-              <a:lnSpc>
-                <a:spcPts val="2400"/>
-              </a:lnSpc>
-              <a:buFont typeface="Arial" panose="020B0604020202020204" pitchFamily="34" charset="0"/>
-              <a:buChar char="•"/>
-            </a:pPr>
-            <a:r>
-              <a:rPr kumimoji="1" lang="zh-TW" altLang="en-US" sz="1600" b="1" dirty="0">
-                <a:latin typeface="+mj-ea"/>
-                <a:ea typeface="+mj-ea"/>
-              </a:rPr>
-              <a:t>遵循指令</a:t>
-            </a:r>
-            <a:endParaRPr kumimoji="1" lang="en-US" altLang="zh-TW" sz="1600" b="1" dirty="0">
-              <a:latin typeface="+mj-ea"/>
-              <a:ea typeface="+mj-ea"/>
-            </a:endParaRPr>
-          </a:p>
-        </p:txBody>
-      </p:sp>
-      <p:sp>
-        <p:nvSpPr>
-          <p:cNvPr id="7" name="文字方塊 6">
-            <a:extLst>
-              <a:ext uri="{FF2B5EF4-FFF2-40B4-BE49-F238E27FC236}">
-                <a16:creationId xmlns:a16="http://schemas.microsoft.com/office/drawing/2014/main" id="{250C3D77-714B-3242-CE22-F1CE9D0BF873}"/>
-              </a:ext>
-            </a:extLst>
-          </p:cNvPr>
-          <p:cNvSpPr txBox="1"/>
-          <p:nvPr/>
-        </p:nvSpPr>
-        <p:spPr>
-          <a:xfrm>
-            <a:off x="6252117" y="3266708"/>
-            <a:ext cx="2250687" cy="985783"/>
-          </a:xfrm>
-          <a:prstGeom prst="rect">
-            <a:avLst/>
-          </a:prstGeom>
-          <a:noFill/>
-        </p:spPr>
-        <p:txBody>
-          <a:bodyPr wrap="square" rtlCol="0">
-            <a:spAutoFit/>
-          </a:bodyPr>
-          <a:lstStyle/>
-          <a:p>
-            <a:pPr marL="285750" indent="-285750">
-              <a:lnSpc>
-                <a:spcPts val="2400"/>
-              </a:lnSpc>
-              <a:buFont typeface="Arial" panose="020B0604020202020204" pitchFamily="34" charset="0"/>
-              <a:buChar char="•"/>
-            </a:pPr>
-            <a:r>
-              <a:rPr kumimoji="1" lang="zh-TW" altLang="en-US" sz="1600" b="1" dirty="0">
-                <a:latin typeface="+mj-ea"/>
-                <a:ea typeface="+mj-ea"/>
-              </a:rPr>
-              <a:t>最新的資料</a:t>
-            </a:r>
-            <a:endParaRPr kumimoji="1" lang="en-US" altLang="zh-TW" sz="1600" b="1" dirty="0">
-              <a:latin typeface="+mj-ea"/>
-              <a:ea typeface="+mj-ea"/>
-            </a:endParaRPr>
-          </a:p>
-          <a:p>
-            <a:pPr marL="285750" indent="-285750">
-              <a:lnSpc>
-                <a:spcPts val="2400"/>
-              </a:lnSpc>
-              <a:buFont typeface="Arial" panose="020B0604020202020204" pitchFamily="34" charset="0"/>
-              <a:buChar char="•"/>
-            </a:pPr>
-            <a:r>
-              <a:rPr kumimoji="1" lang="zh-TW" altLang="en-US" sz="1600" b="1" dirty="0">
-                <a:latin typeface="+mj-ea"/>
-                <a:ea typeface="+mj-ea"/>
-              </a:rPr>
-              <a:t>關於你的資料</a:t>
-            </a:r>
-            <a:endParaRPr kumimoji="1" lang="en-US" altLang="zh-TW" sz="1600" b="1" dirty="0">
-              <a:latin typeface="+mj-ea"/>
-              <a:ea typeface="+mj-ea"/>
-            </a:endParaRPr>
-          </a:p>
-          <a:p>
-            <a:pPr marL="285750" indent="-285750">
-              <a:lnSpc>
-                <a:spcPts val="2400"/>
-              </a:lnSpc>
-              <a:buFont typeface="Arial" panose="020B0604020202020204" pitchFamily="34" charset="0"/>
-              <a:buChar char="•"/>
-            </a:pPr>
-            <a:r>
-              <a:rPr kumimoji="1" lang="zh-TW" altLang="en-US" sz="1600" b="1" dirty="0">
-                <a:latin typeface="+mj-ea"/>
-                <a:ea typeface="+mj-ea"/>
-              </a:rPr>
-              <a:t>給出資料來源</a:t>
-            </a:r>
-            <a:endParaRPr kumimoji="1" lang="en-US" altLang="zh-TW" sz="1600" b="1" dirty="0">
-              <a:latin typeface="+mj-ea"/>
-              <a:ea typeface="+mj-ea"/>
-            </a:endParaRPr>
-          </a:p>
-        </p:txBody>
-      </p:sp>
-      <p:sp>
-        <p:nvSpPr>
-          <p:cNvPr id="3" name="投影片編號版面配置區 2">
-            <a:extLst>
-              <a:ext uri="{FF2B5EF4-FFF2-40B4-BE49-F238E27FC236}">
-                <a16:creationId xmlns:a16="http://schemas.microsoft.com/office/drawing/2014/main" id="{A2DD029F-4FFD-9723-42BC-05EF47802826}"/>
-              </a:ext>
-            </a:extLst>
-          </p:cNvPr>
-          <p:cNvSpPr>
-            <a:spLocks noGrp="1"/>
-          </p:cNvSpPr>
-          <p:nvPr>
-            <p:ph type="sldNum" sz="quarter" idx="12"/>
-          </p:nvPr>
-        </p:nvSpPr>
-        <p:spPr/>
-        <p:txBody>
-          <a:bodyPr/>
-          <a:lstStyle/>
-          <a:p>
-            <a:fld id="{1CF45AF8-4138-9146-B609-F50164E207FA}" type="slidenum">
-              <a:rPr kumimoji="1" lang="zh-TW" altLang="en-US" smtClean="0"/>
-              <a:t>6</a:t>
-            </a:fld>
-            <a:endParaRPr kumimoji="1" lang="zh-TW" altLang="en-US"/>
-          </a:p>
-        </p:txBody>
-      </p:sp>
-      <p:sp>
-        <p:nvSpPr>
-          <p:cNvPr id="5" name="文字方塊 4">
-            <a:extLst>
-              <a:ext uri="{FF2B5EF4-FFF2-40B4-BE49-F238E27FC236}">
-                <a16:creationId xmlns:a16="http://schemas.microsoft.com/office/drawing/2014/main" id="{7CC13101-22B4-5FC0-2C2E-2AA510E5FEE8}"/>
-              </a:ext>
-            </a:extLst>
-          </p:cNvPr>
-          <p:cNvSpPr txBox="1"/>
-          <p:nvPr/>
-        </p:nvSpPr>
-        <p:spPr>
-          <a:xfrm>
-            <a:off x="488711" y="426866"/>
-            <a:ext cx="6397250" cy="584775"/>
-          </a:xfrm>
-          <a:prstGeom prst="rect">
-            <a:avLst/>
-          </a:prstGeom>
-          <a:noFill/>
-        </p:spPr>
-        <p:txBody>
-          <a:bodyPr wrap="square" rtlCol="0">
-            <a:spAutoFit/>
-          </a:bodyPr>
-          <a:lstStyle/>
-          <a:p>
-            <a:r>
-              <a:rPr kumimoji="1" lang="zh-TW" altLang="en-US" sz="3200" b="1" dirty="0">
-                <a:latin typeface="+mj-ea"/>
-                <a:ea typeface="+mj-ea"/>
-              </a:rPr>
-              <a:t>為什麼需要 </a:t>
-            </a:r>
-            <a:r>
-              <a:rPr kumimoji="1" lang="en-US" altLang="zh-TW" sz="3200" b="1" dirty="0">
-                <a:solidFill>
-                  <a:srgbClr val="0070C0"/>
-                </a:solidFill>
-                <a:latin typeface="DengXian" panose="02010600030101010101" pitchFamily="2" charset="-122"/>
-                <a:ea typeface="DengXian" panose="02010600030101010101" pitchFamily="2" charset="-122"/>
-              </a:rPr>
-              <a:t>RAG</a:t>
-            </a:r>
-            <a:r>
-              <a:rPr kumimoji="1" lang="zh-TW" altLang="en-US" sz="3200" b="1" dirty="0">
-                <a:solidFill>
-                  <a:srgbClr val="0070C0"/>
-                </a:solidFill>
-                <a:latin typeface="DengXian" panose="02010600030101010101" pitchFamily="2" charset="-122"/>
-                <a:ea typeface="DengXian" panose="02010600030101010101" pitchFamily="2" charset="-122"/>
-              </a:rPr>
-              <a:t> </a:t>
-            </a:r>
-            <a:r>
-              <a:rPr kumimoji="1" lang="en-US" altLang="zh-TW" sz="3200" b="1" dirty="0">
-                <a:latin typeface="DengXian" panose="02010600030101010101" pitchFamily="2" charset="-122"/>
-                <a:ea typeface="DengXian" panose="02010600030101010101" pitchFamily="2" charset="-122"/>
-              </a:rPr>
-              <a:t>?</a:t>
-            </a:r>
-          </a:p>
-        </p:txBody>
-      </p:sp>
-    </p:spTree>
-    <p:extLst>
-      <p:ext uri="{BB962C8B-B14F-4D97-AF65-F5344CB8AC3E}">
-        <p14:creationId xmlns:p14="http://schemas.microsoft.com/office/powerpoint/2010/main" val="3670730005"/>
       </p:ext>
     </p:extLst>
   </p:cSld>
@@ -16320,10 +18839,10 @@
       </p:grpSpPr>
       <p:sp>
         <p:nvSpPr>
-          <p:cNvPr id="10" name="文字方塊 9">
-            <a:extLst>
-              <a:ext uri="{FF2B5EF4-FFF2-40B4-BE49-F238E27FC236}">
-                <a16:creationId xmlns:a16="http://schemas.microsoft.com/office/drawing/2014/main" id="{19F863EE-1DBE-AA03-1CDA-0F405CE12CCB}"/>
+          <p:cNvPr id="4" name="文字方塊 3">
+            <a:extLst>
+              <a:ext uri="{FF2B5EF4-FFF2-40B4-BE49-F238E27FC236}">
+                <a16:creationId xmlns:a16="http://schemas.microsoft.com/office/drawing/2014/main" id="{8B5ED92C-D6CE-D7A1-AA7E-55678A2D0A0C}"/>
               </a:ext>
             </a:extLst>
           </p:cNvPr>
@@ -16332,8 +18851,8 @@
         </p:nvSpPr>
         <p:spPr>
           <a:xfrm>
-            <a:off x="604027" y="527227"/>
-            <a:ext cx="7926656" cy="584775"/>
+            <a:off x="2856571" y="3136612"/>
+            <a:ext cx="6478858" cy="1077218"/>
           </a:xfrm>
           <a:prstGeom prst="rect">
             <a:avLst/>
@@ -16349,299 +18868,87 @@
             <a:r>
               <a:rPr kumimoji="1" lang="en-US" altLang="zh-TW" sz="3200" b="1" dirty="0">
                 <a:solidFill>
+                  <a:srgbClr val="C00000"/>
+                </a:solidFill>
+                <a:latin typeface="DengXian" panose="02010600030101010101" pitchFamily="2" charset="-122"/>
+                <a:ea typeface="DengXian" panose="02010600030101010101" pitchFamily="2" charset="-122"/>
+              </a:rPr>
+              <a:t>R</a:t>
+            </a:r>
+            <a:r>
+              <a:rPr kumimoji="1" lang="en-US" altLang="zh-TW" sz="3200" b="1" dirty="0">
+                <a:solidFill>
                   <a:srgbClr val="0070C0"/>
                 </a:solidFill>
                 <a:latin typeface="DengXian" panose="02010600030101010101" pitchFamily="2" charset="-122"/>
                 <a:ea typeface="DengXian" panose="02010600030101010101" pitchFamily="2" charset="-122"/>
               </a:rPr>
-              <a:t>LLM</a:t>
+              <a:t>etrieval</a:t>
             </a:r>
             <a:r>
               <a:rPr kumimoji="1" lang="zh-TW" altLang="en-US" sz="3200" b="1" dirty="0">
+                <a:solidFill>
+                  <a:srgbClr val="0070C0"/>
+                </a:solidFill>
                 <a:latin typeface="DengXian" panose="02010600030101010101" pitchFamily="2" charset="-122"/>
                 <a:ea typeface="DengXian" panose="02010600030101010101" pitchFamily="2" charset="-122"/>
               </a:rPr>
               <a:t> </a:t>
             </a:r>
             <a:r>
+              <a:rPr kumimoji="1" lang="en-US" altLang="zh-TW" sz="3200" b="1" dirty="0">
+                <a:solidFill>
+                  <a:srgbClr val="C00000"/>
+                </a:solidFill>
+                <a:latin typeface="DengXian" panose="02010600030101010101" pitchFamily="2" charset="-122"/>
+                <a:ea typeface="DengXian" panose="02010600030101010101" pitchFamily="2" charset="-122"/>
+              </a:rPr>
+              <a:t>A</a:t>
+            </a:r>
+            <a:r>
+              <a:rPr kumimoji="1" lang="en-US" altLang="zh-TW" sz="3200" b="1" dirty="0">
+                <a:solidFill>
+                  <a:srgbClr val="0070C0"/>
+                </a:solidFill>
+                <a:latin typeface="DengXian" panose="02010600030101010101" pitchFamily="2" charset="-122"/>
+                <a:ea typeface="DengXian" panose="02010600030101010101" pitchFamily="2" charset="-122"/>
+              </a:rPr>
+              <a:t>ugmented-</a:t>
+            </a:r>
+            <a:r>
+              <a:rPr kumimoji="1" lang="en-US" altLang="zh-TW" sz="3200" b="1" dirty="0">
+                <a:solidFill>
+                  <a:srgbClr val="C00000"/>
+                </a:solidFill>
+                <a:latin typeface="DengXian" panose="02010600030101010101" pitchFamily="2" charset="-122"/>
+                <a:ea typeface="DengXian" panose="02010600030101010101" pitchFamily="2" charset="-122"/>
+              </a:rPr>
+              <a:t>G</a:t>
+            </a:r>
+            <a:r>
+              <a:rPr kumimoji="1" lang="en-US" altLang="zh-TW" sz="3200" b="1" dirty="0">
+                <a:solidFill>
+                  <a:srgbClr val="0070C0"/>
+                </a:solidFill>
+                <a:latin typeface="DengXian" panose="02010600030101010101" pitchFamily="2" charset="-122"/>
+                <a:ea typeface="DengXian" panose="02010600030101010101" pitchFamily="2" charset="-122"/>
+              </a:rPr>
+              <a:t>eneration</a:t>
+            </a:r>
+          </a:p>
+          <a:p>
+            <a:pPr algn="ctr"/>
+            <a:r>
               <a:rPr kumimoji="1" lang="zh-TW" altLang="en-US" sz="3200" b="1" dirty="0">
-                <a:latin typeface="+mj-ea"/>
-                <a:ea typeface="+mj-ea"/>
-              </a:rPr>
-              <a:t>就像是期末考 </a:t>
-            </a:r>
-            <a:r>
-              <a:rPr kumimoji="1" lang="zh-TW" altLang="en-US" sz="3200" b="1" dirty="0">
                 <a:solidFill>
                   <a:srgbClr val="0070C0"/>
                 </a:solidFill>
-                <a:latin typeface="+mj-ea"/>
-                <a:ea typeface="+mj-ea"/>
-              </a:rPr>
-              <a:t>裸考 </a:t>
-            </a:r>
-            <a:r>
-              <a:rPr kumimoji="1" lang="zh-TW" altLang="en-US" sz="3200" b="1" dirty="0">
-                <a:latin typeface="+mj-ea"/>
-                <a:ea typeface="+mj-ea"/>
-              </a:rPr>
-              <a:t>的你 </a:t>
-            </a:r>
-            <a:r>
-              <a:rPr kumimoji="1" lang="en-US" altLang="zh-TW" sz="3200" b="1" dirty="0">
-                <a:latin typeface="+mj-ea"/>
-                <a:ea typeface="+mj-ea"/>
-              </a:rPr>
-              <a:t>…</a:t>
-            </a:r>
-          </a:p>
-        </p:txBody>
-      </p:sp>
-      <p:pic>
-        <p:nvPicPr>
-          <p:cNvPr id="25" name="圖片 24">
-            <a:extLst>
-              <a:ext uri="{FF2B5EF4-FFF2-40B4-BE49-F238E27FC236}">
-                <a16:creationId xmlns:a16="http://schemas.microsoft.com/office/drawing/2014/main" id="{B46A13F8-67F8-6804-C28C-0001091C7E16}"/>
-              </a:ext>
-            </a:extLst>
-          </p:cNvPr>
-          <p:cNvPicPr>
-            <a:picLocks noChangeAspect="1"/>
-          </p:cNvPicPr>
-          <p:nvPr/>
-        </p:nvPicPr>
-        <p:blipFill>
-          <a:blip r:embed="rId2"/>
-          <a:stretch>
-            <a:fillRect/>
-          </a:stretch>
-        </p:blipFill>
-        <p:spPr>
-          <a:xfrm>
-            <a:off x="867038" y="2275162"/>
-            <a:ext cx="2883029" cy="2883029"/>
-          </a:xfrm>
-          <a:prstGeom prst="rect">
-            <a:avLst/>
-          </a:prstGeom>
-        </p:spPr>
-      </p:pic>
-      <p:sp>
-        <p:nvSpPr>
-          <p:cNvPr id="26" name="文字方塊 25">
-            <a:extLst>
-              <a:ext uri="{FF2B5EF4-FFF2-40B4-BE49-F238E27FC236}">
-                <a16:creationId xmlns:a16="http://schemas.microsoft.com/office/drawing/2014/main" id="{B9F8545C-84E7-5A39-BB3F-B8CED8B62D48}"/>
-              </a:ext>
-            </a:extLst>
-          </p:cNvPr>
-          <p:cNvSpPr txBox="1"/>
-          <p:nvPr/>
-        </p:nvSpPr>
-        <p:spPr>
-          <a:xfrm>
-            <a:off x="4526258" y="1685681"/>
-            <a:ext cx="3770449" cy="369332"/>
-          </a:xfrm>
-          <a:prstGeom prst="rect">
-            <a:avLst/>
-          </a:prstGeom>
-          <a:noFill/>
-        </p:spPr>
-        <p:txBody>
-          <a:bodyPr wrap="square" rtlCol="0">
-            <a:spAutoFit/>
-          </a:bodyPr>
-          <a:lstStyle/>
-          <a:p>
-            <a:r>
-              <a:rPr kumimoji="1" lang="zh-TW" altLang="en-US" b="1" u="sng" dirty="0">
                 <a:latin typeface="Microsoft JhengHei" panose="020B0604030504040204" pitchFamily="34" charset="-120"/>
                 <a:ea typeface="Microsoft JhengHei" panose="020B0604030504040204" pitchFamily="34" charset="-120"/>
               </a:rPr>
-              <a:t>題目：為什麼 </a:t>
-            </a:r>
-            <a:r>
-              <a:rPr kumimoji="1" lang="en-US" altLang="zh-TW" b="1" u="sng" dirty="0">
-                <a:latin typeface="DengXian" panose="02010600030101010101" pitchFamily="2" charset="-122"/>
-                <a:ea typeface="DengXian" panose="02010600030101010101" pitchFamily="2" charset="-122"/>
-              </a:rPr>
-              <a:t>ML</a:t>
-            </a:r>
-            <a:r>
-              <a:rPr kumimoji="1" lang="zh-TW" altLang="en-US" b="1" u="sng" dirty="0">
-                <a:latin typeface="Microsoft JhengHei" panose="020B0604030504040204" pitchFamily="34" charset="-120"/>
-                <a:ea typeface="Microsoft JhengHei" panose="020B0604030504040204" pitchFamily="34" charset="-120"/>
-              </a:rPr>
-              <a:t> 需要正規化？</a:t>
-            </a:r>
-            <a:endParaRPr kumimoji="1" lang="en-US" altLang="zh-TW" b="1" u="sng" dirty="0">
-              <a:latin typeface="Microsoft JhengHei" panose="020B0604030504040204" pitchFamily="34" charset="-120"/>
-              <a:ea typeface="Microsoft JhengHei" panose="020B0604030504040204" pitchFamily="34" charset="-120"/>
-            </a:endParaRPr>
-          </a:p>
-        </p:txBody>
-      </p:sp>
-      <p:pic>
-        <p:nvPicPr>
-          <p:cNvPr id="28" name="圖片 27">
-            <a:extLst>
-              <a:ext uri="{FF2B5EF4-FFF2-40B4-BE49-F238E27FC236}">
-                <a16:creationId xmlns:a16="http://schemas.microsoft.com/office/drawing/2014/main" id="{D6AB73E9-D80D-CC47-02F4-C20FAB2C05D2}"/>
-              </a:ext>
-            </a:extLst>
-          </p:cNvPr>
-          <p:cNvPicPr>
-            <a:picLocks noChangeAspect="1"/>
-          </p:cNvPicPr>
-          <p:nvPr/>
-        </p:nvPicPr>
-        <p:blipFill>
-          <a:blip r:embed="rId3"/>
-          <a:stretch>
-            <a:fillRect/>
-          </a:stretch>
-        </p:blipFill>
-        <p:spPr>
-          <a:xfrm>
-            <a:off x="4526256" y="3957371"/>
-            <a:ext cx="6930334" cy="2373402"/>
-          </a:xfrm>
-          <a:prstGeom prst="rect">
-            <a:avLst/>
-          </a:prstGeom>
-          <a:effectLst>
-            <a:outerShdw blurRad="50800" dist="38100" dir="2700000" algn="tl" rotWithShape="0">
-              <a:prstClr val="black">
-                <a:alpha val="40000"/>
-              </a:prstClr>
-            </a:outerShdw>
-          </a:effectLst>
-        </p:spPr>
-      </p:pic>
-      <p:sp>
-        <p:nvSpPr>
-          <p:cNvPr id="29" name="文字方塊 28">
-            <a:extLst>
-              <a:ext uri="{FF2B5EF4-FFF2-40B4-BE49-F238E27FC236}">
-                <a16:creationId xmlns:a16="http://schemas.microsoft.com/office/drawing/2014/main" id="{A5FA3462-DD17-EC6B-2975-41DAEB23F0C2}"/>
-              </a:ext>
-            </a:extLst>
-          </p:cNvPr>
-          <p:cNvSpPr txBox="1"/>
-          <p:nvPr/>
-        </p:nvSpPr>
-        <p:spPr>
-          <a:xfrm>
-            <a:off x="4526256" y="2341515"/>
-            <a:ext cx="5253363" cy="1200329"/>
-          </a:xfrm>
-          <a:prstGeom prst="rect">
-            <a:avLst/>
-          </a:prstGeom>
-          <a:noFill/>
-        </p:spPr>
-        <p:txBody>
-          <a:bodyPr wrap="square" rtlCol="0">
-            <a:spAutoFit/>
-          </a:bodyPr>
-          <a:lstStyle/>
-          <a:p>
-            <a:r>
-              <a:rPr kumimoji="1" lang="zh-TW" altLang="en-US" b="1" dirty="0">
-                <a:latin typeface="Microsoft JhengHei" panose="020B0604030504040204" pitchFamily="34" charset="-120"/>
-                <a:ea typeface="Microsoft JhengHei" panose="020B0604030504040204" pitchFamily="34" charset="-120"/>
-              </a:rPr>
-              <a:t>當沒有學習過相關知識時，</a:t>
-            </a:r>
-            <a:r>
-              <a:rPr kumimoji="1" lang="en-US" altLang="zh-TW" b="1" dirty="0">
-                <a:latin typeface="DengXian" panose="02010600030101010101" pitchFamily="2" charset="-122"/>
-                <a:ea typeface="DengXian" panose="02010600030101010101" pitchFamily="2" charset="-122"/>
-              </a:rPr>
-              <a:t>LLM</a:t>
-            </a:r>
-            <a:r>
-              <a:rPr kumimoji="1" lang="zh-TW" altLang="en-US" b="1" dirty="0">
-                <a:latin typeface="Microsoft JhengHei" panose="020B0604030504040204" pitchFamily="34" charset="-120"/>
-                <a:ea typeface="Microsoft JhengHei" panose="020B0604030504040204" pitchFamily="34" charset="-120"/>
-              </a:rPr>
-              <a:t> 可能會</a:t>
-            </a:r>
-            <a:endParaRPr kumimoji="1" lang="en-US" altLang="zh-TW" b="1" dirty="0">
-              <a:latin typeface="Microsoft JhengHei" panose="020B0604030504040204" pitchFamily="34" charset="-120"/>
-              <a:ea typeface="Microsoft JhengHei" panose="020B0604030504040204" pitchFamily="34" charset="-120"/>
-            </a:endParaRPr>
-          </a:p>
-          <a:p>
-            <a:endParaRPr kumimoji="1" lang="en-US" altLang="zh-TW" b="1" dirty="0">
-              <a:latin typeface="Microsoft JhengHei" panose="020B0604030504040204" pitchFamily="34" charset="-120"/>
-              <a:ea typeface="Microsoft JhengHei" panose="020B0604030504040204" pitchFamily="34" charset="-120"/>
-            </a:endParaRPr>
-          </a:p>
-          <a:p>
-            <a:pPr marL="342900" indent="-342900">
-              <a:buAutoNum type="arabicPeriod"/>
-            </a:pPr>
-            <a:r>
-              <a:rPr kumimoji="1" lang="zh-TW" altLang="en-US" b="1" dirty="0">
-                <a:latin typeface="Microsoft JhengHei" panose="020B0604030504040204" pitchFamily="34" charset="-120"/>
-                <a:ea typeface="Microsoft JhengHei" panose="020B0604030504040204" pitchFamily="34" charset="-120"/>
-              </a:rPr>
-              <a:t>拒絕回答</a:t>
-            </a:r>
-            <a:endParaRPr kumimoji="1" lang="en-US" altLang="zh-TW" b="1" dirty="0">
-              <a:latin typeface="Microsoft JhengHei" panose="020B0604030504040204" pitchFamily="34" charset="-120"/>
-              <a:ea typeface="Microsoft JhengHei" panose="020B0604030504040204" pitchFamily="34" charset="-120"/>
-            </a:endParaRPr>
-          </a:p>
-          <a:p>
-            <a:pPr marL="342900" indent="-342900">
-              <a:buAutoNum type="arabicPeriod"/>
-            </a:pPr>
-            <a:r>
-              <a:rPr kumimoji="1" lang="zh-TW" altLang="en-US" b="1" dirty="0">
-                <a:latin typeface="Microsoft JhengHei" panose="020B0604030504040204" pitchFamily="34" charset="-120"/>
-                <a:ea typeface="Microsoft JhengHei" panose="020B0604030504040204" pitchFamily="34" charset="-120"/>
-              </a:rPr>
-              <a:t>想辦法給一個 </a:t>
-            </a:r>
-            <a:r>
-              <a:rPr kumimoji="1" lang="zh-TW" altLang="en-US" b="1" dirty="0">
-                <a:solidFill>
-                  <a:srgbClr val="0070C0"/>
-                </a:solidFill>
-                <a:latin typeface="Microsoft JhengHei" panose="020B0604030504040204" pitchFamily="34" charset="-120"/>
-                <a:ea typeface="Microsoft JhengHei" panose="020B0604030504040204" pitchFamily="34" charset="-120"/>
-              </a:rPr>
-              <a:t>推</a:t>
-            </a:r>
-            <a:r>
-              <a:rPr kumimoji="1" lang="zh-TW" altLang="en-US" b="1" dirty="0">
-                <a:latin typeface="Microsoft JhengHei" panose="020B0604030504040204" pitchFamily="34" charset="-120"/>
-                <a:ea typeface="Microsoft JhengHei" panose="020B0604030504040204" pitchFamily="34" charset="-120"/>
-              </a:rPr>
-              <a:t>（蝦）</a:t>
-            </a:r>
-            <a:r>
-              <a:rPr kumimoji="1" lang="zh-TW" altLang="en-US" b="1" dirty="0">
-                <a:solidFill>
-                  <a:srgbClr val="0070C0"/>
-                </a:solidFill>
-                <a:latin typeface="Microsoft JhengHei" panose="020B0604030504040204" pitchFamily="34" charset="-120"/>
-                <a:ea typeface="Microsoft JhengHei" panose="020B0604030504040204" pitchFamily="34" charset="-120"/>
-              </a:rPr>
-              <a:t>論</a:t>
-            </a:r>
-            <a:r>
-              <a:rPr kumimoji="1" lang="zh-TW" altLang="en-US" b="1" dirty="0">
-                <a:latin typeface="Microsoft JhengHei" panose="020B0604030504040204" pitchFamily="34" charset="-120"/>
-                <a:ea typeface="Microsoft JhengHei" panose="020B0604030504040204" pitchFamily="34" charset="-120"/>
-              </a:rPr>
-              <a:t>（掰）出的答案</a:t>
-            </a:r>
-            <a:endParaRPr kumimoji="1" lang="en-US" altLang="zh-TW" b="1" dirty="0">
+              <a:t>檢索增強式生成</a:t>
+            </a:r>
+            <a:endParaRPr kumimoji="1" lang="en-US" altLang="zh-TW" sz="3200" b="1" dirty="0">
               <a:latin typeface="Microsoft JhengHei" panose="020B0604030504040204" pitchFamily="34" charset="-120"/>
               <a:ea typeface="Microsoft JhengHei" panose="020B0604030504040204" pitchFamily="34" charset="-120"/>
             </a:endParaRPr>
@@ -16653,7 +18960,7 @@
           <p:cNvPr id="2" name="投影片編號版面配置區 1">
             <a:extLst>
               <a:ext uri="{FF2B5EF4-FFF2-40B4-BE49-F238E27FC236}">
-                <a16:creationId xmlns:a16="http://schemas.microsoft.com/office/drawing/2014/main" id="{B9219BA0-412E-96D0-D4CD-334EE678E8EE}"/>
+                <a16:creationId xmlns:a16="http://schemas.microsoft.com/office/drawing/2014/main" id="{56B2960E-E694-40A5-CD38-E82E2952937C}"/>
               </a:ext>
             </a:extLst>
           </p:cNvPr>
@@ -16680,7 +18987,7 @@
     </p:spTree>
     <p:extLst>
       <p:ext uri="{BB962C8B-B14F-4D97-AF65-F5344CB8AC3E}">
-        <p14:creationId xmlns:p14="http://schemas.microsoft.com/office/powerpoint/2010/main" val="4156280819"/>
+        <p14:creationId xmlns:p14="http://schemas.microsoft.com/office/powerpoint/2010/main" val="3976753002"/>
       </p:ext>
     </p:extLst>
   </p:cSld>
@@ -16712,7 +19019,7 @@
           <p:cNvPr id="4" name="文字方塊 3">
             <a:extLst>
               <a:ext uri="{FF2B5EF4-FFF2-40B4-BE49-F238E27FC236}">
-                <a16:creationId xmlns:a16="http://schemas.microsoft.com/office/drawing/2014/main" id="{5B2E2A52-4884-034B-B8E2-17C56BEE9306}"/>
+                <a16:creationId xmlns:a16="http://schemas.microsoft.com/office/drawing/2014/main" id="{8B5ED92C-D6CE-D7A1-AA7E-55678A2D0A0C}"/>
               </a:ext>
             </a:extLst>
           </p:cNvPr>
@@ -16721,8 +19028,8 @@
         </p:nvSpPr>
         <p:spPr>
           <a:xfrm>
-            <a:off x="604027" y="527227"/>
-            <a:ext cx="7053635" cy="584775"/>
+            <a:off x="1652241" y="2277968"/>
+            <a:ext cx="2250687" cy="584775"/>
           </a:xfrm>
           <a:prstGeom prst="rect">
             <a:avLst/>
@@ -16736,85 +19043,25 @@
           <a:lstStyle/>
           <a:p>
             <a:r>
+              <a:rPr kumimoji="1" lang="en-US" altLang="zh-TW" sz="3200" b="1" dirty="0">
+                <a:latin typeface="DengXian" panose="02010600030101010101" pitchFamily="2" charset="-122"/>
+                <a:ea typeface="DengXian" panose="02010600030101010101" pitchFamily="2" charset="-122"/>
+              </a:rPr>
+              <a:t>LLM</a:t>
+            </a:r>
+            <a:r>
               <a:rPr kumimoji="1" lang="zh-TW" altLang="en-US" sz="3200" b="1" dirty="0">
-                <a:latin typeface="Microsoft JhengHei" panose="020B0604030504040204" pitchFamily="34" charset="-120"/>
-                <a:ea typeface="Microsoft JhengHei" panose="020B0604030504040204" pitchFamily="34" charset="-120"/>
-              </a:rPr>
-              <a:t>而</a:t>
-            </a:r>
-            <a:r>
-              <a:rPr kumimoji="1" lang="zh-TW" altLang="en-US" sz="3200" b="1" dirty="0">
                 <a:latin typeface="DengXian" panose="02010600030101010101" pitchFamily="2" charset="-122"/>
                 <a:ea typeface="DengXian" panose="02010600030101010101" pitchFamily="2" charset="-122"/>
               </a:rPr>
               <a:t> </a:t>
-            </a:r>
-            <a:r>
-              <a:rPr kumimoji="1" lang="en-US" altLang="zh-TW" sz="3200" b="1" dirty="0">
-                <a:solidFill>
-                  <a:srgbClr val="0070C0"/>
-                </a:solidFill>
-                <a:latin typeface="DengXian" panose="02010600030101010101" pitchFamily="2" charset="-122"/>
-                <a:ea typeface="DengXian" panose="02010600030101010101" pitchFamily="2" charset="-122"/>
-              </a:rPr>
-              <a:t>RAG</a:t>
             </a:r>
             <a:r>
               <a:rPr kumimoji="1" lang="zh-TW" altLang="en-US" sz="3200" b="1" dirty="0">
                 <a:latin typeface="+mj-ea"/>
                 <a:ea typeface="+mj-ea"/>
               </a:rPr>
-              <a:t> 則像是讓你考試</a:t>
-            </a:r>
-            <a:r>
-              <a:rPr kumimoji="1" lang="zh-TW" altLang="en-US" sz="3200" b="1" dirty="0">
-                <a:solidFill>
-                  <a:srgbClr val="0070C0"/>
-                </a:solidFill>
-                <a:latin typeface="+mj-ea"/>
-                <a:ea typeface="+mj-ea"/>
-              </a:rPr>
-              <a:t> </a:t>
-            </a:r>
-            <a:r>
-              <a:rPr kumimoji="1" lang="en-US" altLang="zh-TW" sz="3200" b="1" dirty="0">
-                <a:solidFill>
-                  <a:srgbClr val="0070C0"/>
-                </a:solidFill>
-                <a:latin typeface="+mj-ea"/>
-                <a:ea typeface="+mj-ea"/>
-              </a:rPr>
-              <a:t>open</a:t>
-            </a:r>
-            <a:r>
-              <a:rPr kumimoji="1" lang="zh-TW" altLang="en-US" sz="3200" b="1" dirty="0">
-                <a:solidFill>
-                  <a:srgbClr val="0070C0"/>
-                </a:solidFill>
-                <a:latin typeface="+mj-ea"/>
-                <a:ea typeface="+mj-ea"/>
-              </a:rPr>
-              <a:t> </a:t>
-            </a:r>
-            <a:r>
-              <a:rPr kumimoji="1" lang="en-US" altLang="zh-TW" sz="3200" b="1" dirty="0">
-                <a:solidFill>
-                  <a:srgbClr val="0070C0"/>
-                </a:solidFill>
-                <a:latin typeface="+mj-ea"/>
-                <a:ea typeface="+mj-ea"/>
-              </a:rPr>
-              <a:t>book</a:t>
-            </a:r>
-            <a:r>
-              <a:rPr kumimoji="1" lang="zh-TW" altLang="en-US" sz="3200" b="1" dirty="0">
-                <a:solidFill>
-                  <a:srgbClr val="0070C0"/>
-                </a:solidFill>
-                <a:latin typeface="+mj-ea"/>
-                <a:ea typeface="+mj-ea"/>
-              </a:rPr>
-              <a:t> </a:t>
+              <a:t>擅長</a:t>
             </a:r>
             <a:endParaRPr kumimoji="1" lang="en-US" altLang="zh-TW" sz="3200" b="1" dirty="0">
               <a:latin typeface="+mj-ea"/>
@@ -16825,199 +19072,10 @@
       </p:sp>
       <p:sp>
         <p:nvSpPr>
-          <p:cNvPr id="5" name="圓角矩形 4">
-            <a:extLst>
-              <a:ext uri="{FF2B5EF4-FFF2-40B4-BE49-F238E27FC236}">
-                <a16:creationId xmlns:a16="http://schemas.microsoft.com/office/drawing/2014/main" id="{0C8C0BBD-5EE6-0F73-F49D-45CD427431B9}"/>
-              </a:ext>
-            </a:extLst>
-          </p:cNvPr>
-          <p:cNvSpPr/>
-          <p:nvPr/>
-        </p:nvSpPr>
-        <p:spPr>
-          <a:xfrm>
-            <a:off x="446049" y="1851102"/>
-            <a:ext cx="3579541" cy="4460488"/>
-          </a:xfrm>
-          <a:prstGeom prst="roundRect">
-            <a:avLst>
-              <a:gd name="adj" fmla="val 9018"/>
-            </a:avLst>
-          </a:prstGeom>
-          <a:solidFill>
-            <a:schemeClr val="bg1">
-              <a:lumMod val="95000"/>
-            </a:schemeClr>
-          </a:solidFill>
-          <a:ln>
-            <a:noFill/>
-          </a:ln>
-          <a:effectLst>
-            <a:outerShdw blurRad="50800" dist="38100" dir="2700000" algn="tl" rotWithShape="0">
-              <a:prstClr val="black">
-                <a:alpha val="40000"/>
-              </a:prstClr>
-            </a:outerShdw>
-          </a:effectLst>
-        </p:spPr>
-        <p:style>
-          <a:lnRef idx="2">
-            <a:schemeClr val="accent1">
-              <a:shade val="15000"/>
-            </a:schemeClr>
-          </a:lnRef>
-          <a:fillRef idx="1">
-            <a:schemeClr val="accent1"/>
-          </a:fillRef>
-          <a:effectRef idx="0">
-            <a:schemeClr val="accent1"/>
-          </a:effectRef>
-          <a:fontRef idx="minor">
-            <a:schemeClr val="lt1"/>
-          </a:fontRef>
-        </p:style>
-        <p:txBody>
-          <a:bodyPr rtlCol="0" anchor="ctr"/>
-          <a:lstStyle/>
-          <a:p>
-            <a:pPr algn="ctr"/>
-            <a:endParaRPr kumimoji="1" lang="zh-TW" altLang="en-US" dirty="0"/>
-          </a:p>
-        </p:txBody>
-      </p:sp>
-      <p:sp>
-        <p:nvSpPr>
-          <p:cNvPr id="7" name="圓角矩形 6">
-            <a:extLst>
-              <a:ext uri="{FF2B5EF4-FFF2-40B4-BE49-F238E27FC236}">
-                <a16:creationId xmlns:a16="http://schemas.microsoft.com/office/drawing/2014/main" id="{BB3F162D-6DFC-436F-3F64-7B0CB42C6213}"/>
-              </a:ext>
-            </a:extLst>
-          </p:cNvPr>
-          <p:cNvSpPr/>
-          <p:nvPr/>
-        </p:nvSpPr>
-        <p:spPr>
-          <a:xfrm>
-            <a:off x="4423317" y="1851102"/>
-            <a:ext cx="3579541" cy="4460488"/>
-          </a:xfrm>
-          <a:prstGeom prst="roundRect">
-            <a:avLst>
-              <a:gd name="adj" fmla="val 9018"/>
-            </a:avLst>
-          </a:prstGeom>
-          <a:solidFill>
-            <a:schemeClr val="bg1">
-              <a:lumMod val="95000"/>
-            </a:schemeClr>
-          </a:solidFill>
-          <a:ln>
-            <a:noFill/>
-          </a:ln>
-          <a:effectLst>
-            <a:outerShdw blurRad="50800" dist="38100" dir="2700000" algn="tl" rotWithShape="0">
-              <a:prstClr val="black">
-                <a:alpha val="40000"/>
-              </a:prstClr>
-            </a:outerShdw>
-          </a:effectLst>
-        </p:spPr>
-        <p:style>
-          <a:lnRef idx="2">
-            <a:schemeClr val="accent1">
-              <a:shade val="15000"/>
-            </a:schemeClr>
-          </a:lnRef>
-          <a:fillRef idx="1">
-            <a:schemeClr val="accent1"/>
-          </a:fillRef>
-          <a:effectRef idx="0">
-            <a:schemeClr val="accent1"/>
-          </a:effectRef>
-          <a:fontRef idx="minor">
-            <a:schemeClr val="lt1"/>
-          </a:fontRef>
-        </p:style>
-        <p:txBody>
-          <a:bodyPr rtlCol="0" anchor="ctr"/>
-          <a:lstStyle/>
-          <a:p>
-            <a:pPr algn="ctr"/>
-            <a:endParaRPr kumimoji="1" lang="zh-TW" altLang="en-US"/>
-          </a:p>
-        </p:txBody>
-      </p:sp>
-      <p:sp>
-        <p:nvSpPr>
-          <p:cNvPr id="8" name="圓角矩形 7">
-            <a:extLst>
-              <a:ext uri="{FF2B5EF4-FFF2-40B4-BE49-F238E27FC236}">
-                <a16:creationId xmlns:a16="http://schemas.microsoft.com/office/drawing/2014/main" id="{072C730A-3595-87E3-C3F8-40130446DCF3}"/>
-              </a:ext>
-            </a:extLst>
-          </p:cNvPr>
-          <p:cNvSpPr/>
-          <p:nvPr/>
-        </p:nvSpPr>
-        <p:spPr>
-          <a:xfrm>
-            <a:off x="8294651" y="1851102"/>
-            <a:ext cx="3579541" cy="4460488"/>
-          </a:xfrm>
-          <a:prstGeom prst="roundRect">
-            <a:avLst>
-              <a:gd name="adj" fmla="val 9018"/>
-            </a:avLst>
-          </a:prstGeom>
-          <a:solidFill>
-            <a:schemeClr val="bg1">
-              <a:lumMod val="95000"/>
-            </a:schemeClr>
-          </a:solidFill>
-          <a:ln>
-            <a:noFill/>
-          </a:ln>
-          <a:effectLst>
-            <a:outerShdw blurRad="50800" dist="38100" dir="2700000" algn="tl" rotWithShape="0">
-              <a:prstClr val="black">
-                <a:alpha val="40000"/>
-              </a:prstClr>
-            </a:outerShdw>
-          </a:effectLst>
-        </p:spPr>
-        <p:style>
-          <a:lnRef idx="2">
-            <a:schemeClr val="accent1">
-              <a:shade val="15000"/>
-            </a:schemeClr>
-          </a:lnRef>
-          <a:fillRef idx="1">
-            <a:schemeClr val="accent1"/>
-          </a:fillRef>
-          <a:effectRef idx="0">
-            <a:schemeClr val="accent1"/>
-          </a:effectRef>
-          <a:fontRef idx="minor">
-            <a:schemeClr val="lt1"/>
-          </a:fontRef>
-        </p:style>
-        <p:txBody>
-          <a:bodyPr rtlCol="0" anchor="ctr"/>
-          <a:lstStyle/>
-          <a:p>
-            <a:pPr algn="ctr"/>
-            <a:endParaRPr kumimoji="1" lang="zh-TW" altLang="en-US"/>
-          </a:p>
-        </p:txBody>
-      </p:sp>
-      <p:sp>
-        <p:nvSpPr>
-          <p:cNvPr id="10" name="文字方塊 9">
-            <a:extLst>
-              <a:ext uri="{FF2B5EF4-FFF2-40B4-BE49-F238E27FC236}">
-                <a16:creationId xmlns:a16="http://schemas.microsoft.com/office/drawing/2014/main" id="{64C65AE5-62C5-8E09-9EDE-66960300027D}"/>
+          <p:cNvPr id="2" name="文字方塊 1">
+            <a:extLst>
+              <a:ext uri="{FF2B5EF4-FFF2-40B4-BE49-F238E27FC236}">
+                <a16:creationId xmlns:a16="http://schemas.microsoft.com/office/drawing/2014/main" id="{5AE9C706-5B57-ED8E-7EB8-FC2FB78A7262}"/>
               </a:ext>
             </a:extLst>
           </p:cNvPr>
@@ -17026,8 +19084,8 @@
         </p:nvSpPr>
         <p:spPr>
           <a:xfrm>
-            <a:off x="501805" y="1467946"/>
-            <a:ext cx="1420008" cy="584775"/>
+            <a:off x="6252117" y="2277968"/>
+            <a:ext cx="4047893" cy="584775"/>
           </a:xfrm>
           <a:prstGeom prst="rect">
             <a:avLst/>
@@ -17041,24 +19099,56 @@
           <a:lstStyle/>
           <a:p>
             <a:r>
+              <a:rPr kumimoji="1" lang="zh-TW" altLang="en-US" sz="3200" b="1" dirty="0">
+                <a:latin typeface="Microsoft JhengHei" panose="020B0604030504040204" pitchFamily="34" charset="-120"/>
+                <a:ea typeface="Microsoft JhengHei" panose="020B0604030504040204" pitchFamily="34" charset="-120"/>
+              </a:rPr>
+              <a:t>但</a:t>
+            </a:r>
+            <a:r>
+              <a:rPr kumimoji="1" lang="zh-TW" altLang="en-US" sz="3200" b="1" dirty="0">
+                <a:latin typeface="DengXian" panose="02010600030101010101" pitchFamily="2" charset="-122"/>
+                <a:ea typeface="DengXian" panose="02010600030101010101" pitchFamily="2" charset="-122"/>
+              </a:rPr>
+              <a:t> </a:t>
+            </a:r>
+            <a:r>
               <a:rPr kumimoji="1" lang="en-US" altLang="zh-TW" sz="3200" b="1" dirty="0">
-                <a:solidFill>
-                  <a:srgbClr val="0070C0"/>
-                </a:solidFill>
-                <a:latin typeface="DengXian" panose="02010600030101010101" pitchFamily="2" charset="-122"/>
-                <a:ea typeface="DengXian" panose="02010600030101010101" pitchFamily="2" charset="-122"/>
-              </a:rPr>
-              <a:t>Query</a:t>
+                <a:latin typeface="DengXian" panose="02010600030101010101" pitchFamily="2" charset="-122"/>
+                <a:ea typeface="DengXian" panose="02010600030101010101" pitchFamily="2" charset="-122"/>
+              </a:rPr>
+              <a:t>LLM</a:t>
+            </a:r>
+            <a:r>
+              <a:rPr kumimoji="1" lang="zh-TW" altLang="en-US" sz="3200" b="1" dirty="0">
+                <a:latin typeface="DengXian" panose="02010600030101010101" pitchFamily="2" charset="-122"/>
+                <a:ea typeface="DengXian" panose="02010600030101010101" pitchFamily="2" charset="-122"/>
+              </a:rPr>
+              <a:t> </a:t>
+            </a:r>
+            <a:r>
+              <a:rPr kumimoji="1" lang="zh-TW" altLang="en-US" sz="3200" b="1" dirty="0">
+                <a:latin typeface="Microsoft JhengHei" panose="020B0604030504040204" pitchFamily="34" charset="-120"/>
+                <a:ea typeface="Microsoft JhengHei" panose="020B0604030504040204" pitchFamily="34" charset="-120"/>
+              </a:rPr>
+              <a:t>並不擅長 </a:t>
+            </a:r>
+            <a:r>
+              <a:rPr kumimoji="1" lang="en-US" altLang="zh-TW" sz="3200" b="1" dirty="0">
+                <a:latin typeface="+mj-ea"/>
+                <a:ea typeface="+mj-ea"/>
+              </a:rPr>
+              <a:t>…</a:t>
             </a:r>
           </a:p>
         </p:txBody>
       </p:sp>
       <p:sp>
         <p:nvSpPr>
-          <p:cNvPr id="11" name="文字方塊 10">
-            <a:extLst>
-              <a:ext uri="{FF2B5EF4-FFF2-40B4-BE49-F238E27FC236}">
-                <a16:creationId xmlns:a16="http://schemas.microsoft.com/office/drawing/2014/main" id="{7E3C757D-5D2E-1D22-4895-F653ED62B388}"/>
+          <p:cNvPr id="6" name="文字方塊 5">
+            <a:extLst>
+              <a:ext uri="{FF2B5EF4-FFF2-40B4-BE49-F238E27FC236}">
+                <a16:creationId xmlns:a16="http://schemas.microsoft.com/office/drawing/2014/main" id="{4B7E38E9-7F8A-1086-72FC-7C09F37F6020}"/>
               </a:ext>
             </a:extLst>
           </p:cNvPr>
@@ -17067,8 +19157,8 @@
         </p:nvSpPr>
         <p:spPr>
           <a:xfrm>
-            <a:off x="4317383" y="1467946"/>
-            <a:ext cx="4670501" cy="584775"/>
+            <a:off x="1652241" y="3266709"/>
+            <a:ext cx="2250687" cy="678006"/>
           </a:xfrm>
           <a:prstGeom prst="rect">
             <a:avLst/>
@@ -17081,62 +19171,53 @@
           </a:bodyPr>
           <a:lstStyle/>
           <a:p>
-            <a:r>
-              <a:rPr kumimoji="1" lang="en-US" altLang="zh-TW" sz="3200" b="1" dirty="0">
-                <a:solidFill>
-                  <a:srgbClr val="C00000"/>
-                </a:solidFill>
-                <a:latin typeface="DengXian" panose="02010600030101010101" pitchFamily="2" charset="-122"/>
-                <a:ea typeface="DengXian" panose="02010600030101010101" pitchFamily="2" charset="-122"/>
-              </a:rPr>
-              <a:t>R</a:t>
-            </a:r>
-            <a:r>
-              <a:rPr kumimoji="1" lang="en-US" altLang="zh-TW" sz="3200" b="1" dirty="0">
-                <a:solidFill>
-                  <a:srgbClr val="0070C0"/>
-                </a:solidFill>
-                <a:latin typeface="DengXian" panose="02010600030101010101" pitchFamily="2" charset="-122"/>
-                <a:ea typeface="DengXian" panose="02010600030101010101" pitchFamily="2" charset="-122"/>
-              </a:rPr>
-              <a:t>etrieval</a:t>
-            </a:r>
-            <a:r>
-              <a:rPr kumimoji="1" lang="zh-TW" altLang="en-US" sz="3200" b="1" dirty="0">
-                <a:solidFill>
-                  <a:srgbClr val="0070C0"/>
-                </a:solidFill>
-                <a:latin typeface="DengXian" panose="02010600030101010101" pitchFamily="2" charset="-122"/>
-                <a:ea typeface="DengXian" panose="02010600030101010101" pitchFamily="2" charset="-122"/>
-              </a:rPr>
-              <a:t> </a:t>
-            </a:r>
-            <a:r>
-              <a:rPr kumimoji="1" lang="zh-TW" altLang="en-US" sz="1400" b="1" dirty="0">
-                <a:solidFill>
-                  <a:srgbClr val="0070C0"/>
-                </a:solidFill>
-                <a:latin typeface="Microsoft JhengHei" panose="020B0604030504040204" pitchFamily="34" charset="-120"/>
-                <a:ea typeface="Microsoft JhengHei" panose="020B0604030504040204" pitchFamily="34" charset="-120"/>
-              </a:rPr>
-              <a:t>找到相關章節</a:t>
-            </a:r>
-            <a:endParaRPr kumimoji="1" lang="en-US" altLang="zh-TW" sz="3200" b="1" dirty="0">
-              <a:solidFill>
-                <a:srgbClr val="0070C0"/>
-              </a:solidFill>
-              <a:latin typeface="Microsoft JhengHei" panose="020B0604030504040204" pitchFamily="34" charset="-120"/>
-              <a:ea typeface="Microsoft JhengHei" panose="020B0604030504040204" pitchFamily="34" charset="-120"/>
+            <a:pPr marL="285750" indent="-285750">
+              <a:lnSpc>
+                <a:spcPts val="2400"/>
+              </a:lnSpc>
+              <a:buFont typeface="Arial" panose="020B0604020202020204" pitchFamily="34" charset="0"/>
+              <a:buChar char="•"/>
+            </a:pPr>
+            <a:r>
+              <a:rPr kumimoji="1" lang="zh-TW" altLang="en-US" sz="1600" b="1" dirty="0">
+                <a:latin typeface="+mj-ea"/>
+                <a:ea typeface="+mj-ea"/>
+              </a:rPr>
+              <a:t>理解文字</a:t>
+            </a:r>
+            <a:endParaRPr kumimoji="1" lang="en-US" altLang="zh-TW" sz="1600" b="1" dirty="0">
+              <a:latin typeface="+mj-ea"/>
+              <a:ea typeface="+mj-ea"/>
+            </a:endParaRPr>
+          </a:p>
+          <a:p>
+            <a:pPr marL="285750" indent="-285750">
+              <a:lnSpc>
+                <a:spcPts val="2400"/>
+              </a:lnSpc>
+              <a:buFont typeface="Arial" panose="020B0604020202020204" pitchFamily="34" charset="0"/>
+              <a:buChar char="•"/>
+            </a:pPr>
+            <a:r>
+              <a:rPr kumimoji="1" lang="zh-TW" altLang="en-US" sz="1600" b="1" dirty="0">
+                <a:latin typeface="+mj-ea"/>
+                <a:ea typeface="+mj-ea"/>
+              </a:rPr>
+              <a:t>遵循指令</a:t>
+            </a:r>
+            <a:endParaRPr kumimoji="1" lang="en-US" altLang="zh-TW" sz="1600" b="1" dirty="0">
+              <a:latin typeface="+mj-ea"/>
+              <a:ea typeface="+mj-ea"/>
             </a:endParaRPr>
           </a:p>
         </p:txBody>
       </p:sp>
       <p:sp>
         <p:nvSpPr>
-          <p:cNvPr id="12" name="文字方塊 11">
-            <a:extLst>
-              <a:ext uri="{FF2B5EF4-FFF2-40B4-BE49-F238E27FC236}">
-                <a16:creationId xmlns:a16="http://schemas.microsoft.com/office/drawing/2014/main" id="{DFCE8903-98A2-0F61-9ADF-61B1AB43FBEA}"/>
+          <p:cNvPr id="7" name="文字方塊 6">
+            <a:extLst>
+              <a:ext uri="{FF2B5EF4-FFF2-40B4-BE49-F238E27FC236}">
+                <a16:creationId xmlns:a16="http://schemas.microsoft.com/office/drawing/2014/main" id="{250C3D77-714B-3242-CE22-F1CE9D0BF873}"/>
               </a:ext>
             </a:extLst>
           </p:cNvPr>
@@ -17145,8 +19226,8 @@
         </p:nvSpPr>
         <p:spPr>
           <a:xfrm>
-            <a:off x="8043750" y="975503"/>
-            <a:ext cx="3724508" cy="1077218"/>
+            <a:off x="6252117" y="3266708"/>
+            <a:ext cx="2250687" cy="985783"/>
           </a:xfrm>
           <a:prstGeom prst="rect">
             <a:avLst/>
@@ -17159,82 +19240,102 @@
           </a:bodyPr>
           <a:lstStyle/>
           <a:p>
-            <a:r>
-              <a:rPr kumimoji="1" lang="en-US" altLang="zh-TW" sz="3200" b="1" dirty="0">
-                <a:solidFill>
-                  <a:srgbClr val="C00000"/>
-                </a:solidFill>
-                <a:latin typeface="DengXian" panose="02010600030101010101" pitchFamily="2" charset="-122"/>
-                <a:ea typeface="DengXian" panose="02010600030101010101" pitchFamily="2" charset="-122"/>
-              </a:rPr>
-              <a:t>A</a:t>
-            </a:r>
-            <a:r>
-              <a:rPr kumimoji="1" lang="en-US" altLang="zh-TW" sz="3200" b="1" dirty="0">
-                <a:solidFill>
-                  <a:srgbClr val="0070C0"/>
-                </a:solidFill>
-                <a:latin typeface="DengXian" panose="02010600030101010101" pitchFamily="2" charset="-122"/>
-                <a:ea typeface="DengXian" panose="02010600030101010101" pitchFamily="2" charset="-122"/>
-              </a:rPr>
-              <a:t>ugmented-</a:t>
-            </a:r>
-            <a:r>
-              <a:rPr kumimoji="1" lang="en-US" altLang="zh-TW" sz="3200" b="1" dirty="0">
-                <a:solidFill>
-                  <a:srgbClr val="C00000"/>
-                </a:solidFill>
-                <a:latin typeface="DengXian" panose="02010600030101010101" pitchFamily="2" charset="-122"/>
-                <a:ea typeface="DengXian" panose="02010600030101010101" pitchFamily="2" charset="-122"/>
-              </a:rPr>
-              <a:t>G</a:t>
-            </a:r>
-            <a:r>
-              <a:rPr kumimoji="1" lang="en-US" altLang="zh-TW" sz="3200" b="1" dirty="0">
-                <a:solidFill>
-                  <a:srgbClr val="0070C0"/>
-                </a:solidFill>
-                <a:latin typeface="DengXian" panose="02010600030101010101" pitchFamily="2" charset="-122"/>
-                <a:ea typeface="DengXian" panose="02010600030101010101" pitchFamily="2" charset="-122"/>
-              </a:rPr>
-              <a:t>eneration</a:t>
-            </a:r>
-            <a:r>
-              <a:rPr kumimoji="1" lang="zh-TW" altLang="en-US" sz="3200" b="1" dirty="0">
-                <a:solidFill>
-                  <a:srgbClr val="0070C0"/>
-                </a:solidFill>
-                <a:latin typeface="DengXian" panose="02010600030101010101" pitchFamily="2" charset="-122"/>
-                <a:ea typeface="DengXian" panose="02010600030101010101" pitchFamily="2" charset="-122"/>
-              </a:rPr>
-              <a:t> </a:t>
-            </a:r>
-            <a:r>
-              <a:rPr kumimoji="1" lang="zh-TW" altLang="en-US" sz="1400" b="1" dirty="0">
-                <a:solidFill>
-                  <a:srgbClr val="0070C0"/>
-                </a:solidFill>
-                <a:latin typeface="Microsoft JhengHei" panose="020B0604030504040204" pitchFamily="34" charset="-120"/>
-                <a:ea typeface="Microsoft JhengHei" panose="020B0604030504040204" pitchFamily="34" charset="-120"/>
-              </a:rPr>
-              <a:t>基於資料回答</a:t>
-            </a:r>
-            <a:endParaRPr kumimoji="1" lang="en-US" altLang="zh-TW" sz="1400" b="1" dirty="0">
-              <a:solidFill>
-                <a:srgbClr val="0070C0"/>
-              </a:solidFill>
-              <a:latin typeface="Microsoft JhengHei" panose="020B0604030504040204" pitchFamily="34" charset="-120"/>
-              <a:ea typeface="Microsoft JhengHei" panose="020B0604030504040204" pitchFamily="34" charset="-120"/>
+            <a:pPr marL="285750" indent="-285750">
+              <a:lnSpc>
+                <a:spcPts val="2400"/>
+              </a:lnSpc>
+              <a:buFont typeface="Arial" panose="020B0604020202020204" pitchFamily="34" charset="0"/>
+              <a:buChar char="•"/>
+            </a:pPr>
+            <a:r>
+              <a:rPr kumimoji="1" lang="zh-TW" altLang="en-US" sz="1600" b="1" dirty="0">
+                <a:latin typeface="+mj-ea"/>
+                <a:ea typeface="+mj-ea"/>
+              </a:rPr>
+              <a:t>最新的資料</a:t>
+            </a:r>
+            <a:endParaRPr kumimoji="1" lang="en-US" altLang="zh-TW" sz="1600" b="1" dirty="0">
+              <a:latin typeface="+mj-ea"/>
+              <a:ea typeface="+mj-ea"/>
+            </a:endParaRPr>
+          </a:p>
+          <a:p>
+            <a:pPr marL="285750" indent="-285750">
+              <a:lnSpc>
+                <a:spcPts val="2400"/>
+              </a:lnSpc>
+              <a:buFont typeface="Arial" panose="020B0604020202020204" pitchFamily="34" charset="0"/>
+              <a:buChar char="•"/>
+            </a:pPr>
+            <a:r>
+              <a:rPr kumimoji="1" lang="zh-TW" altLang="en-US" sz="1600" b="1" dirty="0">
+                <a:latin typeface="+mj-ea"/>
+                <a:ea typeface="+mj-ea"/>
+              </a:rPr>
+              <a:t>關於你的資料</a:t>
+            </a:r>
+            <a:endParaRPr kumimoji="1" lang="en-US" altLang="zh-TW" sz="1600" b="1" dirty="0">
+              <a:latin typeface="+mj-ea"/>
+              <a:ea typeface="+mj-ea"/>
+            </a:endParaRPr>
+          </a:p>
+          <a:p>
+            <a:pPr marL="285750" indent="-285750">
+              <a:lnSpc>
+                <a:spcPts val="2400"/>
+              </a:lnSpc>
+              <a:buFont typeface="Arial" panose="020B0604020202020204" pitchFamily="34" charset="0"/>
+              <a:buChar char="•"/>
+            </a:pPr>
+            <a:r>
+              <a:rPr kumimoji="1" lang="zh-TW" altLang="en-US" sz="1600" b="1" dirty="0">
+                <a:latin typeface="+mj-ea"/>
+                <a:ea typeface="+mj-ea"/>
+              </a:rPr>
+              <a:t>給出資料來源</a:t>
+            </a:r>
+            <a:endParaRPr kumimoji="1" lang="en-US" altLang="zh-TW" sz="1600" b="1" dirty="0">
+              <a:latin typeface="+mj-ea"/>
+              <a:ea typeface="+mj-ea"/>
             </a:endParaRPr>
           </a:p>
         </p:txBody>
       </p:sp>
       <p:sp>
         <p:nvSpPr>
-          <p:cNvPr id="13" name="文字方塊 12">
-            <a:extLst>
-              <a:ext uri="{FF2B5EF4-FFF2-40B4-BE49-F238E27FC236}">
-                <a16:creationId xmlns:a16="http://schemas.microsoft.com/office/drawing/2014/main" id="{F7049DC8-1A11-150D-B399-B9A9FE15A305}"/>
+          <p:cNvPr id="3" name="投影片編號版面配置區 2">
+            <a:extLst>
+              <a:ext uri="{FF2B5EF4-FFF2-40B4-BE49-F238E27FC236}">
+                <a16:creationId xmlns:a16="http://schemas.microsoft.com/office/drawing/2014/main" id="{A2DD029F-4FFD-9723-42BC-05EF47802826}"/>
+              </a:ext>
+            </a:extLst>
+          </p:cNvPr>
+          <p:cNvSpPr>
+            <a:spLocks noGrp="1"/>
+          </p:cNvSpPr>
+          <p:nvPr>
+            <p:ph type="sldNum" sz="quarter" idx="12"/>
+          </p:nvPr>
+        </p:nvSpPr>
+        <p:spPr/>
+        <p:txBody>
+          <a:bodyPr/>
+          <a:lstStyle/>
+          <a:p>
+            <a:fld id="{1CF45AF8-4138-9146-B609-F50164E207FA}" type="slidenum">
+              <a:rPr kumimoji="1" lang="zh-TW" altLang="en-US" smtClean="0"/>
+              <a:t>8</a:t>
+            </a:fld>
+            <a:endParaRPr kumimoji="1" lang="zh-TW" altLang="en-US"/>
+          </a:p>
+        </p:txBody>
+      </p:sp>
+      <p:sp>
+        <p:nvSpPr>
+          <p:cNvPr id="5" name="文字方塊 4">
+            <a:extLst>
+              <a:ext uri="{FF2B5EF4-FFF2-40B4-BE49-F238E27FC236}">
+                <a16:creationId xmlns:a16="http://schemas.microsoft.com/office/drawing/2014/main" id="{7CC13101-22B4-5FC0-2C2E-2AA510E5FEE8}"/>
               </a:ext>
             </a:extLst>
           </p:cNvPr>
@@ -17243,8 +19344,8 @@
         </p:nvSpPr>
         <p:spPr>
           <a:xfrm>
-            <a:off x="8400585" y="2235836"/>
-            <a:ext cx="2908697" cy="738664"/>
+            <a:off x="488711" y="426866"/>
+            <a:ext cx="6397250" cy="584775"/>
           </a:xfrm>
           <a:prstGeom prst="rect">
             <a:avLst/>
@@ -17258,1362 +19359,46 @@
           <a:lstStyle/>
           <a:p>
             <a:r>
-              <a:rPr kumimoji="1" lang="en-US" altLang="zh-TW" sz="1400" b="1" dirty="0">
-                <a:latin typeface="Microsoft JhengHei" panose="020B0604030504040204" pitchFamily="34" charset="-120"/>
-                <a:ea typeface="Microsoft JhengHei" panose="020B0604030504040204" pitchFamily="34" charset="-120"/>
-              </a:rPr>
-              <a:t>Query:</a:t>
-            </a:r>
-            <a:r>
-              <a:rPr kumimoji="1" lang="zh-TW" altLang="en-US" sz="1400" b="1" dirty="0">
-                <a:latin typeface="Microsoft JhengHei" panose="020B0604030504040204" pitchFamily="34" charset="-120"/>
-                <a:ea typeface="Microsoft JhengHei" panose="020B0604030504040204" pitchFamily="34" charset="-120"/>
-              </a:rPr>
-              <a:t> 為什麼 </a:t>
-            </a:r>
-            <a:r>
-              <a:rPr kumimoji="1" lang="en-US" altLang="zh-TW" sz="1400" b="1" dirty="0">
-                <a:latin typeface="DengXian" panose="02010600030101010101" pitchFamily="2" charset="-122"/>
-                <a:ea typeface="DengXian" panose="02010600030101010101" pitchFamily="2" charset="-122"/>
-              </a:rPr>
-              <a:t>ML</a:t>
-            </a:r>
-            <a:r>
-              <a:rPr kumimoji="1" lang="zh-TW" altLang="en-US" sz="1400" b="1" dirty="0">
-                <a:latin typeface="Microsoft JhengHei" panose="020B0604030504040204" pitchFamily="34" charset="-120"/>
-                <a:ea typeface="Microsoft JhengHei" panose="020B0604030504040204" pitchFamily="34" charset="-120"/>
-              </a:rPr>
-              <a:t> 需要正規化？</a:t>
-            </a:r>
-            <a:endParaRPr kumimoji="1" lang="en-US" altLang="zh-TW" sz="1400" b="1" dirty="0">
-              <a:latin typeface="Microsoft JhengHei" panose="020B0604030504040204" pitchFamily="34" charset="-120"/>
-              <a:ea typeface="Microsoft JhengHei" panose="020B0604030504040204" pitchFamily="34" charset="-120"/>
-            </a:endParaRPr>
-          </a:p>
-          <a:p>
-            <a:r>
-              <a:rPr kumimoji="1" lang="en-US" altLang="zh-TW" sz="1400" b="1" dirty="0">
-                <a:latin typeface="Microsoft JhengHei" panose="020B0604030504040204" pitchFamily="34" charset="-120"/>
-                <a:ea typeface="Microsoft JhengHei" panose="020B0604030504040204" pitchFamily="34" charset="-120"/>
-              </a:rPr>
-              <a:t>	</a:t>
-            </a:r>
-            <a:r>
-              <a:rPr kumimoji="1" lang="zh-TW" altLang="en-US" sz="1400" b="1" dirty="0">
-                <a:latin typeface="Microsoft JhengHei" panose="020B0604030504040204" pitchFamily="34" charset="-120"/>
-                <a:ea typeface="Microsoft JhengHei" panose="020B0604030504040204" pitchFamily="34" charset="-120"/>
-              </a:rPr>
-              <a:t>＋</a:t>
-            </a:r>
-            <a:endParaRPr kumimoji="1" lang="en-US" altLang="zh-TW" sz="1400" b="1" dirty="0">
-              <a:latin typeface="Microsoft JhengHei" panose="020B0604030504040204" pitchFamily="34" charset="-120"/>
-              <a:ea typeface="Microsoft JhengHei" panose="020B0604030504040204" pitchFamily="34" charset="-120"/>
-            </a:endParaRPr>
-          </a:p>
-          <a:p>
-            <a:r>
-              <a:rPr kumimoji="1" lang="en-US" altLang="zh-TW" sz="1400" b="1" dirty="0">
-                <a:latin typeface="Microsoft JhengHei" panose="020B0604030504040204" pitchFamily="34" charset="-120"/>
-                <a:ea typeface="Microsoft JhengHei" panose="020B0604030504040204" pitchFamily="34" charset="-120"/>
-              </a:rPr>
-              <a:t>Retrieval</a:t>
-            </a:r>
-            <a:r>
-              <a:rPr kumimoji="1" lang="zh-TW" altLang="en-US" sz="1400" b="1" dirty="0">
-                <a:latin typeface="Microsoft JhengHei" panose="020B0604030504040204" pitchFamily="34" charset="-120"/>
-                <a:ea typeface="Microsoft JhengHei" panose="020B0604030504040204" pitchFamily="34" charset="-120"/>
+              <a:rPr kumimoji="1" lang="zh-TW" altLang="en-US" sz="3200" b="1" dirty="0">
+                <a:latin typeface="+mj-ea"/>
+                <a:ea typeface="+mj-ea"/>
+              </a:rPr>
+              <a:t>為什麼需要 </a:t>
+            </a:r>
+            <a:r>
+              <a:rPr kumimoji="1" lang="en-US" altLang="zh-TW" sz="3200" b="1" dirty="0">
+                <a:solidFill>
+                  <a:srgbClr val="0070C0"/>
+                </a:solidFill>
+                <a:latin typeface="DengXian" panose="02010600030101010101" pitchFamily="2" charset="-122"/>
+                <a:ea typeface="DengXian" panose="02010600030101010101" pitchFamily="2" charset="-122"/>
+              </a:rPr>
+              <a:t>RAG</a:t>
+            </a:r>
+            <a:r>
+              <a:rPr kumimoji="1" lang="zh-TW" altLang="en-US" sz="3200" b="1" dirty="0">
+                <a:solidFill>
+                  <a:srgbClr val="0070C0"/>
+                </a:solidFill>
+                <a:latin typeface="DengXian" panose="02010600030101010101" pitchFamily="2" charset="-122"/>
+                <a:ea typeface="DengXian" panose="02010600030101010101" pitchFamily="2" charset="-122"/>
               </a:rPr>
               <a:t> </a:t>
             </a:r>
             <a:r>
-              <a:rPr kumimoji="1" lang="en-US" altLang="zh-TW" sz="1400" b="1" dirty="0">
-                <a:latin typeface="Microsoft JhengHei" panose="020B0604030504040204" pitchFamily="34" charset="-120"/>
-                <a:ea typeface="Microsoft JhengHei" panose="020B0604030504040204" pitchFamily="34" charset="-120"/>
-              </a:rPr>
-              <a:t>Information:</a:t>
+              <a:rPr kumimoji="1" lang="en-US" altLang="zh-TW" sz="3200" b="1" dirty="0">
+                <a:latin typeface="DengXian" panose="02010600030101010101" pitchFamily="2" charset="-122"/>
+                <a:ea typeface="DengXian" panose="02010600030101010101" pitchFamily="2" charset="-122"/>
+              </a:rPr>
+              <a:t>?</a:t>
             </a:r>
           </a:p>
         </p:txBody>
       </p:sp>
-      <p:sp>
-        <p:nvSpPr>
-          <p:cNvPr id="16" name="文字方塊 15">
-            <a:extLst>
-              <a:ext uri="{FF2B5EF4-FFF2-40B4-BE49-F238E27FC236}">
-                <a16:creationId xmlns:a16="http://schemas.microsoft.com/office/drawing/2014/main" id="{E2ADDB75-8D44-CAEF-7558-28E4672FC295}"/>
-              </a:ext>
-            </a:extLst>
-          </p:cNvPr>
-          <p:cNvSpPr txBox="1"/>
-          <p:nvPr/>
-        </p:nvSpPr>
-        <p:spPr>
-          <a:xfrm>
-            <a:off x="698809" y="2235836"/>
-            <a:ext cx="3048001" cy="738664"/>
-          </a:xfrm>
-          <a:prstGeom prst="rect">
-            <a:avLst/>
-          </a:prstGeom>
-          <a:noFill/>
-        </p:spPr>
-        <p:txBody>
-          <a:bodyPr wrap="square" rtlCol="0">
-            <a:spAutoFit/>
-          </a:bodyPr>
-          <a:lstStyle/>
-          <a:p>
-            <a:r>
-              <a:rPr kumimoji="1" lang="en-US" altLang="zh-TW" sz="1400" b="1" dirty="0">
-                <a:latin typeface="Microsoft JhengHei" panose="020B0604030504040204" pitchFamily="34" charset="-120"/>
-                <a:ea typeface="Microsoft JhengHei" panose="020B0604030504040204" pitchFamily="34" charset="-120"/>
-              </a:rPr>
-              <a:t>Query:</a:t>
-            </a:r>
-            <a:r>
-              <a:rPr kumimoji="1" lang="zh-TW" altLang="en-US" sz="1400" b="1" dirty="0">
-                <a:latin typeface="Microsoft JhengHei" panose="020B0604030504040204" pitchFamily="34" charset="-120"/>
-                <a:ea typeface="Microsoft JhengHei" panose="020B0604030504040204" pitchFamily="34" charset="-120"/>
-              </a:rPr>
-              <a:t> 為什麼 </a:t>
-            </a:r>
-            <a:r>
-              <a:rPr kumimoji="1" lang="en-US" altLang="zh-TW" sz="1400" b="1" dirty="0">
-                <a:latin typeface="Microsoft JhengHei" panose="020B0604030504040204" pitchFamily="34" charset="-120"/>
-                <a:ea typeface="Microsoft JhengHei" panose="020B0604030504040204" pitchFamily="34" charset="-120"/>
-              </a:rPr>
-              <a:t>ML</a:t>
-            </a:r>
-            <a:r>
-              <a:rPr kumimoji="1" lang="zh-TW" altLang="en-US" sz="1400" b="1" dirty="0">
-                <a:latin typeface="Microsoft JhengHei" panose="020B0604030504040204" pitchFamily="34" charset="-120"/>
-                <a:ea typeface="Microsoft JhengHei" panose="020B0604030504040204" pitchFamily="34" charset="-120"/>
-              </a:rPr>
-              <a:t> 需要正規化？</a:t>
-            </a:r>
-            <a:endParaRPr kumimoji="1" lang="en-US" altLang="zh-TW" sz="1400" b="1" dirty="0">
-              <a:latin typeface="Microsoft JhengHei" panose="020B0604030504040204" pitchFamily="34" charset="-120"/>
-              <a:ea typeface="Microsoft JhengHei" panose="020B0604030504040204" pitchFamily="34" charset="-120"/>
-            </a:endParaRPr>
-          </a:p>
-          <a:p>
-            <a:endParaRPr kumimoji="1" lang="en-US" altLang="zh-TW" sz="1400" b="1" dirty="0">
-              <a:latin typeface="Microsoft JhengHei" panose="020B0604030504040204" pitchFamily="34" charset="-120"/>
-              <a:ea typeface="Microsoft JhengHei" panose="020B0604030504040204" pitchFamily="34" charset="-120"/>
-            </a:endParaRPr>
-          </a:p>
-          <a:p>
-            <a:r>
-              <a:rPr kumimoji="1" lang="en-US" altLang="zh-TW" sz="1400" b="1" dirty="0">
-                <a:latin typeface="Microsoft JhengHei" panose="020B0604030504040204" pitchFamily="34" charset="-120"/>
-                <a:ea typeface="Microsoft JhengHei" panose="020B0604030504040204" pitchFamily="34" charset="-120"/>
-              </a:rPr>
-              <a:t>Open</a:t>
-            </a:r>
-            <a:r>
-              <a:rPr kumimoji="1" lang="zh-TW" altLang="en-US" sz="1400" b="1" dirty="0">
-                <a:latin typeface="Microsoft JhengHei" panose="020B0604030504040204" pitchFamily="34" charset="-120"/>
-                <a:ea typeface="Microsoft JhengHei" panose="020B0604030504040204" pitchFamily="34" charset="-120"/>
-              </a:rPr>
-              <a:t> </a:t>
-            </a:r>
-            <a:r>
-              <a:rPr kumimoji="1" lang="en-US" altLang="zh-TW" sz="1400" b="1" dirty="0">
-                <a:latin typeface="Microsoft JhengHei" panose="020B0604030504040204" pitchFamily="34" charset="-120"/>
-                <a:ea typeface="Microsoft JhengHei" panose="020B0604030504040204" pitchFamily="34" charset="-120"/>
-              </a:rPr>
-              <a:t>Book</a:t>
-            </a:r>
-            <a:r>
-              <a:rPr kumimoji="1" lang="zh-TW" altLang="en-US" sz="1400" b="1" dirty="0">
-                <a:latin typeface="Microsoft JhengHei" panose="020B0604030504040204" pitchFamily="34" charset="-120"/>
-                <a:ea typeface="Microsoft JhengHei" panose="020B0604030504040204" pitchFamily="34" charset="-120"/>
-              </a:rPr>
-              <a:t>：</a:t>
-            </a:r>
-            <a:endParaRPr kumimoji="1" lang="en-US" altLang="zh-TW" sz="1400" b="1" dirty="0">
-              <a:latin typeface="Microsoft JhengHei" panose="020B0604030504040204" pitchFamily="34" charset="-120"/>
-              <a:ea typeface="Microsoft JhengHei" panose="020B0604030504040204" pitchFamily="34" charset="-120"/>
-            </a:endParaRPr>
-          </a:p>
-        </p:txBody>
-      </p:sp>
-      <p:sp>
-        <p:nvSpPr>
-          <p:cNvPr id="21" name="圓角矩形 20">
-            <a:extLst>
-              <a:ext uri="{FF2B5EF4-FFF2-40B4-BE49-F238E27FC236}">
-                <a16:creationId xmlns:a16="http://schemas.microsoft.com/office/drawing/2014/main" id="{3BE81B6E-B45E-2E01-FE43-BC4557A05091}"/>
-              </a:ext>
-            </a:extLst>
-          </p:cNvPr>
-          <p:cNvSpPr/>
-          <p:nvPr/>
-        </p:nvSpPr>
-        <p:spPr>
-          <a:xfrm>
-            <a:off x="5854157" y="4888435"/>
-            <a:ext cx="647179" cy="125783"/>
-          </a:xfrm>
-          <a:prstGeom prst="roundRect">
-            <a:avLst>
-              <a:gd name="adj" fmla="val 50000"/>
-            </a:avLst>
-          </a:prstGeom>
-          <a:solidFill>
-            <a:schemeClr val="accent1">
-              <a:lumMod val="10000"/>
-              <a:lumOff val="90000"/>
-            </a:schemeClr>
-          </a:solidFill>
-          <a:ln>
-            <a:noFill/>
-          </a:ln>
-        </p:spPr>
-        <p:style>
-          <a:lnRef idx="2">
-            <a:schemeClr val="accent1">
-              <a:shade val="15000"/>
-            </a:schemeClr>
-          </a:lnRef>
-          <a:fillRef idx="1">
-            <a:schemeClr val="accent1"/>
-          </a:fillRef>
-          <a:effectRef idx="0">
-            <a:schemeClr val="accent1"/>
-          </a:effectRef>
-          <a:fontRef idx="minor">
-            <a:schemeClr val="lt1"/>
-          </a:fontRef>
-        </p:style>
-        <p:txBody>
-          <a:bodyPr rtlCol="0" anchor="ctr"/>
-          <a:lstStyle/>
-          <a:p>
-            <a:pPr algn="ctr"/>
-            <a:endParaRPr kumimoji="1" lang="zh-TW" altLang="en-US"/>
-          </a:p>
-        </p:txBody>
-      </p:sp>
-      <p:sp>
-        <p:nvSpPr>
-          <p:cNvPr id="22" name="矩形 21">
-            <a:extLst>
-              <a:ext uri="{FF2B5EF4-FFF2-40B4-BE49-F238E27FC236}">
-                <a16:creationId xmlns:a16="http://schemas.microsoft.com/office/drawing/2014/main" id="{A04D1377-A1E1-287D-5085-EA6038537319}"/>
-              </a:ext>
-            </a:extLst>
-          </p:cNvPr>
-          <p:cNvSpPr/>
-          <p:nvPr/>
-        </p:nvSpPr>
-        <p:spPr>
-          <a:xfrm>
-            <a:off x="4692721" y="3114342"/>
-            <a:ext cx="2806557" cy="2888148"/>
-          </a:xfrm>
-          <a:prstGeom prst="rect">
-            <a:avLst/>
-          </a:prstGeom>
-          <a:solidFill>
-            <a:schemeClr val="bg1"/>
-          </a:solidFill>
-          <a:ln>
-            <a:noFill/>
-          </a:ln>
-          <a:effectLst>
-            <a:outerShdw blurRad="50800" dist="38100" dir="2700000" algn="tl" rotWithShape="0">
-              <a:prstClr val="black">
-                <a:alpha val="40000"/>
-              </a:prstClr>
-            </a:outerShdw>
-          </a:effectLst>
-        </p:spPr>
-        <p:style>
-          <a:lnRef idx="2">
-            <a:schemeClr val="accent1">
-              <a:shade val="15000"/>
-            </a:schemeClr>
-          </a:lnRef>
-          <a:fillRef idx="1">
-            <a:schemeClr val="accent1"/>
-          </a:fillRef>
-          <a:effectRef idx="0">
-            <a:schemeClr val="accent1"/>
-          </a:effectRef>
-          <a:fontRef idx="minor">
-            <a:schemeClr val="lt1"/>
-          </a:fontRef>
-        </p:style>
-        <p:txBody>
-          <a:bodyPr rtlCol="0" anchor="ctr"/>
-          <a:lstStyle/>
-          <a:p>
-            <a:r>
-              <a:rPr kumimoji="1" lang="en-US" altLang="zh-TW" b="1" dirty="0">
-                <a:solidFill>
-                  <a:schemeClr val="tx1"/>
-                </a:solidFill>
-                <a:latin typeface="DengXian" panose="02010600030101010101" pitchFamily="2" charset="-122"/>
-                <a:ea typeface="DengXian" panose="02010600030101010101" pitchFamily="2" charset="-122"/>
-              </a:rPr>
-              <a:t>Context</a:t>
-            </a:r>
-          </a:p>
-          <a:p>
-            <a:endParaRPr kumimoji="1" lang="en-US" altLang="zh-TW" sz="1400" b="1" dirty="0">
-              <a:solidFill>
-                <a:schemeClr val="tx1"/>
-              </a:solidFill>
-              <a:latin typeface="DengXian" panose="02010600030101010101" pitchFamily="2" charset="-122"/>
-              <a:ea typeface="DengXian" panose="02010600030101010101" pitchFamily="2" charset="-122"/>
-            </a:endParaRPr>
-          </a:p>
-          <a:p>
-            <a:r>
-              <a:rPr kumimoji="1" lang="en-US" altLang="zh-TW" sz="1400" b="1" dirty="0">
-                <a:solidFill>
-                  <a:schemeClr val="tx1"/>
-                </a:solidFill>
-                <a:latin typeface="DengXian" panose="02010600030101010101" pitchFamily="2" charset="-122"/>
-                <a:ea typeface="DengXian" panose="02010600030101010101" pitchFamily="2" charset="-122"/>
-              </a:rPr>
-              <a:t>Chapter</a:t>
-            </a:r>
-            <a:r>
-              <a:rPr kumimoji="1" lang="zh-TW" altLang="en-US" sz="1400" b="1" dirty="0">
-                <a:solidFill>
-                  <a:schemeClr val="tx1"/>
-                </a:solidFill>
-                <a:latin typeface="DengXian" panose="02010600030101010101" pitchFamily="2" charset="-122"/>
-                <a:ea typeface="DengXian" panose="02010600030101010101" pitchFamily="2" charset="-122"/>
-              </a:rPr>
-              <a:t> </a:t>
-            </a:r>
-            <a:r>
-              <a:rPr kumimoji="1" lang="en-US" altLang="zh-TW" sz="1400" b="1" dirty="0">
-                <a:solidFill>
-                  <a:schemeClr val="tx1"/>
-                </a:solidFill>
-                <a:latin typeface="DengXian" panose="02010600030101010101" pitchFamily="2" charset="-122"/>
-                <a:ea typeface="DengXian" panose="02010600030101010101" pitchFamily="2" charset="-122"/>
-              </a:rPr>
-              <a:t>1</a:t>
-            </a:r>
-          </a:p>
-          <a:p>
-            <a:r>
-              <a:rPr kumimoji="1" lang="en-US" altLang="zh-TW" sz="1400" dirty="0">
-                <a:solidFill>
-                  <a:schemeClr val="tx1"/>
-                </a:solidFill>
-                <a:latin typeface="DengXian" panose="02010600030101010101" pitchFamily="2" charset="-122"/>
-                <a:ea typeface="DengXian" panose="02010600030101010101" pitchFamily="2" charset="-122"/>
-              </a:rPr>
-              <a:t>1.1</a:t>
-            </a:r>
-            <a:r>
-              <a:rPr kumimoji="1" lang="zh-TW" altLang="en-US" sz="1400" dirty="0">
-                <a:solidFill>
-                  <a:schemeClr val="tx1"/>
-                </a:solidFill>
-                <a:latin typeface="DengXian" panose="02010600030101010101" pitchFamily="2" charset="-122"/>
-                <a:ea typeface="DengXian" panose="02010600030101010101" pitchFamily="2" charset="-122"/>
-              </a:rPr>
-              <a:t> </a:t>
-            </a:r>
-            <a:r>
-              <a:rPr kumimoji="1" lang="en-US" altLang="zh-TW" sz="1400" dirty="0">
-                <a:solidFill>
-                  <a:schemeClr val="tx1"/>
-                </a:solidFill>
-                <a:latin typeface="DengXian" panose="02010600030101010101" pitchFamily="2" charset="-122"/>
-                <a:ea typeface="DengXian" panose="02010600030101010101" pitchFamily="2" charset="-122"/>
-              </a:rPr>
-              <a:t>One-Hot</a:t>
-            </a:r>
-            <a:r>
-              <a:rPr kumimoji="1" lang="zh-TW" altLang="en-US" sz="1400" dirty="0">
-                <a:solidFill>
-                  <a:schemeClr val="tx1"/>
-                </a:solidFill>
-                <a:latin typeface="DengXian" panose="02010600030101010101" pitchFamily="2" charset="-122"/>
-                <a:ea typeface="DengXian" panose="02010600030101010101" pitchFamily="2" charset="-122"/>
-              </a:rPr>
-              <a:t> </a:t>
-            </a:r>
-            <a:r>
-              <a:rPr kumimoji="1" lang="en-US" altLang="zh-TW" sz="1400" dirty="0">
-                <a:solidFill>
-                  <a:schemeClr val="tx1"/>
-                </a:solidFill>
-                <a:latin typeface="DengXian" panose="02010600030101010101" pitchFamily="2" charset="-122"/>
-                <a:ea typeface="DengXian" panose="02010600030101010101" pitchFamily="2" charset="-122"/>
-              </a:rPr>
-              <a:t>Encoding</a:t>
-            </a:r>
-            <a:r>
-              <a:rPr kumimoji="1" lang="zh-TW" altLang="en-US" sz="1400" dirty="0">
-                <a:solidFill>
-                  <a:schemeClr val="tx1"/>
-                </a:solidFill>
-                <a:latin typeface="DengXian" panose="02010600030101010101" pitchFamily="2" charset="-122"/>
-                <a:ea typeface="DengXian" panose="02010600030101010101" pitchFamily="2" charset="-122"/>
-              </a:rPr>
-              <a:t> </a:t>
-            </a:r>
-            <a:r>
-              <a:rPr kumimoji="1" lang="en-US" altLang="zh-TW" sz="1400" dirty="0">
-                <a:solidFill>
-                  <a:schemeClr val="tx1"/>
-                </a:solidFill>
-                <a:latin typeface="DengXian" panose="02010600030101010101" pitchFamily="2" charset="-122"/>
-                <a:ea typeface="DengXian" panose="02010600030101010101" pitchFamily="2" charset="-122"/>
-              </a:rPr>
-              <a:t>………………</a:t>
-            </a:r>
-          </a:p>
-          <a:p>
-            <a:r>
-              <a:rPr kumimoji="1" lang="en-US" altLang="zh-TW" sz="1400" dirty="0">
-                <a:solidFill>
-                  <a:schemeClr val="tx1"/>
-                </a:solidFill>
-                <a:latin typeface="DengXian" panose="02010600030101010101" pitchFamily="2" charset="-122"/>
-                <a:ea typeface="DengXian" panose="02010600030101010101" pitchFamily="2" charset="-122"/>
-              </a:rPr>
-              <a:t>2.</a:t>
-            </a:r>
-            <a:r>
-              <a:rPr kumimoji="1" lang="zh-TW" altLang="en-US" sz="1400" dirty="0">
-                <a:solidFill>
-                  <a:schemeClr val="tx1"/>
-                </a:solidFill>
-                <a:latin typeface="DengXian" panose="02010600030101010101" pitchFamily="2" charset="-122"/>
-                <a:ea typeface="DengXian" panose="02010600030101010101" pitchFamily="2" charset="-122"/>
-              </a:rPr>
-              <a:t> </a:t>
-            </a:r>
-            <a:r>
-              <a:rPr kumimoji="1" lang="en-US" altLang="zh-TW" sz="1400" dirty="0">
-                <a:solidFill>
-                  <a:schemeClr val="tx1"/>
-                </a:solidFill>
-                <a:latin typeface="DengXian" panose="02010600030101010101" pitchFamily="2" charset="-122"/>
-                <a:ea typeface="DengXian" panose="02010600030101010101" pitchFamily="2" charset="-122"/>
-              </a:rPr>
-              <a:t>Dropout</a:t>
-            </a:r>
-            <a:r>
-              <a:rPr kumimoji="1" lang="zh-TW" altLang="en-US" sz="1400" dirty="0">
-                <a:solidFill>
-                  <a:schemeClr val="tx1"/>
-                </a:solidFill>
-                <a:latin typeface="DengXian" panose="02010600030101010101" pitchFamily="2" charset="-122"/>
-                <a:ea typeface="DengXian" panose="02010600030101010101" pitchFamily="2" charset="-122"/>
-              </a:rPr>
-              <a:t> </a:t>
-            </a:r>
-            <a:r>
-              <a:rPr kumimoji="1" lang="en-US" altLang="zh-TW" sz="1400" dirty="0">
-                <a:solidFill>
-                  <a:schemeClr val="tx1"/>
-                </a:solidFill>
-                <a:latin typeface="DengXian" panose="02010600030101010101" pitchFamily="2" charset="-122"/>
-                <a:ea typeface="DengXian" panose="02010600030101010101" pitchFamily="2" charset="-122"/>
-              </a:rPr>
-              <a:t>…………………………………</a:t>
-            </a:r>
-          </a:p>
-          <a:p>
-            <a:r>
-              <a:rPr kumimoji="1" lang="en-US" altLang="zh-TW" sz="1400" b="1" dirty="0">
-                <a:solidFill>
-                  <a:srgbClr val="0070C0"/>
-                </a:solidFill>
-                <a:latin typeface="DengXian" panose="02010600030101010101" pitchFamily="2" charset="-122"/>
-                <a:ea typeface="DengXian" panose="02010600030101010101" pitchFamily="2" charset="-122"/>
-              </a:rPr>
-              <a:t>3.</a:t>
-            </a:r>
-            <a:r>
-              <a:rPr kumimoji="1" lang="zh-TW" altLang="en-US" sz="1400" b="1" dirty="0">
-                <a:solidFill>
-                  <a:srgbClr val="0070C0"/>
-                </a:solidFill>
-                <a:latin typeface="DengXian" panose="02010600030101010101" pitchFamily="2" charset="-122"/>
-                <a:ea typeface="DengXian" panose="02010600030101010101" pitchFamily="2" charset="-122"/>
-              </a:rPr>
-              <a:t> </a:t>
-            </a:r>
-            <a:r>
-              <a:rPr kumimoji="1" lang="en-US" altLang="zh-TW" sz="1400" b="1" dirty="0">
-                <a:solidFill>
-                  <a:srgbClr val="0070C0"/>
-                </a:solidFill>
-                <a:latin typeface="DengXian" panose="02010600030101010101" pitchFamily="2" charset="-122"/>
-                <a:ea typeface="DengXian" panose="02010600030101010101" pitchFamily="2" charset="-122"/>
-              </a:rPr>
-              <a:t>Regularization</a:t>
-            </a:r>
-            <a:r>
-              <a:rPr kumimoji="1" lang="zh-TW" altLang="en-US" sz="1400" b="1" dirty="0">
-                <a:solidFill>
-                  <a:srgbClr val="0070C0"/>
-                </a:solidFill>
-                <a:latin typeface="DengXian" panose="02010600030101010101" pitchFamily="2" charset="-122"/>
-                <a:ea typeface="DengXian" panose="02010600030101010101" pitchFamily="2" charset="-122"/>
-              </a:rPr>
-              <a:t> </a:t>
-            </a:r>
-            <a:r>
-              <a:rPr kumimoji="1" lang="en-US" altLang="zh-TW" sz="1400" b="1" dirty="0">
-                <a:solidFill>
-                  <a:srgbClr val="0070C0"/>
-                </a:solidFill>
-                <a:latin typeface="DengXian" panose="02010600030101010101" pitchFamily="2" charset="-122"/>
-                <a:ea typeface="DengXian" panose="02010600030101010101" pitchFamily="2" charset="-122"/>
-              </a:rPr>
-              <a:t>……………………</a:t>
-            </a:r>
-          </a:p>
-          <a:p>
-            <a:r>
-              <a:rPr kumimoji="1" lang="en-US" altLang="zh-TW" sz="1400" dirty="0">
-                <a:solidFill>
-                  <a:schemeClr val="tx1"/>
-                </a:solidFill>
-                <a:latin typeface="DengXian" panose="02010600030101010101" pitchFamily="2" charset="-122"/>
-                <a:ea typeface="DengXian" panose="02010600030101010101" pitchFamily="2" charset="-122"/>
-              </a:rPr>
-              <a:t>4.</a:t>
-            </a:r>
-            <a:r>
-              <a:rPr kumimoji="1" lang="zh-TW" altLang="en-US" sz="1400" dirty="0">
-                <a:solidFill>
-                  <a:schemeClr val="tx1"/>
-                </a:solidFill>
-                <a:latin typeface="DengXian" panose="02010600030101010101" pitchFamily="2" charset="-122"/>
-                <a:ea typeface="DengXian" panose="02010600030101010101" pitchFamily="2" charset="-122"/>
-              </a:rPr>
-              <a:t> </a:t>
-            </a:r>
-            <a:r>
-              <a:rPr kumimoji="1" lang="en-US" altLang="zh-TW" sz="1400" dirty="0">
-                <a:solidFill>
-                  <a:schemeClr val="tx1"/>
-                </a:solidFill>
-                <a:latin typeface="DengXian" panose="02010600030101010101" pitchFamily="2" charset="-122"/>
-                <a:ea typeface="DengXian" panose="02010600030101010101" pitchFamily="2" charset="-122"/>
-              </a:rPr>
-              <a:t>Missing</a:t>
-            </a:r>
-            <a:r>
-              <a:rPr kumimoji="1" lang="zh-TW" altLang="en-US" sz="1400" dirty="0">
-                <a:solidFill>
-                  <a:schemeClr val="tx1"/>
-                </a:solidFill>
-                <a:latin typeface="DengXian" panose="02010600030101010101" pitchFamily="2" charset="-122"/>
-                <a:ea typeface="DengXian" panose="02010600030101010101" pitchFamily="2" charset="-122"/>
-              </a:rPr>
-              <a:t> </a:t>
-            </a:r>
-            <a:r>
-              <a:rPr kumimoji="1" lang="en-US" altLang="zh-TW" sz="1400" dirty="0">
-                <a:solidFill>
-                  <a:schemeClr val="tx1"/>
-                </a:solidFill>
-                <a:latin typeface="DengXian" panose="02010600030101010101" pitchFamily="2" charset="-122"/>
-                <a:ea typeface="DengXian" panose="02010600030101010101" pitchFamily="2" charset="-122"/>
-              </a:rPr>
-              <a:t>Data</a:t>
-            </a:r>
-            <a:r>
-              <a:rPr kumimoji="1" lang="zh-TW" altLang="en-US" sz="1400" dirty="0">
-                <a:solidFill>
-                  <a:schemeClr val="tx1"/>
-                </a:solidFill>
-                <a:latin typeface="DengXian" panose="02010600030101010101" pitchFamily="2" charset="-122"/>
-                <a:ea typeface="DengXian" panose="02010600030101010101" pitchFamily="2" charset="-122"/>
-              </a:rPr>
-              <a:t> </a:t>
-            </a:r>
-            <a:r>
-              <a:rPr kumimoji="1" lang="en-US" altLang="zh-TW" sz="1400" dirty="0">
-                <a:solidFill>
-                  <a:schemeClr val="tx1"/>
-                </a:solidFill>
-                <a:latin typeface="DengXian" panose="02010600030101010101" pitchFamily="2" charset="-122"/>
-                <a:ea typeface="DengXian" panose="02010600030101010101" pitchFamily="2" charset="-122"/>
-              </a:rPr>
-              <a:t>……………………………</a:t>
-            </a:r>
-          </a:p>
-          <a:p>
-            <a:r>
-              <a:rPr kumimoji="1" lang="en-US" altLang="zh-TW" sz="1400" b="1" dirty="0">
-                <a:solidFill>
-                  <a:schemeClr val="tx1"/>
-                </a:solidFill>
-                <a:latin typeface="DengXian" panose="02010600030101010101" pitchFamily="2" charset="-122"/>
-                <a:ea typeface="DengXian" panose="02010600030101010101" pitchFamily="2" charset="-122"/>
-              </a:rPr>
-              <a:t>Chapter</a:t>
-            </a:r>
-            <a:r>
-              <a:rPr kumimoji="1" lang="zh-TW" altLang="en-US" sz="1400" b="1" dirty="0">
-                <a:solidFill>
-                  <a:schemeClr val="tx1"/>
-                </a:solidFill>
-                <a:latin typeface="DengXian" panose="02010600030101010101" pitchFamily="2" charset="-122"/>
-                <a:ea typeface="DengXian" panose="02010600030101010101" pitchFamily="2" charset="-122"/>
-              </a:rPr>
-              <a:t> </a:t>
-            </a:r>
-            <a:r>
-              <a:rPr kumimoji="1" lang="en-US" altLang="zh-TW" sz="1400" b="1" dirty="0">
-                <a:solidFill>
-                  <a:schemeClr val="tx1"/>
-                </a:solidFill>
-                <a:latin typeface="DengXian" panose="02010600030101010101" pitchFamily="2" charset="-122"/>
-                <a:ea typeface="DengXian" panose="02010600030101010101" pitchFamily="2" charset="-122"/>
-              </a:rPr>
-              <a:t>2</a:t>
-            </a:r>
-          </a:p>
-          <a:p>
-            <a:pPr marL="342900" indent="-342900">
-              <a:buAutoNum type="arabicPeriod"/>
-            </a:pPr>
-            <a:r>
-              <a:rPr kumimoji="1" lang="en-US" altLang="zh-TW" sz="1400" dirty="0">
-                <a:solidFill>
-                  <a:schemeClr val="tx1"/>
-                </a:solidFill>
-                <a:latin typeface="DengXian" panose="02010600030101010101" pitchFamily="2" charset="-122"/>
-                <a:ea typeface="DengXian" panose="02010600030101010101" pitchFamily="2" charset="-122"/>
-              </a:rPr>
-              <a:t>CNN</a:t>
-            </a:r>
-            <a:r>
-              <a:rPr kumimoji="1" lang="zh-TW" altLang="en-US" sz="1400" dirty="0">
-                <a:solidFill>
-                  <a:schemeClr val="tx1"/>
-                </a:solidFill>
-                <a:latin typeface="DengXian" panose="02010600030101010101" pitchFamily="2" charset="-122"/>
-                <a:ea typeface="DengXian" panose="02010600030101010101" pitchFamily="2" charset="-122"/>
-              </a:rPr>
-              <a:t> </a:t>
-            </a:r>
-            <a:r>
-              <a:rPr kumimoji="1" lang="en-US" altLang="zh-TW" sz="1400" dirty="0">
-                <a:solidFill>
-                  <a:schemeClr val="tx1"/>
-                </a:solidFill>
-                <a:latin typeface="DengXian" panose="02010600030101010101" pitchFamily="2" charset="-122"/>
-                <a:ea typeface="DengXian" panose="02010600030101010101" pitchFamily="2" charset="-122"/>
-              </a:rPr>
-              <a:t>………………………………………</a:t>
-            </a:r>
-          </a:p>
-          <a:p>
-            <a:pPr marL="342900" indent="-342900">
-              <a:buAutoNum type="arabicPeriod"/>
-            </a:pPr>
-            <a:r>
-              <a:rPr kumimoji="1" lang="en-US" altLang="zh-TW" sz="1400" dirty="0">
-                <a:solidFill>
-                  <a:schemeClr val="tx1"/>
-                </a:solidFill>
-                <a:latin typeface="DengXian" panose="02010600030101010101" pitchFamily="2" charset="-122"/>
-                <a:ea typeface="DengXian" panose="02010600030101010101" pitchFamily="2" charset="-122"/>
-              </a:rPr>
-              <a:t>RNN</a:t>
-            </a:r>
-            <a:r>
-              <a:rPr kumimoji="1" lang="zh-TW" altLang="en-US" sz="1400" dirty="0">
-                <a:solidFill>
-                  <a:schemeClr val="tx1"/>
-                </a:solidFill>
-                <a:latin typeface="DengXian" panose="02010600030101010101" pitchFamily="2" charset="-122"/>
-                <a:ea typeface="DengXian" panose="02010600030101010101" pitchFamily="2" charset="-122"/>
-              </a:rPr>
-              <a:t> </a:t>
-            </a:r>
-            <a:r>
-              <a:rPr kumimoji="1" lang="en-US" altLang="zh-TW" sz="1400" dirty="0">
-                <a:solidFill>
-                  <a:schemeClr val="tx1"/>
-                </a:solidFill>
-                <a:latin typeface="DengXian" panose="02010600030101010101" pitchFamily="2" charset="-122"/>
-                <a:ea typeface="DengXian" panose="02010600030101010101" pitchFamily="2" charset="-122"/>
-              </a:rPr>
-              <a:t>………………………………………</a:t>
-            </a:r>
-          </a:p>
-          <a:p>
-            <a:pPr marL="342900" indent="-342900">
-              <a:buAutoNum type="arabicPeriod"/>
-            </a:pPr>
-            <a:r>
-              <a:rPr kumimoji="1" lang="en-US" altLang="zh-TW" sz="1400" dirty="0">
-                <a:solidFill>
-                  <a:schemeClr val="tx1"/>
-                </a:solidFill>
-                <a:latin typeface="DengXian" panose="02010600030101010101" pitchFamily="2" charset="-122"/>
-                <a:ea typeface="DengXian" panose="02010600030101010101" pitchFamily="2" charset="-122"/>
-              </a:rPr>
-              <a:t>LSTM</a:t>
-            </a:r>
-            <a:r>
-              <a:rPr kumimoji="1" lang="zh-TW" altLang="en-US" sz="1400" dirty="0">
-                <a:solidFill>
-                  <a:schemeClr val="tx1"/>
-                </a:solidFill>
-                <a:latin typeface="DengXian" panose="02010600030101010101" pitchFamily="2" charset="-122"/>
-                <a:ea typeface="DengXian" panose="02010600030101010101" pitchFamily="2" charset="-122"/>
-              </a:rPr>
-              <a:t> </a:t>
-            </a:r>
-            <a:r>
-              <a:rPr kumimoji="1" lang="en-US" altLang="zh-TW" sz="1400" dirty="0">
-                <a:solidFill>
-                  <a:schemeClr val="tx1"/>
-                </a:solidFill>
-                <a:latin typeface="DengXian" panose="02010600030101010101" pitchFamily="2" charset="-122"/>
-                <a:ea typeface="DengXian" panose="02010600030101010101" pitchFamily="2" charset="-122"/>
-              </a:rPr>
-              <a:t>……………………………………</a:t>
-            </a:r>
-          </a:p>
-          <a:p>
-            <a:pPr marL="342900" indent="-342900">
-              <a:buAutoNum type="arabicPeriod"/>
-            </a:pPr>
-            <a:r>
-              <a:rPr kumimoji="1" lang="en-US" altLang="zh-TW" sz="1400" dirty="0">
-                <a:solidFill>
-                  <a:schemeClr val="tx1"/>
-                </a:solidFill>
-                <a:latin typeface="DengXian" panose="02010600030101010101" pitchFamily="2" charset="-122"/>
-                <a:ea typeface="DengXian" panose="02010600030101010101" pitchFamily="2" charset="-122"/>
-              </a:rPr>
-              <a:t>Transformer</a:t>
-            </a:r>
-            <a:r>
-              <a:rPr kumimoji="1" lang="zh-TW" altLang="en-US" sz="1400" dirty="0">
-                <a:solidFill>
-                  <a:schemeClr val="tx1"/>
-                </a:solidFill>
-                <a:latin typeface="DengXian" panose="02010600030101010101" pitchFamily="2" charset="-122"/>
-                <a:ea typeface="DengXian" panose="02010600030101010101" pitchFamily="2" charset="-122"/>
-              </a:rPr>
-              <a:t> </a:t>
-            </a:r>
-            <a:r>
-              <a:rPr kumimoji="1" lang="en-US" altLang="zh-TW" sz="1400" dirty="0">
-                <a:solidFill>
-                  <a:schemeClr val="tx1"/>
-                </a:solidFill>
-                <a:latin typeface="DengXian" panose="02010600030101010101" pitchFamily="2" charset="-122"/>
-                <a:ea typeface="DengXian" panose="02010600030101010101" pitchFamily="2" charset="-122"/>
-              </a:rPr>
-              <a:t>…………………………</a:t>
-            </a:r>
-          </a:p>
-          <a:p>
-            <a:pPr marL="342900" indent="-342900">
-              <a:buAutoNum type="arabicPeriod"/>
-            </a:pPr>
-            <a:endParaRPr kumimoji="1" lang="zh-TW" altLang="en-US" sz="1400" dirty="0">
-              <a:solidFill>
-                <a:schemeClr val="tx1"/>
-              </a:solidFill>
-              <a:latin typeface="DengXian" panose="02010600030101010101" pitchFamily="2" charset="-122"/>
-              <a:ea typeface="DengXian" panose="02010600030101010101" pitchFamily="2" charset="-122"/>
-            </a:endParaRPr>
-          </a:p>
-        </p:txBody>
-      </p:sp>
-      <p:sp>
-        <p:nvSpPr>
-          <p:cNvPr id="24" name="文字方塊 23">
-            <a:extLst>
-              <a:ext uri="{FF2B5EF4-FFF2-40B4-BE49-F238E27FC236}">
-                <a16:creationId xmlns:a16="http://schemas.microsoft.com/office/drawing/2014/main" id="{2443F257-47AC-D2B8-EFFF-363A6627BE87}"/>
-              </a:ext>
-            </a:extLst>
-          </p:cNvPr>
-          <p:cNvSpPr txBox="1"/>
-          <p:nvPr/>
-        </p:nvSpPr>
-        <p:spPr>
-          <a:xfrm>
-            <a:off x="4571998" y="2235836"/>
-            <a:ext cx="3048001" cy="307777"/>
-          </a:xfrm>
-          <a:prstGeom prst="rect">
-            <a:avLst/>
-          </a:prstGeom>
-          <a:noFill/>
-        </p:spPr>
-        <p:txBody>
-          <a:bodyPr wrap="square" rtlCol="0">
-            <a:spAutoFit/>
-          </a:bodyPr>
-          <a:lstStyle/>
-          <a:p>
-            <a:r>
-              <a:rPr kumimoji="1" lang="en-US" altLang="zh-TW" sz="1400" b="1" dirty="0">
-                <a:latin typeface="Microsoft JhengHei" panose="020B0604030504040204" pitchFamily="34" charset="-120"/>
-                <a:ea typeface="Microsoft JhengHei" panose="020B0604030504040204" pitchFamily="34" charset="-120"/>
-              </a:rPr>
-              <a:t>Query:</a:t>
-            </a:r>
-            <a:r>
-              <a:rPr kumimoji="1" lang="zh-TW" altLang="en-US" sz="1400" b="1" dirty="0">
-                <a:latin typeface="Microsoft JhengHei" panose="020B0604030504040204" pitchFamily="34" charset="-120"/>
-                <a:ea typeface="Microsoft JhengHei" panose="020B0604030504040204" pitchFamily="34" charset="-120"/>
-              </a:rPr>
-              <a:t> 為什麼 </a:t>
-            </a:r>
-            <a:r>
-              <a:rPr kumimoji="1" lang="en-US" altLang="zh-TW" sz="1400" b="1" dirty="0">
-                <a:latin typeface="Microsoft JhengHei" panose="020B0604030504040204" pitchFamily="34" charset="-120"/>
-                <a:ea typeface="Microsoft JhengHei" panose="020B0604030504040204" pitchFamily="34" charset="-120"/>
-              </a:rPr>
-              <a:t>ML</a:t>
-            </a:r>
-            <a:r>
-              <a:rPr kumimoji="1" lang="zh-TW" altLang="en-US" sz="1400" b="1" dirty="0">
-                <a:latin typeface="Microsoft JhengHei" panose="020B0604030504040204" pitchFamily="34" charset="-120"/>
-                <a:ea typeface="Microsoft JhengHei" panose="020B0604030504040204" pitchFamily="34" charset="-120"/>
-              </a:rPr>
-              <a:t> 需要正規化？</a:t>
-            </a:r>
-            <a:endParaRPr kumimoji="1" lang="en-US" altLang="zh-TW" sz="1400" b="1" dirty="0">
-              <a:latin typeface="Microsoft JhengHei" panose="020B0604030504040204" pitchFamily="34" charset="-120"/>
-              <a:ea typeface="Microsoft JhengHei" panose="020B0604030504040204" pitchFamily="34" charset="-120"/>
-            </a:endParaRPr>
-          </a:p>
-        </p:txBody>
-      </p:sp>
-      <p:sp>
-        <p:nvSpPr>
-          <p:cNvPr id="27" name="文字方塊 26">
-            <a:extLst>
-              <a:ext uri="{FF2B5EF4-FFF2-40B4-BE49-F238E27FC236}">
-                <a16:creationId xmlns:a16="http://schemas.microsoft.com/office/drawing/2014/main" id="{2462C33F-F23B-5113-F2CB-70E0BD12AF40}"/>
-              </a:ext>
-            </a:extLst>
-          </p:cNvPr>
-          <p:cNvSpPr txBox="1"/>
-          <p:nvPr/>
-        </p:nvSpPr>
-        <p:spPr>
-          <a:xfrm>
-            <a:off x="6242359" y="3429000"/>
-            <a:ext cx="1224338" cy="276999"/>
-          </a:xfrm>
-          <a:prstGeom prst="rect">
-            <a:avLst/>
-          </a:prstGeom>
-          <a:noFill/>
-        </p:spPr>
-        <p:txBody>
-          <a:bodyPr wrap="square" rtlCol="0">
-            <a:spAutoFit/>
-          </a:bodyPr>
-          <a:lstStyle/>
-          <a:p>
-            <a:r>
-              <a:rPr kumimoji="1" lang="zh-TW" altLang="en-US" sz="1200" b="1" dirty="0">
-                <a:solidFill>
-                  <a:srgbClr val="0070C0"/>
-                </a:solidFill>
-                <a:latin typeface="Microsoft JhengHei" panose="020B0604030504040204" pitchFamily="34" charset="-120"/>
-                <a:ea typeface="Microsoft JhengHei" panose="020B0604030504040204" pitchFamily="34" charset="-120"/>
-              </a:rPr>
-              <a:t>搜尋答案</a:t>
-            </a:r>
-            <a:endParaRPr kumimoji="1" lang="en-US" altLang="zh-TW" sz="1200" b="1" dirty="0">
-              <a:solidFill>
-                <a:srgbClr val="0070C0"/>
-              </a:solidFill>
-              <a:latin typeface="Microsoft JhengHei" panose="020B0604030504040204" pitchFamily="34" charset="-120"/>
-              <a:ea typeface="Microsoft JhengHei" panose="020B0604030504040204" pitchFamily="34" charset="-120"/>
-            </a:endParaRPr>
-          </a:p>
-        </p:txBody>
-      </p:sp>
-      <p:sp>
-        <p:nvSpPr>
-          <p:cNvPr id="28" name="矩形 27">
-            <a:extLst>
-              <a:ext uri="{FF2B5EF4-FFF2-40B4-BE49-F238E27FC236}">
-                <a16:creationId xmlns:a16="http://schemas.microsoft.com/office/drawing/2014/main" id="{A4641103-3AB2-C106-5CDF-D6A1D277CC21}"/>
-              </a:ext>
-            </a:extLst>
-          </p:cNvPr>
-          <p:cNvSpPr/>
-          <p:nvPr/>
-        </p:nvSpPr>
-        <p:spPr>
-          <a:xfrm>
-            <a:off x="8502725" y="3114343"/>
-            <a:ext cx="2806557" cy="1026142"/>
-          </a:xfrm>
-          <a:prstGeom prst="rect">
-            <a:avLst/>
-          </a:prstGeom>
-          <a:solidFill>
-            <a:schemeClr val="bg1"/>
-          </a:solidFill>
-          <a:ln>
-            <a:noFill/>
-          </a:ln>
-          <a:effectLst>
-            <a:outerShdw blurRad="50800" dist="38100" dir="2700000" algn="tl" rotWithShape="0">
-              <a:prstClr val="black">
-                <a:alpha val="40000"/>
-              </a:prstClr>
-            </a:outerShdw>
-          </a:effectLst>
-        </p:spPr>
-        <p:style>
-          <a:lnRef idx="2">
-            <a:schemeClr val="accent1">
-              <a:shade val="15000"/>
-            </a:schemeClr>
-          </a:lnRef>
-          <a:fillRef idx="1">
-            <a:schemeClr val="accent1"/>
-          </a:fillRef>
-          <a:effectRef idx="0">
-            <a:schemeClr val="accent1"/>
-          </a:effectRef>
-          <a:fontRef idx="minor">
-            <a:schemeClr val="lt1"/>
-          </a:fontRef>
-        </p:style>
-        <p:txBody>
-          <a:bodyPr rtlCol="0" anchor="t"/>
-          <a:lstStyle/>
-          <a:p>
-            <a:r>
-              <a:rPr kumimoji="1" lang="en-US" altLang="zh-TW" sz="1400" b="1" dirty="0">
-                <a:solidFill>
-                  <a:schemeClr val="tx1"/>
-                </a:solidFill>
-                <a:latin typeface="DengXian" panose="02010600030101010101" pitchFamily="2" charset="-122"/>
-                <a:ea typeface="DengXian" panose="02010600030101010101" pitchFamily="2" charset="-122"/>
-              </a:rPr>
-              <a:t>1.3</a:t>
-            </a:r>
-            <a:r>
-              <a:rPr kumimoji="1" lang="zh-TW" altLang="en-US" sz="1400" b="1" dirty="0">
-                <a:solidFill>
-                  <a:schemeClr val="tx1"/>
-                </a:solidFill>
-                <a:latin typeface="DengXian" panose="02010600030101010101" pitchFamily="2" charset="-122"/>
-                <a:ea typeface="DengXian" panose="02010600030101010101" pitchFamily="2" charset="-122"/>
-              </a:rPr>
-              <a:t> </a:t>
-            </a:r>
-            <a:r>
-              <a:rPr kumimoji="1" lang="en-US" altLang="zh-TW" sz="1400" b="1" dirty="0">
-                <a:solidFill>
-                  <a:schemeClr val="tx1"/>
-                </a:solidFill>
-                <a:latin typeface="DengXian" panose="02010600030101010101" pitchFamily="2" charset="-122"/>
-                <a:ea typeface="DengXian" panose="02010600030101010101" pitchFamily="2" charset="-122"/>
-              </a:rPr>
-              <a:t>Regularization</a:t>
-            </a:r>
-            <a:r>
-              <a:rPr kumimoji="1" lang="zh-TW" altLang="en-US" sz="1400" b="1" dirty="0">
-                <a:solidFill>
-                  <a:schemeClr val="tx1"/>
-                </a:solidFill>
-                <a:latin typeface="DengXian" panose="02010600030101010101" pitchFamily="2" charset="-122"/>
-                <a:ea typeface="DengXian" panose="02010600030101010101" pitchFamily="2" charset="-122"/>
-              </a:rPr>
-              <a:t>：</a:t>
-            </a:r>
-            <a:endParaRPr kumimoji="1" lang="en-US" altLang="zh-TW" sz="1400" b="1" dirty="0">
-              <a:solidFill>
-                <a:schemeClr val="tx1"/>
-              </a:solidFill>
-              <a:latin typeface="DengXian" panose="02010600030101010101" pitchFamily="2" charset="-122"/>
-              <a:ea typeface="DengXian" panose="02010600030101010101" pitchFamily="2" charset="-122"/>
-            </a:endParaRPr>
-          </a:p>
-          <a:p>
-            <a:r>
-              <a:rPr kumimoji="1" lang="en-US" altLang="zh-TW" sz="1400" b="1" dirty="0">
-                <a:solidFill>
-                  <a:schemeClr val="tx1"/>
-                </a:solidFill>
-                <a:latin typeface="DengXian" panose="02010600030101010101" pitchFamily="2" charset="-122"/>
-                <a:ea typeface="DengXian" panose="02010600030101010101" pitchFamily="2" charset="-122"/>
-              </a:rPr>
-              <a:t>xxxxxxxxxxxxxxxxxxxxxxxxxxxxxxxxxxxxxxxxxxxxxxxxxxxxxxxxxxxxxxxxx</a:t>
-            </a:r>
-          </a:p>
-          <a:p>
-            <a:endParaRPr kumimoji="1" lang="en-US" altLang="zh-TW" sz="1400" b="1" dirty="0">
-              <a:solidFill>
-                <a:schemeClr val="tx1"/>
-              </a:solidFill>
-              <a:latin typeface="DengXian" panose="02010600030101010101" pitchFamily="2" charset="-122"/>
-              <a:ea typeface="DengXian" panose="02010600030101010101" pitchFamily="2" charset="-122"/>
-            </a:endParaRPr>
-          </a:p>
-          <a:p>
-            <a:endParaRPr kumimoji="1" lang="en-US" altLang="zh-TW" sz="1400" b="1" dirty="0">
-              <a:solidFill>
-                <a:schemeClr val="tx1"/>
-              </a:solidFill>
-              <a:latin typeface="DengXian" panose="02010600030101010101" pitchFamily="2" charset="-122"/>
-              <a:ea typeface="DengXian" panose="02010600030101010101" pitchFamily="2" charset="-122"/>
-            </a:endParaRPr>
-          </a:p>
-        </p:txBody>
-      </p:sp>
-      <p:sp>
-        <p:nvSpPr>
-          <p:cNvPr id="29" name="三角形 28">
-            <a:extLst>
-              <a:ext uri="{FF2B5EF4-FFF2-40B4-BE49-F238E27FC236}">
-                <a16:creationId xmlns:a16="http://schemas.microsoft.com/office/drawing/2014/main" id="{8DFC2E77-F3D3-074A-99FA-C0D5D19F8147}"/>
-              </a:ext>
-            </a:extLst>
-          </p:cNvPr>
-          <p:cNvSpPr/>
-          <p:nvPr/>
-        </p:nvSpPr>
-        <p:spPr>
-          <a:xfrm rot="10800000">
-            <a:off x="8643564" y="4460811"/>
-            <a:ext cx="2524878" cy="195209"/>
-          </a:xfrm>
-          <a:prstGeom prst="triangle">
-            <a:avLst/>
-          </a:prstGeom>
-          <a:solidFill>
-            <a:schemeClr val="accent1">
-              <a:lumMod val="25000"/>
-              <a:lumOff val="75000"/>
-            </a:schemeClr>
-          </a:solidFill>
-          <a:ln>
-            <a:noFill/>
-          </a:ln>
-        </p:spPr>
-        <p:style>
-          <a:lnRef idx="2">
-            <a:schemeClr val="accent1">
-              <a:shade val="15000"/>
-            </a:schemeClr>
-          </a:lnRef>
-          <a:fillRef idx="1">
-            <a:schemeClr val="accent1"/>
-          </a:fillRef>
-          <a:effectRef idx="0">
-            <a:schemeClr val="accent1"/>
-          </a:effectRef>
-          <a:fontRef idx="minor">
-            <a:schemeClr val="lt1"/>
-          </a:fontRef>
-        </p:style>
-        <p:txBody>
-          <a:bodyPr rtlCol="0" anchor="ctr"/>
-          <a:lstStyle/>
-          <a:p>
-            <a:pPr algn="ctr"/>
-            <a:endParaRPr kumimoji="1" lang="zh-TW" altLang="en-US"/>
-          </a:p>
-        </p:txBody>
-      </p:sp>
-      <p:sp>
-        <p:nvSpPr>
-          <p:cNvPr id="30" name="文字方塊 29">
-            <a:extLst>
-              <a:ext uri="{FF2B5EF4-FFF2-40B4-BE49-F238E27FC236}">
-                <a16:creationId xmlns:a16="http://schemas.microsoft.com/office/drawing/2014/main" id="{BE44A0D8-EEFC-2F68-F060-9732052FCB82}"/>
-              </a:ext>
-            </a:extLst>
-          </p:cNvPr>
-          <p:cNvSpPr txBox="1"/>
-          <p:nvPr/>
-        </p:nvSpPr>
-        <p:spPr>
-          <a:xfrm>
-            <a:off x="8719761" y="5082277"/>
-            <a:ext cx="2524878" cy="307777"/>
-          </a:xfrm>
-          <a:prstGeom prst="rect">
-            <a:avLst/>
-          </a:prstGeom>
-          <a:noFill/>
-        </p:spPr>
-        <p:txBody>
-          <a:bodyPr wrap="square" rtlCol="0">
-            <a:spAutoFit/>
-          </a:bodyPr>
-          <a:lstStyle/>
-          <a:p>
-            <a:r>
-              <a:rPr kumimoji="1" lang="en-US" altLang="zh-TW" sz="1400" b="1" dirty="0">
-                <a:latin typeface="DengXian" panose="02010600030101010101" pitchFamily="2" charset="-122"/>
-                <a:ea typeface="DengXian" panose="02010600030101010101" pitchFamily="2" charset="-122"/>
-              </a:rPr>
-              <a:t>Answer:</a:t>
-            </a:r>
-            <a:r>
-              <a:rPr kumimoji="1" lang="zh-TW" altLang="en-US" sz="1400" b="1" dirty="0">
-                <a:latin typeface="DengXian" panose="02010600030101010101" pitchFamily="2" charset="-122"/>
-                <a:ea typeface="DengXian" panose="02010600030101010101" pitchFamily="2" charset="-122"/>
-              </a:rPr>
-              <a:t> </a:t>
-            </a:r>
-            <a:r>
-              <a:rPr kumimoji="1" lang="zh-TW" altLang="en-US" sz="1400" b="1" dirty="0">
-                <a:latin typeface="Microsoft JhengHei" panose="020B0604030504040204" pitchFamily="34" charset="-120"/>
-                <a:ea typeface="Microsoft JhengHei" panose="020B0604030504040204" pitchFamily="34" charset="-120"/>
-              </a:rPr>
-              <a:t>防止 </a:t>
-            </a:r>
-            <a:r>
-              <a:rPr kumimoji="1" lang="en-US" altLang="zh-TW" sz="1400" b="1" dirty="0">
-                <a:latin typeface="DengXian" panose="02010600030101010101" pitchFamily="2" charset="-122"/>
-                <a:ea typeface="DengXian" panose="02010600030101010101" pitchFamily="2" charset="-122"/>
-              </a:rPr>
-              <a:t>Overfitting</a:t>
-            </a:r>
-          </a:p>
-        </p:txBody>
-      </p:sp>
-      <p:sp>
-        <p:nvSpPr>
-          <p:cNvPr id="2" name="投影片編號版面配置區 1">
-            <a:extLst>
-              <a:ext uri="{FF2B5EF4-FFF2-40B4-BE49-F238E27FC236}">
-                <a16:creationId xmlns:a16="http://schemas.microsoft.com/office/drawing/2014/main" id="{C2C159C8-4D71-DE3F-080B-E4F49B4AA4BD}"/>
-              </a:ext>
-            </a:extLst>
-          </p:cNvPr>
-          <p:cNvSpPr>
-            <a:spLocks noGrp="1"/>
-          </p:cNvSpPr>
-          <p:nvPr>
-            <p:ph type="sldNum" sz="quarter" idx="12"/>
-          </p:nvPr>
-        </p:nvSpPr>
-        <p:spPr/>
-        <p:txBody>
-          <a:bodyPr/>
-          <a:lstStyle/>
-          <a:p>
-            <a:fld id="{1CF45AF8-4138-9146-B609-F50164E207FA}" type="slidenum">
-              <a:rPr kumimoji="1" lang="zh-TW" altLang="en-US" smtClean="0"/>
-              <a:t>8</a:t>
-            </a:fld>
-            <a:endParaRPr kumimoji="1" lang="zh-TW" altLang="en-US"/>
-          </a:p>
-        </p:txBody>
-      </p:sp>
-      <p:cxnSp>
-        <p:nvCxnSpPr>
-          <p:cNvPr id="6" name="曲線接點 5">
-            <a:extLst>
-              <a:ext uri="{FF2B5EF4-FFF2-40B4-BE49-F238E27FC236}">
-                <a16:creationId xmlns:a16="http://schemas.microsoft.com/office/drawing/2014/main" id="{63C0EA9A-4B30-C6BD-1958-9E51E75C0908}"/>
-              </a:ext>
-            </a:extLst>
-          </p:cNvPr>
-          <p:cNvCxnSpPr>
-            <a:cxnSpLocks/>
-          </p:cNvCxnSpPr>
-          <p:nvPr/>
-        </p:nvCxnSpPr>
-        <p:spPr>
-          <a:xfrm rot="5400000">
-            <a:off x="5408986" y="2988784"/>
-            <a:ext cx="1734998" cy="844655"/>
-          </a:xfrm>
-          <a:prstGeom prst="curvedConnector3">
-            <a:avLst>
-              <a:gd name="adj1" fmla="val 50000"/>
-            </a:avLst>
-          </a:prstGeom>
-          <a:ln w="12700">
-            <a:solidFill>
-              <a:srgbClr val="0070C0"/>
-            </a:solidFill>
-            <a:tailEnd type="triangle"/>
-          </a:ln>
-        </p:spPr>
-        <p:style>
-          <a:lnRef idx="1">
-            <a:schemeClr val="accent1"/>
-          </a:lnRef>
-          <a:fillRef idx="0">
-            <a:schemeClr val="accent1"/>
-          </a:fillRef>
-          <a:effectRef idx="0">
-            <a:schemeClr val="accent1"/>
-          </a:effectRef>
-          <a:fontRef idx="minor">
-            <a:schemeClr val="tx1"/>
-          </a:fontRef>
-        </p:style>
-      </p:cxnSp>
-      <p:grpSp>
-        <p:nvGrpSpPr>
-          <p:cNvPr id="37" name="群組 36">
-            <a:extLst>
-              <a:ext uri="{FF2B5EF4-FFF2-40B4-BE49-F238E27FC236}">
-                <a16:creationId xmlns:a16="http://schemas.microsoft.com/office/drawing/2014/main" id="{0FF04523-D2EC-52C9-341D-6FC74CC48F68}"/>
-              </a:ext>
-            </a:extLst>
-          </p:cNvPr>
-          <p:cNvGrpSpPr/>
-          <p:nvPr/>
-        </p:nvGrpSpPr>
-        <p:grpSpPr>
-          <a:xfrm>
-            <a:off x="865755" y="3070846"/>
-            <a:ext cx="2607652" cy="3144398"/>
-            <a:chOff x="865755" y="3070846"/>
-            <a:chExt cx="2607652" cy="3144398"/>
-          </a:xfrm>
-        </p:grpSpPr>
-        <p:pic>
-          <p:nvPicPr>
-            <p:cNvPr id="15" name="圖片 14">
-              <a:extLst>
-                <a:ext uri="{FF2B5EF4-FFF2-40B4-BE49-F238E27FC236}">
-                  <a16:creationId xmlns:a16="http://schemas.microsoft.com/office/drawing/2014/main" id="{7010249A-88AC-4FF7-323A-EDA42D847BDA}"/>
-                </a:ext>
-              </a:extLst>
-            </p:cNvPr>
-            <p:cNvPicPr>
-              <a:picLocks noChangeAspect="1"/>
-            </p:cNvPicPr>
-            <p:nvPr/>
-          </p:nvPicPr>
-          <p:blipFill>
-            <a:blip r:embed="rId2"/>
-            <a:stretch>
-              <a:fillRect/>
-            </a:stretch>
-          </p:blipFill>
-          <p:spPr>
-            <a:xfrm>
-              <a:off x="1272638" y="3327096"/>
-              <a:ext cx="2200769" cy="2888148"/>
-            </a:xfrm>
-            <a:prstGeom prst="rect">
-              <a:avLst/>
-            </a:prstGeom>
-            <a:ln>
-              <a:noFill/>
-            </a:ln>
-            <a:effectLst>
-              <a:outerShdw blurRad="292100" dist="139700" dir="2700000" algn="tl" rotWithShape="0">
-                <a:srgbClr val="333333">
-                  <a:alpha val="65000"/>
-                </a:srgbClr>
-              </a:outerShdw>
-            </a:effectLst>
-          </p:spPr>
-        </p:pic>
-        <p:pic>
-          <p:nvPicPr>
-            <p:cNvPr id="35" name="圖片 34">
-              <a:extLst>
-                <a:ext uri="{FF2B5EF4-FFF2-40B4-BE49-F238E27FC236}">
-                  <a16:creationId xmlns:a16="http://schemas.microsoft.com/office/drawing/2014/main" id="{7878A4C5-3AFB-92AC-193B-D4A070D92289}"/>
-                </a:ext>
-              </a:extLst>
-            </p:cNvPr>
-            <p:cNvPicPr>
-              <a:picLocks noChangeAspect="1"/>
-            </p:cNvPicPr>
-            <p:nvPr/>
-          </p:nvPicPr>
-          <p:blipFill>
-            <a:blip r:embed="rId2"/>
-            <a:stretch>
-              <a:fillRect/>
-            </a:stretch>
-          </p:blipFill>
-          <p:spPr>
-            <a:xfrm>
-              <a:off x="1044892" y="3210688"/>
-              <a:ext cx="2200769" cy="2888148"/>
-            </a:xfrm>
-            <a:prstGeom prst="rect">
-              <a:avLst/>
-            </a:prstGeom>
-            <a:ln>
-              <a:noFill/>
-            </a:ln>
-            <a:effectLst>
-              <a:outerShdw blurRad="292100" dist="139700" dir="2700000" algn="tl" rotWithShape="0">
-                <a:srgbClr val="333333">
-                  <a:alpha val="65000"/>
-                </a:srgbClr>
-              </a:outerShdw>
-            </a:effectLst>
-          </p:spPr>
-        </p:pic>
-        <p:pic>
-          <p:nvPicPr>
-            <p:cNvPr id="36" name="圖片 35">
-              <a:extLst>
-                <a:ext uri="{FF2B5EF4-FFF2-40B4-BE49-F238E27FC236}">
-                  <a16:creationId xmlns:a16="http://schemas.microsoft.com/office/drawing/2014/main" id="{84775F3E-8971-F7B4-F237-498ABD51096C}"/>
-                </a:ext>
-              </a:extLst>
-            </p:cNvPr>
-            <p:cNvPicPr>
-              <a:picLocks noChangeAspect="1"/>
-            </p:cNvPicPr>
-            <p:nvPr/>
-          </p:nvPicPr>
-          <p:blipFill>
-            <a:blip r:embed="rId2"/>
-            <a:stretch>
-              <a:fillRect/>
-            </a:stretch>
-          </p:blipFill>
-          <p:spPr>
-            <a:xfrm>
-              <a:off x="865755" y="3070846"/>
-              <a:ext cx="2200769" cy="2888148"/>
-            </a:xfrm>
-            <a:prstGeom prst="rect">
-              <a:avLst/>
-            </a:prstGeom>
-            <a:ln>
-              <a:noFill/>
-            </a:ln>
-            <a:effectLst>
-              <a:outerShdw blurRad="292100" dist="139700" dir="2700000" algn="tl" rotWithShape="0">
-                <a:srgbClr val="333333">
-                  <a:alpha val="65000"/>
-                </a:srgbClr>
-              </a:outerShdw>
-            </a:effectLst>
-          </p:spPr>
-        </p:pic>
-      </p:grpSp>
     </p:spTree>
     <p:extLst>
       <p:ext uri="{BB962C8B-B14F-4D97-AF65-F5344CB8AC3E}">
-        <p14:creationId xmlns:p14="http://schemas.microsoft.com/office/powerpoint/2010/main" val="2755357022"/>
+        <p14:creationId xmlns:p14="http://schemas.microsoft.com/office/powerpoint/2010/main" val="3670730005"/>
       </p:ext>
     </p:extLst>
   </p:cSld>
